--- a/驚喜卡片-讚 00857007+00857135.pptx
+++ b/驚喜卡片-讚 00857007+00857135.pptx
@@ -1,40 +1,45 @@
 
 <file path=ppt/presentation.xml><?xml version="1.0" encoding="utf-8"?>
-<p:presentation xmlns:a="http://schemas.openxmlformats.org/drawingml/2006/main" xmlns:r="http://schemas.openxmlformats.org/officeDocument/2006/relationships" xmlns:mc="http://schemas.openxmlformats.org/markup-compatibility/2006" xmlns:mv="urn:schemas-microsoft-com:mac:vml" xmlns:p="http://schemas.openxmlformats.org/presentationml/2006/main" xmlns:c="http://schemas.openxmlformats.org/drawingml/2006/chart" xmlns:dgm="http://schemas.openxmlformats.org/drawingml/2006/diagram" xmlns:o="urn:schemas-microsoft-com:office:office" xmlns:v="urn:schemas-microsoft-com:vml" xmlns:pvml="urn:schemas-microsoft-com:office:powerpoint" xmlns:com="http://schemas.openxmlformats.org/drawingml/2006/compatibility" xmlns:p14="http://schemas.microsoft.com/office/powerpoint/2010/main" xmlns:p15="http://schemas.microsoft.com/office/powerpoint/2012/main" xmlns:ahyp="http://schemas.microsoft.com/office/drawing/2018/hyperlinkcolor" autoCompressPictures="0" embedTrueTypeFonts="1" strictFirstAndLastChars="0" saveSubsetFonts="1">
+<p:presentation xmlns:a="http://schemas.openxmlformats.org/drawingml/2006/main" xmlns:r="http://schemas.openxmlformats.org/officeDocument/2006/relationships" xmlns:p="http://schemas.openxmlformats.org/presentationml/2006/main" strictFirstAndLastChars="0" embedTrueTypeFonts="1" saveSubsetFonts="1" autoCompressPictures="0">
   <p:sldMasterIdLst>
-    <p:sldMasterId id="2147483659" r:id="rId5"/>
+    <p:sldMasterId id="2147483659" r:id="rId1"/>
   </p:sldMasterIdLst>
   <p:notesMasterIdLst>
-    <p:notesMasterId r:id="rId6"/>
+    <p:notesMasterId r:id="rId12"/>
   </p:notesMasterIdLst>
   <p:sldIdLst>
-    <p:sldId id="256" r:id="rId7"/>
-    <p:sldId id="257" r:id="rId8"/>
-    <p:sldId id="258" r:id="rId9"/>
-    <p:sldId id="259" r:id="rId10"/>
-    <p:sldId id="260" r:id="rId11"/>
-    <p:sldId id="261" r:id="rId12"/>
-    <p:sldId id="262" r:id="rId13"/>
-    <p:sldId id="263" r:id="rId14"/>
-    <p:sldId id="264" r:id="rId15"/>
+    <p:sldId id="256" r:id="rId2"/>
+    <p:sldId id="257" r:id="rId3"/>
+    <p:sldId id="265" r:id="rId4"/>
+    <p:sldId id="258" r:id="rId5"/>
+    <p:sldId id="266" r:id="rId6"/>
+    <p:sldId id="260" r:id="rId7"/>
+    <p:sldId id="261" r:id="rId8"/>
+    <p:sldId id="262" r:id="rId9"/>
+    <p:sldId id="263" r:id="rId10"/>
+    <p:sldId id="264" r:id="rId11"/>
   </p:sldIdLst>
-  <p:sldSz cy="5143500" cx="9144000"/>
+  <p:sldSz cx="9144000" cy="5143500" type="screen16x9"/>
   <p:notesSz cx="6858000" cy="9144000"/>
   <p:embeddedFontLst>
     <p:embeddedFont>
-      <p:font typeface="Proxima Nova"/>
-      <p:regular r:id="rId16"/>
-      <p:bold r:id="rId17"/>
-      <p:italic r:id="rId18"/>
-      <p:boldItalic r:id="rId19"/>
+      <p:font typeface="PMingLiu" panose="02020500000000000000" pitchFamily="18" charset="-120"/>
+      <p:regular r:id="rId13"/>
     </p:embeddedFont>
     <p:embeddedFont>
-      <p:font typeface="Alfa Slab One"/>
-      <p:regular r:id="rId20"/>
+      <p:font typeface="Alfa Slab One" panose="020B0604020202020204" charset="0"/>
+      <p:regular r:id="rId14"/>
+    </p:embeddedFont>
+    <p:embeddedFont>
+      <p:font typeface="Proxima Nova" panose="020B0604020202020204" charset="0"/>
+      <p:regular r:id="rId15"/>
+      <p:bold r:id="rId16"/>
+      <p:italic r:id="rId17"/>
+      <p:boldItalic r:id="rId18"/>
     </p:embeddedFont>
   </p:embeddedFontLst>
   <p:defaultTextStyle>
-    <a:defPPr lvl="0" marR="0" rtl="0" algn="l">
+    <a:defPPr marR="0" lvl="0" algn="l" rtl="0">
       <a:lnSpc>
         <a:spcPct val="100000"/>
       </a:lnSpc>
@@ -45,7 +50,7 @@
         <a:spcPts val="0"/>
       </a:spcAft>
     </a:defPPr>
-    <a:lvl1pPr lvl="0" marR="0" rtl="0" algn="l">
+    <a:lvl1pPr marR="0" lvl="0" algn="l" rtl="0">
       <a:lnSpc>
         <a:spcPct val="100000"/>
       </a:lnSpc>
@@ -59,7 +64,7 @@
         <a:srgbClr val="000000"/>
       </a:buClr>
       <a:buFont typeface="Arial"/>
-      <a:defRPr b="0" i="0" sz="1400" u="none" cap="none" strike="noStrike">
+      <a:defRPr sz="1400" b="0" i="0" u="none" strike="noStrike" cap="none">
         <a:solidFill>
           <a:srgbClr val="000000"/>
         </a:solidFill>
@@ -69,7 +74,7 @@
         <a:sym typeface="Arial"/>
       </a:defRPr>
     </a:lvl1pPr>
-    <a:lvl2pPr lvl="1" marR="0" rtl="0" algn="l">
+    <a:lvl2pPr marR="0" lvl="1" algn="l" rtl="0">
       <a:lnSpc>
         <a:spcPct val="100000"/>
       </a:lnSpc>
@@ -83,7 +88,7 @@
         <a:srgbClr val="000000"/>
       </a:buClr>
       <a:buFont typeface="Arial"/>
-      <a:defRPr b="0" i="0" sz="1400" u="none" cap="none" strike="noStrike">
+      <a:defRPr sz="1400" b="0" i="0" u="none" strike="noStrike" cap="none">
         <a:solidFill>
           <a:srgbClr val="000000"/>
         </a:solidFill>
@@ -93,7 +98,7 @@
         <a:sym typeface="Arial"/>
       </a:defRPr>
     </a:lvl2pPr>
-    <a:lvl3pPr lvl="2" marR="0" rtl="0" algn="l">
+    <a:lvl3pPr marR="0" lvl="2" algn="l" rtl="0">
       <a:lnSpc>
         <a:spcPct val="100000"/>
       </a:lnSpc>
@@ -107,7 +112,7 @@
         <a:srgbClr val="000000"/>
       </a:buClr>
       <a:buFont typeface="Arial"/>
-      <a:defRPr b="0" i="0" sz="1400" u="none" cap="none" strike="noStrike">
+      <a:defRPr sz="1400" b="0" i="0" u="none" strike="noStrike" cap="none">
         <a:solidFill>
           <a:srgbClr val="000000"/>
         </a:solidFill>
@@ -117,7 +122,7 @@
         <a:sym typeface="Arial"/>
       </a:defRPr>
     </a:lvl3pPr>
-    <a:lvl4pPr lvl="3" marR="0" rtl="0" algn="l">
+    <a:lvl4pPr marR="0" lvl="3" algn="l" rtl="0">
       <a:lnSpc>
         <a:spcPct val="100000"/>
       </a:lnSpc>
@@ -131,7 +136,7 @@
         <a:srgbClr val="000000"/>
       </a:buClr>
       <a:buFont typeface="Arial"/>
-      <a:defRPr b="0" i="0" sz="1400" u="none" cap="none" strike="noStrike">
+      <a:defRPr sz="1400" b="0" i="0" u="none" strike="noStrike" cap="none">
         <a:solidFill>
           <a:srgbClr val="000000"/>
         </a:solidFill>
@@ -141,7 +146,7 @@
         <a:sym typeface="Arial"/>
       </a:defRPr>
     </a:lvl4pPr>
-    <a:lvl5pPr lvl="4" marR="0" rtl="0" algn="l">
+    <a:lvl5pPr marR="0" lvl="4" algn="l" rtl="0">
       <a:lnSpc>
         <a:spcPct val="100000"/>
       </a:lnSpc>
@@ -155,7 +160,7 @@
         <a:srgbClr val="000000"/>
       </a:buClr>
       <a:buFont typeface="Arial"/>
-      <a:defRPr b="0" i="0" sz="1400" u="none" cap="none" strike="noStrike">
+      <a:defRPr sz="1400" b="0" i="0" u="none" strike="noStrike" cap="none">
         <a:solidFill>
           <a:srgbClr val="000000"/>
         </a:solidFill>
@@ -165,7 +170,7 @@
         <a:sym typeface="Arial"/>
       </a:defRPr>
     </a:lvl5pPr>
-    <a:lvl6pPr lvl="5" marR="0" rtl="0" algn="l">
+    <a:lvl6pPr marR="0" lvl="5" algn="l" rtl="0">
       <a:lnSpc>
         <a:spcPct val="100000"/>
       </a:lnSpc>
@@ -179,7 +184,7 @@
         <a:srgbClr val="000000"/>
       </a:buClr>
       <a:buFont typeface="Arial"/>
-      <a:defRPr b="0" i="0" sz="1400" u="none" cap="none" strike="noStrike">
+      <a:defRPr sz="1400" b="0" i="0" u="none" strike="noStrike" cap="none">
         <a:solidFill>
           <a:srgbClr val="000000"/>
         </a:solidFill>
@@ -189,7 +194,7 @@
         <a:sym typeface="Arial"/>
       </a:defRPr>
     </a:lvl6pPr>
-    <a:lvl7pPr lvl="6" marR="0" rtl="0" algn="l">
+    <a:lvl7pPr marR="0" lvl="6" algn="l" rtl="0">
       <a:lnSpc>
         <a:spcPct val="100000"/>
       </a:lnSpc>
@@ -203,7 +208,7 @@
         <a:srgbClr val="000000"/>
       </a:buClr>
       <a:buFont typeface="Arial"/>
-      <a:defRPr b="0" i="0" sz="1400" u="none" cap="none" strike="noStrike">
+      <a:defRPr sz="1400" b="0" i="0" u="none" strike="noStrike" cap="none">
         <a:solidFill>
           <a:srgbClr val="000000"/>
         </a:solidFill>
@@ -213,7 +218,7 @@
         <a:sym typeface="Arial"/>
       </a:defRPr>
     </a:lvl7pPr>
-    <a:lvl8pPr lvl="7" marR="0" rtl="0" algn="l">
+    <a:lvl8pPr marR="0" lvl="7" algn="l" rtl="0">
       <a:lnSpc>
         <a:spcPct val="100000"/>
       </a:lnSpc>
@@ -227,7 +232,7 @@
         <a:srgbClr val="000000"/>
       </a:buClr>
       <a:buFont typeface="Arial"/>
-      <a:defRPr b="0" i="0" sz="1400" u="none" cap="none" strike="noStrike">
+      <a:defRPr sz="1400" b="0" i="0" u="none" strike="noStrike" cap="none">
         <a:solidFill>
           <a:srgbClr val="000000"/>
         </a:solidFill>
@@ -237,7 +242,7 @@
         <a:sym typeface="Arial"/>
       </a:defRPr>
     </a:lvl8pPr>
-    <a:lvl9pPr lvl="8" marR="0" rtl="0" algn="l">
+    <a:lvl9pPr marR="0" lvl="8" algn="l" rtl="0">
       <a:lnSpc>
         <a:spcPct val="100000"/>
       </a:lnSpc>
@@ -251,7 +256,7 @@
         <a:srgbClr val="000000"/>
       </a:buClr>
       <a:buFont typeface="Arial"/>
-      <a:defRPr b="0" i="0" sz="1400" u="none" cap="none" strike="noStrike">
+      <a:defRPr sz="1400" b="0" i="0" u="none" strike="noStrike" cap="none">
         <a:solidFill>
           <a:srgbClr val="000000"/>
         </a:solidFill>
@@ -264,7 +269,7 @@
   </p:defaultTextStyle>
   <p:extLst>
     <p:ext uri="{EFAFB233-063F-42B5-8137-9DF3F51BA10A}">
-      <p15:sldGuideLst>
+      <p15:sldGuideLst xmlns:ahyp="http://schemas.microsoft.com/office/drawing/2018/hyperlinkcolor" xmlns:p15="http://schemas.microsoft.com/office/powerpoint/2012/main" xmlns:p14="http://schemas.microsoft.com/office/powerpoint/2010/main" xmlns:com="http://schemas.openxmlformats.org/drawingml/2006/compatibility" xmlns:pvml="urn:schemas-microsoft-com:office:powerpoint" xmlns:v="urn:schemas-microsoft-com:vml" xmlns:o="urn:schemas-microsoft-com:office:office" xmlns:dgm="http://schemas.openxmlformats.org/drawingml/2006/diagram" xmlns:c="http://schemas.openxmlformats.org/drawingml/2006/chart" xmlns:mv="urn:schemas-microsoft-com:mac:vml" xmlns:mc="http://schemas.openxmlformats.org/markup-compatibility/2006" xmlns="">
         <p15:guide id="1" orient="horz" pos="1620">
           <p15:clr>
             <a:srgbClr val="A4A3A4"/>
@@ -282,11 +287,16 @@
 </file>
 
 <file path=ppt/notesMasters/notesMaster1.xml><?xml version="1.0" encoding="utf-8"?>
-<p:notesMaster xmlns:a="http://schemas.openxmlformats.org/drawingml/2006/main" xmlns:r="http://schemas.openxmlformats.org/officeDocument/2006/relationships" xmlns:mc="http://schemas.openxmlformats.org/markup-compatibility/2006" xmlns:mv="urn:schemas-microsoft-com:mac:vml" xmlns:p="http://schemas.openxmlformats.org/presentationml/2006/main" xmlns:c="http://schemas.openxmlformats.org/drawingml/2006/chart" xmlns:dgm="http://schemas.openxmlformats.org/drawingml/2006/diagram" xmlns:o="urn:schemas-microsoft-com:office:office" xmlns:v="urn:schemas-microsoft-com:vml" xmlns:pvml="urn:schemas-microsoft-com:office:powerpoint" xmlns:com="http://schemas.openxmlformats.org/drawingml/2006/compatibility" xmlns:p14="http://schemas.microsoft.com/office/powerpoint/2010/main" xmlns:p15="http://schemas.microsoft.com/office/powerpoint/2012/main" xmlns:ahyp="http://schemas.microsoft.com/office/drawing/2018/hyperlinkcolor">
+<p:notesMaster xmlns:a="http://schemas.openxmlformats.org/drawingml/2006/main" xmlns:r="http://schemas.openxmlformats.org/officeDocument/2006/relationships" xmlns:p="http://schemas.openxmlformats.org/presentationml/2006/main">
   <p:cSld>
+    <p:bg>
+      <p:bgRef idx="1001">
+        <a:schemeClr val="bg1"/>
+      </p:bgRef>
+    </p:bg>
     <p:spTree>
       <p:nvGrpSpPr>
-        <p:cNvPr id="2" name="Shape 2"/>
+        <p:cNvPr id="1" name="Shape 2"/>
         <p:cNvGrpSpPr/>
         <p:nvPr/>
       </p:nvGrpSpPr>
@@ -301,9 +311,11 @@
       <p:sp>
         <p:nvSpPr>
           <p:cNvPr id="3" name="Google Shape;3;n"/>
-          <p:cNvSpPr/>
+          <p:cNvSpPr>
+            <a:spLocks noGrp="1" noRot="1" noChangeAspect="1"/>
+          </p:cNvSpPr>
           <p:nvPr>
-            <p:ph idx="2" type="sldImg"/>
+            <p:ph type="sldImg" idx="2"/>
           </p:nvPr>
         </p:nvSpPr>
         <p:spPr>
@@ -312,9 +324,13 @@
             <a:ext cx="6096075" cy="3429000"/>
           </a:xfrm>
           <a:custGeom>
-            <a:rect b="b" l="l" r="r" t="t"/>
+            <a:avLst/>
+            <a:gdLst/>
+            <a:ahLst/>
+            <a:cxnLst/>
+            <a:rect l="l" t="t" r="r" b="b"/>
             <a:pathLst>
-              <a:path extrusionOk="0" h="120000" w="120000">
+              <a:path w="120000" h="120000" extrusionOk="0">
                 <a:moveTo>
                   <a:pt x="0" y="0"/>
                 </a:moveTo>
@@ -332,23 +348,25 @@
             </a:pathLst>
           </a:custGeom>
           <a:noFill/>
-          <a:ln cap="flat" cmpd="sng" w="9525">
+          <a:ln w="9525" cap="flat" cmpd="sng">
             <a:solidFill>
               <a:srgbClr val="000000"/>
             </a:solidFill>
             <a:prstDash val="solid"/>
             <a:round/>
-            <a:headEnd len="sm" w="sm" type="none"/>
-            <a:tailEnd len="sm" w="sm" type="none"/>
+            <a:headEnd type="none" w="sm" len="sm"/>
+            <a:tailEnd type="none" w="sm" len="sm"/>
           </a:ln>
         </p:spPr>
       </p:sp>
       <p:sp>
         <p:nvSpPr>
           <p:cNvPr id="4" name="Google Shape;4;n"/>
-          <p:cNvSpPr txBox="1"/>
+          <p:cNvSpPr txBox="1">
+            <a:spLocks noGrp="1"/>
+          </p:cNvSpPr>
           <p:nvPr>
-            <p:ph idx="1" type="body"/>
+            <p:ph type="body" idx="1"/>
           </p:nvPr>
         </p:nvSpPr>
         <p:spPr>
@@ -365,11 +383,11 @@
           </a:ln>
         </p:spPr>
         <p:txBody>
-          <a:bodyPr anchorCtr="0" anchor="t" bIns="91425" lIns="91425" spcFirstLastPara="1" rIns="91425" wrap="square" tIns="91425">
+          <a:bodyPr spcFirstLastPara="1" wrap="square" lIns="91425" tIns="91425" rIns="91425" bIns="91425" anchor="t" anchorCtr="0">
             <a:noAutofit/>
           </a:bodyPr>
           <a:lstStyle>
-            <a:lvl1pPr indent="-298450" lvl="0" marL="457200">
+            <a:lvl1pPr marL="457200" lvl="0" indent="-298450">
               <a:spcBef>
                 <a:spcPts val="0"/>
               </a:spcBef>
@@ -380,7 +398,7 @@
               <a:buChar char="●"/>
               <a:defRPr sz="1100"/>
             </a:lvl1pPr>
-            <a:lvl2pPr indent="-298450" lvl="1" marL="914400">
+            <a:lvl2pPr marL="914400" lvl="1" indent="-298450">
               <a:spcBef>
                 <a:spcPts val="0"/>
               </a:spcBef>
@@ -391,7 +409,7 @@
               <a:buChar char="○"/>
               <a:defRPr sz="1100"/>
             </a:lvl2pPr>
-            <a:lvl3pPr indent="-298450" lvl="2" marL="1371600">
+            <a:lvl3pPr marL="1371600" lvl="2" indent="-298450">
               <a:spcBef>
                 <a:spcPts val="0"/>
               </a:spcBef>
@@ -402,7 +420,7 @@
               <a:buChar char="■"/>
               <a:defRPr sz="1100"/>
             </a:lvl3pPr>
-            <a:lvl4pPr indent="-298450" lvl="3" marL="1828800">
+            <a:lvl4pPr marL="1828800" lvl="3" indent="-298450">
               <a:spcBef>
                 <a:spcPts val="0"/>
               </a:spcBef>
@@ -413,7 +431,7 @@
               <a:buChar char="●"/>
               <a:defRPr sz="1100"/>
             </a:lvl4pPr>
-            <a:lvl5pPr indent="-298450" lvl="4" marL="2286000">
+            <a:lvl5pPr marL="2286000" lvl="4" indent="-298450">
               <a:spcBef>
                 <a:spcPts val="0"/>
               </a:spcBef>
@@ -424,7 +442,7 @@
               <a:buChar char="○"/>
               <a:defRPr sz="1100"/>
             </a:lvl5pPr>
-            <a:lvl6pPr indent="-298450" lvl="5" marL="2743200">
+            <a:lvl6pPr marL="2743200" lvl="5" indent="-298450">
               <a:spcBef>
                 <a:spcPts val="0"/>
               </a:spcBef>
@@ -435,7 +453,7 @@
               <a:buChar char="■"/>
               <a:defRPr sz="1100"/>
             </a:lvl6pPr>
-            <a:lvl7pPr indent="-298450" lvl="6" marL="3200400">
+            <a:lvl7pPr marL="3200400" lvl="6" indent="-298450">
               <a:spcBef>
                 <a:spcPts val="0"/>
               </a:spcBef>
@@ -446,7 +464,7 @@
               <a:buChar char="●"/>
               <a:defRPr sz="1100"/>
             </a:lvl7pPr>
-            <a:lvl8pPr indent="-298450" lvl="7" marL="3657600">
+            <a:lvl8pPr marL="3657600" lvl="7" indent="-298450">
               <a:spcBef>
                 <a:spcPts val="0"/>
               </a:spcBef>
@@ -457,7 +475,7 @@
               <a:buChar char="○"/>
               <a:defRPr sz="1100"/>
             </a:lvl8pPr>
-            <a:lvl9pPr indent="-298450" lvl="8" marL="4114800">
+            <a:lvl9pPr marL="4114800" lvl="8" indent="-298450">
               <a:spcBef>
                 <a:spcPts val="0"/>
               </a:spcBef>
@@ -469,14 +487,21 @@
               <a:defRPr sz="1100"/>
             </a:lvl9pPr>
           </a:lstStyle>
-          <a:p/>
+          <a:p>
+            <a:endParaRPr/>
+          </a:p>
         </p:txBody>
       </p:sp>
     </p:spTree>
+    <p:extLst>
+      <p:ext uri="{BB962C8B-B14F-4D97-AF65-F5344CB8AC3E}">
+        <p14:creationId xmlns:p14="http://schemas.microsoft.com/office/powerpoint/2010/main" val="3902320398"/>
+      </p:ext>
+    </p:extLst>
   </p:cSld>
-  <p:clrMap accent1="accent1" accent2="accent2" accent3="accent3" accent4="accent4" accent5="accent5" accent6="accent6" bg1="lt1" bg2="dk2" tx1="dk1" tx2="lt2" folHlink="folHlink" hlink="hlink"/>
+  <p:clrMap bg1="lt1" tx1="dk1" bg2="dk2" tx2="lt2" accent1="accent1" accent2="accent2" accent3="accent3" accent4="accent4" accent5="accent5" accent6="accent6" hlink="hlink" folHlink="folHlink"/>
   <p:notesStyle>
-    <a:defPPr lvl="0" marR="0" rtl="0" algn="l">
+    <a:defPPr marR="0" lvl="0" algn="l" rtl="0">
       <a:lnSpc>
         <a:spcPct val="100000"/>
       </a:lnSpc>
@@ -487,7 +512,7 @@
         <a:spcPts val="0"/>
       </a:spcAft>
     </a:defPPr>
-    <a:lvl1pPr lvl="0" marR="0" rtl="0" algn="l">
+    <a:lvl1pPr marR="0" lvl="0" algn="l" rtl="0">
       <a:lnSpc>
         <a:spcPct val="100000"/>
       </a:lnSpc>
@@ -501,7 +526,7 @@
         <a:srgbClr val="000000"/>
       </a:buClr>
       <a:buFont typeface="Arial"/>
-      <a:defRPr b="0" i="0" sz="1400" u="none" cap="none" strike="noStrike">
+      <a:defRPr sz="1400" b="0" i="0" u="none" strike="noStrike" cap="none">
         <a:solidFill>
           <a:srgbClr val="000000"/>
         </a:solidFill>
@@ -511,7 +536,7 @@
         <a:sym typeface="Arial"/>
       </a:defRPr>
     </a:lvl1pPr>
-    <a:lvl2pPr lvl="1" marR="0" rtl="0" algn="l">
+    <a:lvl2pPr marR="0" lvl="1" algn="l" rtl="0">
       <a:lnSpc>
         <a:spcPct val="100000"/>
       </a:lnSpc>
@@ -525,7 +550,7 @@
         <a:srgbClr val="000000"/>
       </a:buClr>
       <a:buFont typeface="Arial"/>
-      <a:defRPr b="0" i="0" sz="1400" u="none" cap="none" strike="noStrike">
+      <a:defRPr sz="1400" b="0" i="0" u="none" strike="noStrike" cap="none">
         <a:solidFill>
           <a:srgbClr val="000000"/>
         </a:solidFill>
@@ -535,7 +560,7 @@
         <a:sym typeface="Arial"/>
       </a:defRPr>
     </a:lvl2pPr>
-    <a:lvl3pPr lvl="2" marR="0" rtl="0" algn="l">
+    <a:lvl3pPr marR="0" lvl="2" algn="l" rtl="0">
       <a:lnSpc>
         <a:spcPct val="100000"/>
       </a:lnSpc>
@@ -549,7 +574,7 @@
         <a:srgbClr val="000000"/>
       </a:buClr>
       <a:buFont typeface="Arial"/>
-      <a:defRPr b="0" i="0" sz="1400" u="none" cap="none" strike="noStrike">
+      <a:defRPr sz="1400" b="0" i="0" u="none" strike="noStrike" cap="none">
         <a:solidFill>
           <a:srgbClr val="000000"/>
         </a:solidFill>
@@ -559,7 +584,7 @@
         <a:sym typeface="Arial"/>
       </a:defRPr>
     </a:lvl3pPr>
-    <a:lvl4pPr lvl="3" marR="0" rtl="0" algn="l">
+    <a:lvl4pPr marR="0" lvl="3" algn="l" rtl="0">
       <a:lnSpc>
         <a:spcPct val="100000"/>
       </a:lnSpc>
@@ -573,7 +598,7 @@
         <a:srgbClr val="000000"/>
       </a:buClr>
       <a:buFont typeface="Arial"/>
-      <a:defRPr b="0" i="0" sz="1400" u="none" cap="none" strike="noStrike">
+      <a:defRPr sz="1400" b="0" i="0" u="none" strike="noStrike" cap="none">
         <a:solidFill>
           <a:srgbClr val="000000"/>
         </a:solidFill>
@@ -583,7 +608,7 @@
         <a:sym typeface="Arial"/>
       </a:defRPr>
     </a:lvl4pPr>
-    <a:lvl5pPr lvl="4" marR="0" rtl="0" algn="l">
+    <a:lvl5pPr marR="0" lvl="4" algn="l" rtl="0">
       <a:lnSpc>
         <a:spcPct val="100000"/>
       </a:lnSpc>
@@ -597,7 +622,7 @@
         <a:srgbClr val="000000"/>
       </a:buClr>
       <a:buFont typeface="Arial"/>
-      <a:defRPr b="0" i="0" sz="1400" u="none" cap="none" strike="noStrike">
+      <a:defRPr sz="1400" b="0" i="0" u="none" strike="noStrike" cap="none">
         <a:solidFill>
           <a:srgbClr val="000000"/>
         </a:solidFill>
@@ -607,7 +632,7 @@
         <a:sym typeface="Arial"/>
       </a:defRPr>
     </a:lvl5pPr>
-    <a:lvl6pPr lvl="5" marR="0" rtl="0" algn="l">
+    <a:lvl6pPr marR="0" lvl="5" algn="l" rtl="0">
       <a:lnSpc>
         <a:spcPct val="100000"/>
       </a:lnSpc>
@@ -621,7 +646,7 @@
         <a:srgbClr val="000000"/>
       </a:buClr>
       <a:buFont typeface="Arial"/>
-      <a:defRPr b="0" i="0" sz="1400" u="none" cap="none" strike="noStrike">
+      <a:defRPr sz="1400" b="0" i="0" u="none" strike="noStrike" cap="none">
         <a:solidFill>
           <a:srgbClr val="000000"/>
         </a:solidFill>
@@ -631,7 +656,7 @@
         <a:sym typeface="Arial"/>
       </a:defRPr>
     </a:lvl6pPr>
-    <a:lvl7pPr lvl="6" marR="0" rtl="0" algn="l">
+    <a:lvl7pPr marR="0" lvl="6" algn="l" rtl="0">
       <a:lnSpc>
         <a:spcPct val="100000"/>
       </a:lnSpc>
@@ -645,7 +670,7 @@
         <a:srgbClr val="000000"/>
       </a:buClr>
       <a:buFont typeface="Arial"/>
-      <a:defRPr b="0" i="0" sz="1400" u="none" cap="none" strike="noStrike">
+      <a:defRPr sz="1400" b="0" i="0" u="none" strike="noStrike" cap="none">
         <a:solidFill>
           <a:srgbClr val="000000"/>
         </a:solidFill>
@@ -655,7 +680,7 @@
         <a:sym typeface="Arial"/>
       </a:defRPr>
     </a:lvl7pPr>
-    <a:lvl8pPr lvl="7" marR="0" rtl="0" algn="l">
+    <a:lvl8pPr marR="0" lvl="7" algn="l" rtl="0">
       <a:lnSpc>
         <a:spcPct val="100000"/>
       </a:lnSpc>
@@ -669,7 +694,7 @@
         <a:srgbClr val="000000"/>
       </a:buClr>
       <a:buFont typeface="Arial"/>
-      <a:defRPr b="0" i="0" sz="1400" u="none" cap="none" strike="noStrike">
+      <a:defRPr sz="1400" b="0" i="0" u="none" strike="noStrike" cap="none">
         <a:solidFill>
           <a:srgbClr val="000000"/>
         </a:solidFill>
@@ -679,7 +704,7 @@
         <a:sym typeface="Arial"/>
       </a:defRPr>
     </a:lvl8pPr>
-    <a:lvl9pPr lvl="8" marR="0" rtl="0" algn="l">
+    <a:lvl9pPr marR="0" lvl="8" algn="l" rtl="0">
       <a:lnSpc>
         <a:spcPct val="100000"/>
       </a:lnSpc>
@@ -693,7 +718,7 @@
         <a:srgbClr val="000000"/>
       </a:buClr>
       <a:buFont typeface="Arial"/>
-      <a:defRPr b="0" i="0" sz="1400" u="none" cap="none" strike="noStrike">
+      <a:defRPr sz="1400" b="0" i="0" u="none" strike="noStrike" cap="none">
         <a:solidFill>
           <a:srgbClr val="000000"/>
         </a:solidFill>
@@ -708,11 +733,11 @@
 </file>
 
 <file path=ppt/notesSlides/notesSlide1.xml><?xml version="1.0" encoding="utf-8"?>
-<p:notes xmlns:a="http://schemas.openxmlformats.org/drawingml/2006/main" xmlns:r="http://schemas.openxmlformats.org/officeDocument/2006/relationships" xmlns:mc="http://schemas.openxmlformats.org/markup-compatibility/2006" xmlns:mv="urn:schemas-microsoft-com:mac:vml" xmlns:p="http://schemas.openxmlformats.org/presentationml/2006/main" xmlns:c="http://schemas.openxmlformats.org/drawingml/2006/chart" xmlns:dgm="http://schemas.openxmlformats.org/drawingml/2006/diagram" xmlns:o="urn:schemas-microsoft-com:office:office" xmlns:v="urn:schemas-microsoft-com:vml" xmlns:pvml="urn:schemas-microsoft-com:office:powerpoint" xmlns:com="http://schemas.openxmlformats.org/drawingml/2006/compatibility" xmlns:p14="http://schemas.microsoft.com/office/powerpoint/2010/main" xmlns:p15="http://schemas.microsoft.com/office/powerpoint/2012/main" xmlns:ahyp="http://schemas.microsoft.com/office/drawing/2018/hyperlinkcolor" showMasterPhAnim="0" showMasterSp="0">
+<p:notes xmlns:a="http://schemas.openxmlformats.org/drawingml/2006/main" xmlns:r="http://schemas.openxmlformats.org/officeDocument/2006/relationships" xmlns:p="http://schemas.openxmlformats.org/presentationml/2006/main" showMasterSp="0" showMasterPhAnim="0">
   <p:cSld>
     <p:spTree>
       <p:nvGrpSpPr>
-        <p:cNvPr id="52" name="Shape 52"/>
+        <p:cNvPr id="1" name="Shape 52"/>
         <p:cNvGrpSpPr/>
         <p:nvPr/>
       </p:nvGrpSpPr>
@@ -727,20 +752,26 @@
       <p:sp>
         <p:nvSpPr>
           <p:cNvPr id="53" name="Google Shape;53;p:notes"/>
-          <p:cNvSpPr/>
+          <p:cNvSpPr>
+            <a:spLocks noGrp="1" noRot="1" noChangeAspect="1"/>
+          </p:cNvSpPr>
           <p:nvPr>
-            <p:ph idx="2" type="sldImg"/>
+            <p:ph type="sldImg" idx="2"/>
           </p:nvPr>
         </p:nvSpPr>
         <p:spPr>
           <a:xfrm>
-            <a:off x="381300" y="685800"/>
-            <a:ext cx="6096075" cy="3429000"/>
+            <a:off x="381000" y="685800"/>
+            <a:ext cx="6096000" cy="3429000"/>
           </a:xfrm>
           <a:custGeom>
-            <a:rect b="b" l="l" r="r" t="t"/>
+            <a:avLst/>
+            <a:gdLst/>
+            <a:ahLst/>
+            <a:cxnLst/>
+            <a:rect l="l" t="t" r="r" b="b"/>
             <a:pathLst>
-              <a:path extrusionOk="0" h="120000" w="120000">
+              <a:path w="120000" h="120000" extrusionOk="0">
                 <a:moveTo>
                   <a:pt x="0" y="0"/>
                 </a:moveTo>
@@ -762,9 +793,11 @@
       <p:sp>
         <p:nvSpPr>
           <p:cNvPr id="54" name="Google Shape;54;p:notes"/>
-          <p:cNvSpPr txBox="1"/>
+          <p:cNvSpPr txBox="1">
+            <a:spLocks noGrp="1"/>
+          </p:cNvSpPr>
           <p:nvPr>
-            <p:ph idx="1" type="body"/>
+            <p:ph type="body" idx="1"/>
           </p:nvPr>
         </p:nvSpPr>
         <p:spPr>
@@ -777,12 +810,12 @@
           </a:prstGeom>
         </p:spPr>
         <p:txBody>
-          <a:bodyPr anchorCtr="0" anchor="t" bIns="91425" lIns="91425" spcFirstLastPara="1" rIns="91425" wrap="square" tIns="91425">
+          <a:bodyPr spcFirstLastPara="1" wrap="square" lIns="91425" tIns="91425" rIns="91425" bIns="91425" anchor="t" anchorCtr="0">
             <a:noAutofit/>
           </a:bodyPr>
           <a:lstStyle/>
           <a:p>
-            <a:pPr indent="0" lvl="0" marL="0" rtl="0" algn="l">
+            <a:pPr marL="0" lvl="0" indent="0" algn="l" rtl="0">
               <a:spcBef>
                 <a:spcPts val="0"/>
               </a:spcBef>
@@ -791,9 +824,6 @@
               </a:spcAft>
               <a:buNone/>
             </a:pPr>
-            <a:r>
-              <a:t/>
-            </a:r>
             <a:endParaRPr/>
           </a:p>
         </p:txBody>
@@ -807,11 +837,11 @@
 </file>
 
 <file path=ppt/notesSlides/notesSlide2.xml><?xml version="1.0" encoding="utf-8"?>
-<p:notes xmlns:a="http://schemas.openxmlformats.org/drawingml/2006/main" xmlns:r="http://schemas.openxmlformats.org/officeDocument/2006/relationships" xmlns:mc="http://schemas.openxmlformats.org/markup-compatibility/2006" xmlns:mv="urn:schemas-microsoft-com:mac:vml" xmlns:p="http://schemas.openxmlformats.org/presentationml/2006/main" xmlns:c="http://schemas.openxmlformats.org/drawingml/2006/chart" xmlns:dgm="http://schemas.openxmlformats.org/drawingml/2006/diagram" xmlns:o="urn:schemas-microsoft-com:office:office" xmlns:v="urn:schemas-microsoft-com:vml" xmlns:pvml="urn:schemas-microsoft-com:office:powerpoint" xmlns:com="http://schemas.openxmlformats.org/drawingml/2006/compatibility" xmlns:p14="http://schemas.microsoft.com/office/powerpoint/2010/main" xmlns:p15="http://schemas.microsoft.com/office/powerpoint/2012/main" xmlns:ahyp="http://schemas.microsoft.com/office/drawing/2018/hyperlinkcolor" showMasterPhAnim="0" showMasterSp="0">
+<p:notes xmlns:a="http://schemas.openxmlformats.org/drawingml/2006/main" xmlns:r="http://schemas.openxmlformats.org/officeDocument/2006/relationships" xmlns:p="http://schemas.openxmlformats.org/presentationml/2006/main" showMasterSp="0" showMasterPhAnim="0">
   <p:cSld>
     <p:spTree>
       <p:nvGrpSpPr>
-        <p:cNvPr id="58" name="Shape 58"/>
+        <p:cNvPr id="1" name="Shape 58"/>
         <p:cNvGrpSpPr/>
         <p:nvPr/>
       </p:nvGrpSpPr>
@@ -826,20 +856,26 @@
       <p:sp>
         <p:nvSpPr>
           <p:cNvPr id="59" name="Google Shape;59;gac8864ae77_0_174:notes"/>
-          <p:cNvSpPr/>
+          <p:cNvSpPr>
+            <a:spLocks noGrp="1" noRot="1" noChangeAspect="1"/>
+          </p:cNvSpPr>
           <p:nvPr>
-            <p:ph idx="2" type="sldImg"/>
+            <p:ph type="sldImg" idx="2"/>
           </p:nvPr>
         </p:nvSpPr>
         <p:spPr>
           <a:xfrm>
-            <a:off x="381300" y="685800"/>
+            <a:off x="381000" y="685800"/>
             <a:ext cx="6096000" cy="3429000"/>
           </a:xfrm>
           <a:custGeom>
-            <a:rect b="b" l="l" r="r" t="t"/>
+            <a:avLst/>
+            <a:gdLst/>
+            <a:ahLst/>
+            <a:cxnLst/>
+            <a:rect l="l" t="t" r="r" b="b"/>
             <a:pathLst>
-              <a:path extrusionOk="0" h="120000" w="120000">
+              <a:path w="120000" h="120000" extrusionOk="0">
                 <a:moveTo>
                   <a:pt x="0" y="0"/>
                 </a:moveTo>
@@ -861,9 +897,11 @@
       <p:sp>
         <p:nvSpPr>
           <p:cNvPr id="60" name="Google Shape;60;gac8864ae77_0_174:notes"/>
-          <p:cNvSpPr txBox="1"/>
+          <p:cNvSpPr txBox="1">
+            <a:spLocks noGrp="1"/>
+          </p:cNvSpPr>
           <p:nvPr>
-            <p:ph idx="1" type="body"/>
+            <p:ph type="body" idx="1"/>
           </p:nvPr>
         </p:nvSpPr>
         <p:spPr>
@@ -876,12 +914,12 @@
           </a:prstGeom>
         </p:spPr>
         <p:txBody>
-          <a:bodyPr anchorCtr="0" anchor="t" bIns="91425" lIns="91425" spcFirstLastPara="1" rIns="91425" wrap="square" tIns="91425">
+          <a:bodyPr spcFirstLastPara="1" wrap="square" lIns="91425" tIns="91425" rIns="91425" bIns="91425" anchor="t" anchorCtr="0">
             <a:noAutofit/>
           </a:bodyPr>
           <a:lstStyle/>
           <a:p>
-            <a:pPr indent="0" lvl="0" marL="0" rtl="0" algn="l">
+            <a:pPr marL="0" lvl="0" indent="0" algn="l" rtl="0">
               <a:spcBef>
                 <a:spcPts val="0"/>
               </a:spcBef>
@@ -890,9 +928,6 @@
               </a:spcAft>
               <a:buNone/>
             </a:pPr>
-            <a:r>
-              <a:t/>
-            </a:r>
             <a:endParaRPr/>
           </a:p>
         </p:txBody>
@@ -906,11 +941,11 @@
 </file>
 
 <file path=ppt/notesSlides/notesSlide3.xml><?xml version="1.0" encoding="utf-8"?>
-<p:notes xmlns:a="http://schemas.openxmlformats.org/drawingml/2006/main" xmlns:r="http://schemas.openxmlformats.org/officeDocument/2006/relationships" xmlns:mc="http://schemas.openxmlformats.org/markup-compatibility/2006" xmlns:mv="urn:schemas-microsoft-com:mac:vml" xmlns:p="http://schemas.openxmlformats.org/presentationml/2006/main" xmlns:c="http://schemas.openxmlformats.org/drawingml/2006/chart" xmlns:dgm="http://schemas.openxmlformats.org/drawingml/2006/diagram" xmlns:o="urn:schemas-microsoft-com:office:office" xmlns:v="urn:schemas-microsoft-com:vml" xmlns:pvml="urn:schemas-microsoft-com:office:powerpoint" xmlns:com="http://schemas.openxmlformats.org/drawingml/2006/compatibility" xmlns:p14="http://schemas.microsoft.com/office/powerpoint/2010/main" xmlns:p15="http://schemas.microsoft.com/office/powerpoint/2012/main" xmlns:ahyp="http://schemas.microsoft.com/office/drawing/2018/hyperlinkcolor" showMasterPhAnim="0" showMasterSp="0">
+<p:notes xmlns:a="http://schemas.openxmlformats.org/drawingml/2006/main" xmlns:r="http://schemas.openxmlformats.org/officeDocument/2006/relationships" xmlns:p="http://schemas.openxmlformats.org/presentationml/2006/main" showMasterSp="0" showMasterPhAnim="0">
   <p:cSld>
     <p:spTree>
       <p:nvGrpSpPr>
-        <p:cNvPr id="64" name="Shape 64"/>
+        <p:cNvPr id="1" name="Shape 64"/>
         <p:cNvGrpSpPr/>
         <p:nvPr/>
       </p:nvGrpSpPr>
@@ -925,20 +960,26 @@
       <p:sp>
         <p:nvSpPr>
           <p:cNvPr id="65" name="Google Shape;65;gb4ef67aa97_0_1:notes"/>
-          <p:cNvSpPr/>
+          <p:cNvSpPr>
+            <a:spLocks noGrp="1" noRot="1" noChangeAspect="1"/>
+          </p:cNvSpPr>
           <p:nvPr>
-            <p:ph idx="2" type="sldImg"/>
+            <p:ph type="sldImg" idx="2"/>
           </p:nvPr>
         </p:nvSpPr>
         <p:spPr>
           <a:xfrm>
-            <a:off x="381300" y="685800"/>
+            <a:off x="381000" y="685800"/>
             <a:ext cx="6096000" cy="3429000"/>
           </a:xfrm>
           <a:custGeom>
-            <a:rect b="b" l="l" r="r" t="t"/>
+            <a:avLst/>
+            <a:gdLst/>
+            <a:ahLst/>
+            <a:cxnLst/>
+            <a:rect l="l" t="t" r="r" b="b"/>
             <a:pathLst>
-              <a:path extrusionOk="0" h="120000" w="120000">
+              <a:path w="120000" h="120000" extrusionOk="0">
                 <a:moveTo>
                   <a:pt x="0" y="0"/>
                 </a:moveTo>
@@ -960,9 +1001,11 @@
       <p:sp>
         <p:nvSpPr>
           <p:cNvPr id="66" name="Google Shape;66;gb4ef67aa97_0_1:notes"/>
-          <p:cNvSpPr txBox="1"/>
+          <p:cNvSpPr txBox="1">
+            <a:spLocks noGrp="1"/>
+          </p:cNvSpPr>
           <p:nvPr>
-            <p:ph idx="1" type="body"/>
+            <p:ph type="body" idx="1"/>
           </p:nvPr>
         </p:nvSpPr>
         <p:spPr>
@@ -975,12 +1018,12 @@
           </a:prstGeom>
         </p:spPr>
         <p:txBody>
-          <a:bodyPr anchorCtr="0" anchor="t" bIns="91425" lIns="91425" spcFirstLastPara="1" rIns="91425" wrap="square" tIns="91425">
+          <a:bodyPr spcFirstLastPara="1" wrap="square" lIns="91425" tIns="91425" rIns="91425" bIns="91425" anchor="t" anchorCtr="0">
             <a:noAutofit/>
           </a:bodyPr>
           <a:lstStyle/>
           <a:p>
-            <a:pPr indent="0" lvl="0" marL="0" rtl="0" algn="l">
+            <a:pPr marL="0" lvl="0" indent="0" algn="l" rtl="0">
               <a:spcBef>
                 <a:spcPts val="0"/>
               </a:spcBef>
@@ -989,9 +1032,6 @@
               </a:spcAft>
               <a:buNone/>
             </a:pPr>
-            <a:r>
-              <a:t/>
-            </a:r>
             <a:endParaRPr/>
           </a:p>
         </p:txBody>
@@ -1005,110 +1045,11 @@
 </file>
 
 <file path=ppt/notesSlides/notesSlide4.xml><?xml version="1.0" encoding="utf-8"?>
-<p:notes xmlns:a="http://schemas.openxmlformats.org/drawingml/2006/main" xmlns:r="http://schemas.openxmlformats.org/officeDocument/2006/relationships" xmlns:mc="http://schemas.openxmlformats.org/markup-compatibility/2006" xmlns:mv="urn:schemas-microsoft-com:mac:vml" xmlns:p="http://schemas.openxmlformats.org/presentationml/2006/main" xmlns:c="http://schemas.openxmlformats.org/drawingml/2006/chart" xmlns:dgm="http://schemas.openxmlformats.org/drawingml/2006/diagram" xmlns:o="urn:schemas-microsoft-com:office:office" xmlns:v="urn:schemas-microsoft-com:vml" xmlns:pvml="urn:schemas-microsoft-com:office:powerpoint" xmlns:com="http://schemas.openxmlformats.org/drawingml/2006/compatibility" xmlns:p14="http://schemas.microsoft.com/office/powerpoint/2010/main" xmlns:p15="http://schemas.microsoft.com/office/powerpoint/2012/main" xmlns:ahyp="http://schemas.microsoft.com/office/drawing/2018/hyperlinkcolor" showMasterPhAnim="0" showMasterSp="0">
+<p:notes xmlns:a="http://schemas.openxmlformats.org/drawingml/2006/main" xmlns:r="http://schemas.openxmlformats.org/officeDocument/2006/relationships" xmlns:p="http://schemas.openxmlformats.org/presentationml/2006/main" showMasterSp="0" showMasterPhAnim="0">
   <p:cSld>
     <p:spTree>
       <p:nvGrpSpPr>
-        <p:cNvPr id="71" name="Shape 71"/>
-        <p:cNvGrpSpPr/>
-        <p:nvPr/>
-      </p:nvGrpSpPr>
-      <p:grpSpPr>
-        <a:xfrm>
-          <a:off x="0" y="0"/>
-          <a:ext cx="0" cy="0"/>
-          <a:chOff x="0" y="0"/>
-          <a:chExt cx="0" cy="0"/>
-        </a:xfrm>
-      </p:grpSpPr>
-      <p:sp>
-        <p:nvSpPr>
-          <p:cNvPr id="72" name="Google Shape;72;gb4ef67aa97_0_14:notes"/>
-          <p:cNvSpPr/>
-          <p:nvPr>
-            <p:ph idx="2" type="sldImg"/>
-          </p:nvPr>
-        </p:nvSpPr>
-        <p:spPr>
-          <a:xfrm>
-            <a:off x="381300" y="685800"/>
-            <a:ext cx="6096000" cy="3429000"/>
-          </a:xfrm>
-          <a:custGeom>
-            <a:rect b="b" l="l" r="r" t="t"/>
-            <a:pathLst>
-              <a:path extrusionOk="0" h="120000" w="120000">
-                <a:moveTo>
-                  <a:pt x="0" y="0"/>
-                </a:moveTo>
-                <a:lnTo>
-                  <a:pt x="120000" y="0"/>
-                </a:lnTo>
-                <a:lnTo>
-                  <a:pt x="120000" y="120000"/>
-                </a:lnTo>
-                <a:lnTo>
-                  <a:pt x="0" y="120000"/>
-                </a:lnTo>
-                <a:close/>
-              </a:path>
-            </a:pathLst>
-          </a:custGeom>
-        </p:spPr>
-      </p:sp>
-      <p:sp>
-        <p:nvSpPr>
-          <p:cNvPr id="73" name="Google Shape;73;gb4ef67aa97_0_14:notes"/>
-          <p:cNvSpPr txBox="1"/>
-          <p:nvPr>
-            <p:ph idx="1" type="body"/>
-          </p:nvPr>
-        </p:nvSpPr>
-        <p:spPr>
-          <a:xfrm>
-            <a:off x="685800" y="4343400"/>
-            <a:ext cx="5486400" cy="4114800"/>
-          </a:xfrm>
-          <a:prstGeom prst="rect">
-            <a:avLst/>
-          </a:prstGeom>
-        </p:spPr>
-        <p:txBody>
-          <a:bodyPr anchorCtr="0" anchor="t" bIns="91425" lIns="91425" spcFirstLastPara="1" rIns="91425" wrap="square" tIns="91425">
-            <a:noAutofit/>
-          </a:bodyPr>
-          <a:lstStyle/>
-          <a:p>
-            <a:pPr indent="0" lvl="0" marL="0" rtl="0" algn="l">
-              <a:spcBef>
-                <a:spcPts val="0"/>
-              </a:spcBef>
-              <a:spcAft>
-                <a:spcPts val="0"/>
-              </a:spcAft>
-              <a:buNone/>
-            </a:pPr>
-            <a:r>
-              <a:t/>
-            </a:r>
-            <a:endParaRPr/>
-          </a:p>
-        </p:txBody>
-      </p:sp>
-    </p:spTree>
-  </p:cSld>
-  <p:clrMapOvr>
-    <a:masterClrMapping/>
-  </p:clrMapOvr>
-</p:notes>
-</file>
-
-<file path=ppt/notesSlides/notesSlide5.xml><?xml version="1.0" encoding="utf-8"?>
-<p:notes xmlns:a="http://schemas.openxmlformats.org/drawingml/2006/main" xmlns:r="http://schemas.openxmlformats.org/officeDocument/2006/relationships" xmlns:mc="http://schemas.openxmlformats.org/markup-compatibility/2006" xmlns:mv="urn:schemas-microsoft-com:mac:vml" xmlns:p="http://schemas.openxmlformats.org/presentationml/2006/main" xmlns:c="http://schemas.openxmlformats.org/drawingml/2006/chart" xmlns:dgm="http://schemas.openxmlformats.org/drawingml/2006/diagram" xmlns:o="urn:schemas-microsoft-com:office:office" xmlns:v="urn:schemas-microsoft-com:vml" xmlns:pvml="urn:schemas-microsoft-com:office:powerpoint" xmlns:com="http://schemas.openxmlformats.org/drawingml/2006/compatibility" xmlns:p14="http://schemas.microsoft.com/office/powerpoint/2010/main" xmlns:p15="http://schemas.microsoft.com/office/powerpoint/2012/main" xmlns:ahyp="http://schemas.microsoft.com/office/drawing/2018/hyperlinkcolor" showMasterPhAnim="0" showMasterSp="0">
-  <p:cSld>
-    <p:spTree>
-      <p:nvGrpSpPr>
-        <p:cNvPr id="77" name="Shape 77"/>
+        <p:cNvPr id="1" name="Shape 77"/>
         <p:cNvGrpSpPr/>
         <p:nvPr/>
       </p:nvGrpSpPr>
@@ -1123,20 +1064,26 @@
       <p:sp>
         <p:nvSpPr>
           <p:cNvPr id="78" name="Google Shape;78;gac8864ae77_0_179:notes"/>
-          <p:cNvSpPr/>
+          <p:cNvSpPr>
+            <a:spLocks noGrp="1" noRot="1" noChangeAspect="1"/>
+          </p:cNvSpPr>
           <p:nvPr>
-            <p:ph idx="2" type="sldImg"/>
+            <p:ph type="sldImg" idx="2"/>
           </p:nvPr>
         </p:nvSpPr>
         <p:spPr>
           <a:xfrm>
-            <a:off x="381300" y="685800"/>
+            <a:off x="381000" y="685800"/>
             <a:ext cx="6096000" cy="3429000"/>
           </a:xfrm>
           <a:custGeom>
-            <a:rect b="b" l="l" r="r" t="t"/>
+            <a:avLst/>
+            <a:gdLst/>
+            <a:ahLst/>
+            <a:cxnLst/>
+            <a:rect l="l" t="t" r="r" b="b"/>
             <a:pathLst>
-              <a:path extrusionOk="0" h="120000" w="120000">
+              <a:path w="120000" h="120000" extrusionOk="0">
                 <a:moveTo>
                   <a:pt x="0" y="0"/>
                 </a:moveTo>
@@ -1158,9 +1105,11 @@
       <p:sp>
         <p:nvSpPr>
           <p:cNvPr id="79" name="Google Shape;79;gac8864ae77_0_179:notes"/>
-          <p:cNvSpPr txBox="1"/>
+          <p:cNvSpPr txBox="1">
+            <a:spLocks noGrp="1"/>
+          </p:cNvSpPr>
           <p:nvPr>
-            <p:ph idx="1" type="body"/>
+            <p:ph type="body" idx="1"/>
           </p:nvPr>
         </p:nvSpPr>
         <p:spPr>
@@ -1173,12 +1122,12 @@
           </a:prstGeom>
         </p:spPr>
         <p:txBody>
-          <a:bodyPr anchorCtr="0" anchor="t" bIns="91425" lIns="91425" spcFirstLastPara="1" rIns="91425" wrap="square" tIns="91425">
+          <a:bodyPr spcFirstLastPara="1" wrap="square" lIns="91425" tIns="91425" rIns="91425" bIns="91425" anchor="t" anchorCtr="0">
             <a:noAutofit/>
           </a:bodyPr>
           <a:lstStyle/>
           <a:p>
-            <a:pPr indent="0" lvl="0" marL="0" rtl="0" algn="l">
+            <a:pPr marL="0" lvl="0" indent="0" algn="l" rtl="0">
               <a:spcBef>
                 <a:spcPts val="0"/>
               </a:spcBef>
@@ -1187,9 +1136,6 @@
               </a:spcAft>
               <a:buNone/>
             </a:pPr>
-            <a:r>
-              <a:t/>
-            </a:r>
             <a:endParaRPr/>
           </a:p>
         </p:txBody>
@@ -1202,12 +1148,12 @@
 </p:notes>
 </file>
 
-<file path=ppt/notesSlides/notesSlide6.xml><?xml version="1.0" encoding="utf-8"?>
-<p:notes xmlns:a="http://schemas.openxmlformats.org/drawingml/2006/main" xmlns:r="http://schemas.openxmlformats.org/officeDocument/2006/relationships" xmlns:mc="http://schemas.openxmlformats.org/markup-compatibility/2006" xmlns:mv="urn:schemas-microsoft-com:mac:vml" xmlns:p="http://schemas.openxmlformats.org/presentationml/2006/main" xmlns:c="http://schemas.openxmlformats.org/drawingml/2006/chart" xmlns:dgm="http://schemas.openxmlformats.org/drawingml/2006/diagram" xmlns:o="urn:schemas-microsoft-com:office:office" xmlns:v="urn:schemas-microsoft-com:vml" xmlns:pvml="urn:schemas-microsoft-com:office:powerpoint" xmlns:com="http://schemas.openxmlformats.org/drawingml/2006/compatibility" xmlns:p14="http://schemas.microsoft.com/office/powerpoint/2010/main" xmlns:p15="http://schemas.microsoft.com/office/powerpoint/2012/main" xmlns:ahyp="http://schemas.microsoft.com/office/drawing/2018/hyperlinkcolor" showMasterPhAnim="0" showMasterSp="0">
+<file path=ppt/notesSlides/notesSlide5.xml><?xml version="1.0" encoding="utf-8"?>
+<p:notes xmlns:a="http://schemas.openxmlformats.org/drawingml/2006/main" xmlns:r="http://schemas.openxmlformats.org/officeDocument/2006/relationships" xmlns:p="http://schemas.openxmlformats.org/presentationml/2006/main" showMasterSp="0" showMasterPhAnim="0">
   <p:cSld>
     <p:spTree>
       <p:nvGrpSpPr>
-        <p:cNvPr id="83" name="Shape 83"/>
+        <p:cNvPr id="1" name="Shape 83"/>
         <p:cNvGrpSpPr/>
         <p:nvPr/>
       </p:nvGrpSpPr>
@@ -1222,20 +1168,26 @@
       <p:sp>
         <p:nvSpPr>
           <p:cNvPr id="84" name="Google Shape;84;gb5321cfd76_0_1:notes"/>
-          <p:cNvSpPr/>
+          <p:cNvSpPr>
+            <a:spLocks noGrp="1" noRot="1" noChangeAspect="1"/>
+          </p:cNvSpPr>
           <p:nvPr>
-            <p:ph idx="2" type="sldImg"/>
+            <p:ph type="sldImg" idx="2"/>
           </p:nvPr>
         </p:nvSpPr>
         <p:spPr>
           <a:xfrm>
-            <a:off x="381300" y="685800"/>
+            <a:off x="381000" y="685800"/>
             <a:ext cx="6096000" cy="3429000"/>
           </a:xfrm>
           <a:custGeom>
-            <a:rect b="b" l="l" r="r" t="t"/>
+            <a:avLst/>
+            <a:gdLst/>
+            <a:ahLst/>
+            <a:cxnLst/>
+            <a:rect l="l" t="t" r="r" b="b"/>
             <a:pathLst>
-              <a:path extrusionOk="0" h="120000" w="120000">
+              <a:path w="120000" h="120000" extrusionOk="0">
                 <a:moveTo>
                   <a:pt x="0" y="0"/>
                 </a:moveTo>
@@ -1257,9 +1209,11 @@
       <p:sp>
         <p:nvSpPr>
           <p:cNvPr id="85" name="Google Shape;85;gb5321cfd76_0_1:notes"/>
-          <p:cNvSpPr txBox="1"/>
+          <p:cNvSpPr txBox="1">
+            <a:spLocks noGrp="1"/>
+          </p:cNvSpPr>
           <p:nvPr>
-            <p:ph idx="1" type="body"/>
+            <p:ph type="body" idx="1"/>
           </p:nvPr>
         </p:nvSpPr>
         <p:spPr>
@@ -1272,12 +1226,12 @@
           </a:prstGeom>
         </p:spPr>
         <p:txBody>
-          <a:bodyPr anchorCtr="0" anchor="t" bIns="91425" lIns="91425" spcFirstLastPara="1" rIns="91425" wrap="square" tIns="91425">
+          <a:bodyPr spcFirstLastPara="1" wrap="square" lIns="91425" tIns="91425" rIns="91425" bIns="91425" anchor="t" anchorCtr="0">
             <a:noAutofit/>
           </a:bodyPr>
           <a:lstStyle/>
           <a:p>
-            <a:pPr indent="0" lvl="0" marL="0" rtl="0" algn="l">
+            <a:pPr marL="0" lvl="0" indent="0" algn="l" rtl="0">
               <a:spcBef>
                 <a:spcPts val="0"/>
               </a:spcBef>
@@ -1286,9 +1240,6 @@
               </a:spcAft>
               <a:buNone/>
             </a:pPr>
-            <a:r>
-              <a:t/>
-            </a:r>
             <a:endParaRPr/>
           </a:p>
         </p:txBody>
@@ -1301,12 +1252,12 @@
 </p:notes>
 </file>
 
-<file path=ppt/notesSlides/notesSlide7.xml><?xml version="1.0" encoding="utf-8"?>
-<p:notes xmlns:a="http://schemas.openxmlformats.org/drawingml/2006/main" xmlns:r="http://schemas.openxmlformats.org/officeDocument/2006/relationships" xmlns:mc="http://schemas.openxmlformats.org/markup-compatibility/2006" xmlns:mv="urn:schemas-microsoft-com:mac:vml" xmlns:p="http://schemas.openxmlformats.org/presentationml/2006/main" xmlns:c="http://schemas.openxmlformats.org/drawingml/2006/chart" xmlns:dgm="http://schemas.openxmlformats.org/drawingml/2006/diagram" xmlns:o="urn:schemas-microsoft-com:office:office" xmlns:v="urn:schemas-microsoft-com:vml" xmlns:pvml="urn:schemas-microsoft-com:office:powerpoint" xmlns:com="http://schemas.openxmlformats.org/drawingml/2006/compatibility" xmlns:p14="http://schemas.microsoft.com/office/powerpoint/2010/main" xmlns:p15="http://schemas.microsoft.com/office/powerpoint/2012/main" xmlns:ahyp="http://schemas.microsoft.com/office/drawing/2018/hyperlinkcolor" showMasterPhAnim="0" showMasterSp="0">
+<file path=ppt/notesSlides/notesSlide6.xml><?xml version="1.0" encoding="utf-8"?>
+<p:notes xmlns:a="http://schemas.openxmlformats.org/drawingml/2006/main" xmlns:r="http://schemas.openxmlformats.org/officeDocument/2006/relationships" xmlns:p="http://schemas.openxmlformats.org/presentationml/2006/main" showMasterSp="0" showMasterPhAnim="0">
   <p:cSld>
     <p:spTree>
       <p:nvGrpSpPr>
-        <p:cNvPr id="89" name="Shape 89"/>
+        <p:cNvPr id="1" name="Shape 89"/>
         <p:cNvGrpSpPr/>
         <p:nvPr/>
       </p:nvGrpSpPr>
@@ -1321,20 +1272,26 @@
       <p:sp>
         <p:nvSpPr>
           <p:cNvPr id="90" name="Google Shape;90;gb4ef67aa97_0_7:notes"/>
-          <p:cNvSpPr/>
+          <p:cNvSpPr>
+            <a:spLocks noGrp="1" noRot="1" noChangeAspect="1"/>
+          </p:cNvSpPr>
           <p:nvPr>
-            <p:ph idx="2" type="sldImg"/>
+            <p:ph type="sldImg" idx="2"/>
           </p:nvPr>
         </p:nvSpPr>
         <p:spPr>
           <a:xfrm>
-            <a:off x="381300" y="685800"/>
+            <a:off x="381000" y="685800"/>
             <a:ext cx="6096000" cy="3429000"/>
           </a:xfrm>
           <a:custGeom>
-            <a:rect b="b" l="l" r="r" t="t"/>
+            <a:avLst/>
+            <a:gdLst/>
+            <a:ahLst/>
+            <a:cxnLst/>
+            <a:rect l="l" t="t" r="r" b="b"/>
             <a:pathLst>
-              <a:path extrusionOk="0" h="120000" w="120000">
+              <a:path w="120000" h="120000" extrusionOk="0">
                 <a:moveTo>
                   <a:pt x="0" y="0"/>
                 </a:moveTo>
@@ -1356,9 +1313,11 @@
       <p:sp>
         <p:nvSpPr>
           <p:cNvPr id="91" name="Google Shape;91;gb4ef67aa97_0_7:notes"/>
-          <p:cNvSpPr txBox="1"/>
+          <p:cNvSpPr txBox="1">
+            <a:spLocks noGrp="1"/>
+          </p:cNvSpPr>
           <p:nvPr>
-            <p:ph idx="1" type="body"/>
+            <p:ph type="body" idx="1"/>
           </p:nvPr>
         </p:nvSpPr>
         <p:spPr>
@@ -1371,12 +1330,12 @@
           </a:prstGeom>
         </p:spPr>
         <p:txBody>
-          <a:bodyPr anchorCtr="0" anchor="t" bIns="91425" lIns="91425" spcFirstLastPara="1" rIns="91425" wrap="square" tIns="91425">
+          <a:bodyPr spcFirstLastPara="1" wrap="square" lIns="91425" tIns="91425" rIns="91425" bIns="91425" anchor="t" anchorCtr="0">
             <a:noAutofit/>
           </a:bodyPr>
           <a:lstStyle/>
           <a:p>
-            <a:pPr indent="0" lvl="0" marL="0" rtl="0" algn="l">
+            <a:pPr marL="0" lvl="0" indent="0" algn="l" rtl="0">
               <a:spcBef>
                 <a:spcPts val="0"/>
               </a:spcBef>
@@ -1385,9 +1344,6 @@
               </a:spcAft>
               <a:buNone/>
             </a:pPr>
-            <a:r>
-              <a:t/>
-            </a:r>
             <a:endParaRPr/>
           </a:p>
         </p:txBody>
@@ -1400,12 +1356,12 @@
 </p:notes>
 </file>
 
-<file path=ppt/notesSlides/notesSlide8.xml><?xml version="1.0" encoding="utf-8"?>
-<p:notes xmlns:a="http://schemas.openxmlformats.org/drawingml/2006/main" xmlns:r="http://schemas.openxmlformats.org/officeDocument/2006/relationships" xmlns:mc="http://schemas.openxmlformats.org/markup-compatibility/2006" xmlns:mv="urn:schemas-microsoft-com:mac:vml" xmlns:p="http://schemas.openxmlformats.org/presentationml/2006/main" xmlns:c="http://schemas.openxmlformats.org/drawingml/2006/chart" xmlns:dgm="http://schemas.openxmlformats.org/drawingml/2006/diagram" xmlns:o="urn:schemas-microsoft-com:office:office" xmlns:v="urn:schemas-microsoft-com:vml" xmlns:pvml="urn:schemas-microsoft-com:office:powerpoint" xmlns:com="http://schemas.openxmlformats.org/drawingml/2006/compatibility" xmlns:p14="http://schemas.microsoft.com/office/powerpoint/2010/main" xmlns:p15="http://schemas.microsoft.com/office/powerpoint/2012/main" xmlns:ahyp="http://schemas.microsoft.com/office/drawing/2018/hyperlinkcolor" showMasterPhAnim="0" showMasterSp="0">
+<file path=ppt/notesSlides/notesSlide7.xml><?xml version="1.0" encoding="utf-8"?>
+<p:notes xmlns:a="http://schemas.openxmlformats.org/drawingml/2006/main" xmlns:r="http://schemas.openxmlformats.org/officeDocument/2006/relationships" xmlns:p="http://schemas.openxmlformats.org/presentationml/2006/main" showMasterSp="0" showMasterPhAnim="0">
   <p:cSld>
     <p:spTree>
       <p:nvGrpSpPr>
-        <p:cNvPr id="95" name="Shape 95"/>
+        <p:cNvPr id="1" name="Shape 95"/>
         <p:cNvGrpSpPr/>
         <p:nvPr/>
       </p:nvGrpSpPr>
@@ -1420,20 +1376,26 @@
       <p:sp>
         <p:nvSpPr>
           <p:cNvPr id="96" name="Google Shape;96;gb4ef67aa97_0_22:notes"/>
-          <p:cNvSpPr/>
+          <p:cNvSpPr>
+            <a:spLocks noGrp="1" noRot="1" noChangeAspect="1"/>
+          </p:cNvSpPr>
           <p:nvPr>
-            <p:ph idx="2" type="sldImg"/>
+            <p:ph type="sldImg" idx="2"/>
           </p:nvPr>
         </p:nvSpPr>
         <p:spPr>
           <a:xfrm>
-            <a:off x="381300" y="685800"/>
+            <a:off x="381000" y="685800"/>
             <a:ext cx="6096000" cy="3429000"/>
           </a:xfrm>
           <a:custGeom>
-            <a:rect b="b" l="l" r="r" t="t"/>
+            <a:avLst/>
+            <a:gdLst/>
+            <a:ahLst/>
+            <a:cxnLst/>
+            <a:rect l="l" t="t" r="r" b="b"/>
             <a:pathLst>
-              <a:path extrusionOk="0" h="120000" w="120000">
+              <a:path w="120000" h="120000" extrusionOk="0">
                 <a:moveTo>
                   <a:pt x="0" y="0"/>
                 </a:moveTo>
@@ -1455,9 +1417,11 @@
       <p:sp>
         <p:nvSpPr>
           <p:cNvPr id="97" name="Google Shape;97;gb4ef67aa97_0_22:notes"/>
-          <p:cNvSpPr txBox="1"/>
+          <p:cNvSpPr txBox="1">
+            <a:spLocks noGrp="1"/>
+          </p:cNvSpPr>
           <p:nvPr>
-            <p:ph idx="1" type="body"/>
+            <p:ph type="body" idx="1"/>
           </p:nvPr>
         </p:nvSpPr>
         <p:spPr>
@@ -1470,12 +1434,12 @@
           </a:prstGeom>
         </p:spPr>
         <p:txBody>
-          <a:bodyPr anchorCtr="0" anchor="t" bIns="91425" lIns="91425" spcFirstLastPara="1" rIns="91425" wrap="square" tIns="91425">
+          <a:bodyPr spcFirstLastPara="1" wrap="square" lIns="91425" tIns="91425" rIns="91425" bIns="91425" anchor="t" anchorCtr="0">
             <a:noAutofit/>
           </a:bodyPr>
           <a:lstStyle/>
           <a:p>
-            <a:pPr indent="0" lvl="0" marL="0" rtl="0" algn="l">
+            <a:pPr marL="0" lvl="0" indent="0" algn="l" rtl="0">
               <a:spcBef>
                 <a:spcPts val="0"/>
               </a:spcBef>
@@ -1484,9 +1448,6 @@
               </a:spcAft>
               <a:buNone/>
             </a:pPr>
-            <a:r>
-              <a:t/>
-            </a:r>
             <a:endParaRPr/>
           </a:p>
         </p:txBody>
@@ -1499,12 +1460,12 @@
 </p:notes>
 </file>
 
-<file path=ppt/notesSlides/notesSlide9.xml><?xml version="1.0" encoding="utf-8"?>
-<p:notes xmlns:a="http://schemas.openxmlformats.org/drawingml/2006/main" xmlns:r="http://schemas.openxmlformats.org/officeDocument/2006/relationships" xmlns:mc="http://schemas.openxmlformats.org/markup-compatibility/2006" xmlns:mv="urn:schemas-microsoft-com:mac:vml" xmlns:p="http://schemas.openxmlformats.org/presentationml/2006/main" xmlns:c="http://schemas.openxmlformats.org/drawingml/2006/chart" xmlns:dgm="http://schemas.openxmlformats.org/drawingml/2006/diagram" xmlns:o="urn:schemas-microsoft-com:office:office" xmlns:v="urn:schemas-microsoft-com:vml" xmlns:pvml="urn:schemas-microsoft-com:office:powerpoint" xmlns:com="http://schemas.openxmlformats.org/drawingml/2006/compatibility" xmlns:p14="http://schemas.microsoft.com/office/powerpoint/2010/main" xmlns:p15="http://schemas.microsoft.com/office/powerpoint/2012/main" xmlns:ahyp="http://schemas.microsoft.com/office/drawing/2018/hyperlinkcolor" showMasterPhAnim="0" showMasterSp="0">
+<file path=ppt/notesSlides/notesSlide8.xml><?xml version="1.0" encoding="utf-8"?>
+<p:notes xmlns:a="http://schemas.openxmlformats.org/drawingml/2006/main" xmlns:r="http://schemas.openxmlformats.org/officeDocument/2006/relationships" xmlns:p="http://schemas.openxmlformats.org/presentationml/2006/main" showMasterSp="0" showMasterPhAnim="0">
   <p:cSld>
     <p:spTree>
       <p:nvGrpSpPr>
-        <p:cNvPr id="101" name="Shape 101"/>
+        <p:cNvPr id="1" name="Shape 101"/>
         <p:cNvGrpSpPr/>
         <p:nvPr/>
       </p:nvGrpSpPr>
@@ -1519,20 +1480,26 @@
       <p:sp>
         <p:nvSpPr>
           <p:cNvPr id="102" name="Google Shape;102;gac8864ae77_0_184:notes"/>
-          <p:cNvSpPr/>
+          <p:cNvSpPr>
+            <a:spLocks noGrp="1" noRot="1" noChangeAspect="1"/>
+          </p:cNvSpPr>
           <p:nvPr>
-            <p:ph idx="2" type="sldImg"/>
+            <p:ph type="sldImg" idx="2"/>
           </p:nvPr>
         </p:nvSpPr>
         <p:spPr>
           <a:xfrm>
-            <a:off x="381300" y="685800"/>
+            <a:off x="381000" y="685800"/>
             <a:ext cx="6096000" cy="3429000"/>
           </a:xfrm>
           <a:custGeom>
-            <a:rect b="b" l="l" r="r" t="t"/>
+            <a:avLst/>
+            <a:gdLst/>
+            <a:ahLst/>
+            <a:cxnLst/>
+            <a:rect l="l" t="t" r="r" b="b"/>
             <a:pathLst>
-              <a:path extrusionOk="0" h="120000" w="120000">
+              <a:path w="120000" h="120000" extrusionOk="0">
                 <a:moveTo>
                   <a:pt x="0" y="0"/>
                 </a:moveTo>
@@ -1554,9 +1521,11 @@
       <p:sp>
         <p:nvSpPr>
           <p:cNvPr id="103" name="Google Shape;103;gac8864ae77_0_184:notes"/>
-          <p:cNvSpPr txBox="1"/>
+          <p:cNvSpPr txBox="1">
+            <a:spLocks noGrp="1"/>
+          </p:cNvSpPr>
           <p:nvPr>
-            <p:ph idx="1" type="body"/>
+            <p:ph type="body" idx="1"/>
           </p:nvPr>
         </p:nvSpPr>
         <p:spPr>
@@ -1569,12 +1538,12 @@
           </a:prstGeom>
         </p:spPr>
         <p:txBody>
-          <a:bodyPr anchorCtr="0" anchor="t" bIns="91425" lIns="91425" spcFirstLastPara="1" rIns="91425" wrap="square" tIns="91425">
+          <a:bodyPr spcFirstLastPara="1" wrap="square" lIns="91425" tIns="91425" rIns="91425" bIns="91425" anchor="t" anchorCtr="0">
             <a:noAutofit/>
           </a:bodyPr>
           <a:lstStyle/>
           <a:p>
-            <a:pPr indent="0" lvl="0" marL="0" rtl="0" algn="l">
+            <a:pPr marL="0" lvl="0" indent="0" algn="l" rtl="0">
               <a:spcBef>
                 <a:spcPts val="0"/>
               </a:spcBef>
@@ -1583,9 +1552,6 @@
               </a:spcAft>
               <a:buNone/>
             </a:pPr>
-            <a:r>
-              <a:t/>
-            </a:r>
             <a:endParaRPr/>
           </a:p>
         </p:txBody>
@@ -1599,11 +1565,11 @@
 </file>
 
 <file path=ppt/slideLayouts/slideLayout1.xml><?xml version="1.0" encoding="utf-8"?>
-<p:sldLayout xmlns:a="http://schemas.openxmlformats.org/drawingml/2006/main" xmlns:r="http://schemas.openxmlformats.org/officeDocument/2006/relationships" xmlns:mc="http://schemas.openxmlformats.org/markup-compatibility/2006" xmlns:mv="urn:schemas-microsoft-com:mac:vml" xmlns:p="http://schemas.openxmlformats.org/presentationml/2006/main" xmlns:c="http://schemas.openxmlformats.org/drawingml/2006/chart" xmlns:dgm="http://schemas.openxmlformats.org/drawingml/2006/diagram" xmlns:o="urn:schemas-microsoft-com:office:office" xmlns:v="urn:schemas-microsoft-com:vml" xmlns:pvml="urn:schemas-microsoft-com:office:powerpoint" xmlns:com="http://schemas.openxmlformats.org/drawingml/2006/compatibility" xmlns:p14="http://schemas.microsoft.com/office/powerpoint/2010/main" xmlns:p15="http://schemas.microsoft.com/office/powerpoint/2012/main" xmlns:ahyp="http://schemas.microsoft.com/office/drawing/2018/hyperlinkcolor" matchingName="Title slide" type="title">
+<p:sldLayout xmlns:a="http://schemas.openxmlformats.org/drawingml/2006/main" xmlns:r="http://schemas.openxmlformats.org/officeDocument/2006/relationships" xmlns:p="http://schemas.openxmlformats.org/presentationml/2006/main" matchingName="Title slide" type="title">
   <p:cSld name="TITLE">
     <p:spTree>
       <p:nvGrpSpPr>
-        <p:cNvPr id="9" name="Shape 9"/>
+        <p:cNvPr id="1" name="Shape 9"/>
         <p:cNvGrpSpPr/>
         <p:nvPr/>
       </p:nvGrpSpPr>
@@ -1630,21 +1596,23 @@
             <a:avLst/>
           </a:prstGeom>
           <a:noFill/>
-          <a:ln cap="flat" cmpd="sng" w="76200">
+          <a:ln w="76200" cap="flat" cmpd="sng">
             <a:solidFill>
               <a:schemeClr val="dk1"/>
             </a:solidFill>
             <a:prstDash val="solid"/>
             <a:round/>
-            <a:headEnd len="sm" w="sm" type="none"/>
-            <a:tailEnd len="sm" w="sm" type="none"/>
+            <a:headEnd type="none" w="sm" len="sm"/>
+            <a:tailEnd type="none" w="sm" len="sm"/>
           </a:ln>
         </p:spPr>
       </p:cxnSp>
       <p:sp>
         <p:nvSpPr>
           <p:cNvPr id="11" name="Google Shape;11;p2"/>
-          <p:cNvSpPr txBox="1"/>
+          <p:cNvSpPr txBox="1">
+            <a:spLocks noGrp="1"/>
+          </p:cNvSpPr>
           <p:nvPr>
             <p:ph type="ctrTitle"/>
           </p:nvPr>
@@ -1659,7 +1627,7 @@
           </a:prstGeom>
         </p:spPr>
         <p:txBody>
-          <a:bodyPr anchorCtr="0" anchor="b" bIns="91425" lIns="91425" spcFirstLastPara="1" rIns="91425" wrap="square" tIns="91425">
+          <a:bodyPr spcFirstLastPara="1" wrap="square" lIns="91425" tIns="91425" rIns="91425" bIns="91425" anchor="b" anchorCtr="0">
             <a:noAutofit/>
           </a:bodyPr>
           <a:lstStyle>
@@ -1763,15 +1731,19 @@
               <a:defRPr sz="5400"/>
             </a:lvl9pPr>
           </a:lstStyle>
-          <a:p/>
+          <a:p>
+            <a:endParaRPr/>
+          </a:p>
         </p:txBody>
       </p:sp>
       <p:sp>
         <p:nvSpPr>
           <p:cNvPr id="12" name="Google Shape;12;p2"/>
-          <p:cNvSpPr txBox="1"/>
+          <p:cNvSpPr txBox="1">
+            <a:spLocks noGrp="1"/>
+          </p:cNvSpPr>
           <p:nvPr>
-            <p:ph idx="1" type="subTitle"/>
+            <p:ph type="subTitle" idx="1"/>
           </p:nvPr>
         </p:nvSpPr>
         <p:spPr>
@@ -1784,7 +1756,7 @@
           </a:prstGeom>
         </p:spPr>
         <p:txBody>
-          <a:bodyPr anchorCtr="0" anchor="t" bIns="91425" lIns="91425" spcFirstLastPara="1" rIns="91425" wrap="square" tIns="91425">
+          <a:bodyPr spcFirstLastPara="1" wrap="square" lIns="91425" tIns="91425" rIns="91425" bIns="91425" anchor="t" anchorCtr="0">
             <a:noAutofit/>
           </a:bodyPr>
           <a:lstStyle>
@@ -1915,15 +1887,19 @@
               <a:defRPr sz="2400"/>
             </a:lvl9pPr>
           </a:lstStyle>
-          <a:p/>
+          <a:p>
+            <a:endParaRPr/>
+          </a:p>
         </p:txBody>
       </p:sp>
       <p:sp>
         <p:nvSpPr>
           <p:cNvPr id="13" name="Google Shape;13;p2"/>
-          <p:cNvSpPr txBox="1"/>
+          <p:cNvSpPr txBox="1">
+            <a:spLocks noGrp="1"/>
+          </p:cNvSpPr>
           <p:nvPr>
-            <p:ph idx="12" type="sldNum"/>
+            <p:ph type="sldNum" idx="12"/>
           </p:nvPr>
         </p:nvSpPr>
         <p:spPr>
@@ -1936,7 +1912,7 @@
           </a:prstGeom>
         </p:spPr>
         <p:txBody>
-          <a:bodyPr anchorCtr="0" anchor="ctr" bIns="91425" lIns="91425" spcFirstLastPara="1" rIns="91425" wrap="square" tIns="91425">
+          <a:bodyPr spcFirstLastPara="1" wrap="square" lIns="91425" tIns="91425" rIns="91425" bIns="91425" anchor="ctr" anchorCtr="0">
             <a:noAutofit/>
           </a:bodyPr>
           <a:lstStyle>
@@ -1978,7 +1954,7 @@
             </a:lvl9pPr>
           </a:lstStyle>
           <a:p>
-            <a:pPr indent="0" lvl="0" marL="0" rtl="0" algn="r">
+            <a:pPr marL="0" lvl="0" indent="0" algn="r" rtl="0">
               <a:spcBef>
                 <a:spcPts val="0"/>
               </a:spcBef>
@@ -2004,11 +1980,11 @@
 </file>
 
 <file path=ppt/slideLayouts/slideLayout10.xml><?xml version="1.0" encoding="utf-8"?>
-<p:sldLayout xmlns:a="http://schemas.openxmlformats.org/drawingml/2006/main" xmlns:r="http://schemas.openxmlformats.org/officeDocument/2006/relationships" xmlns:mc="http://schemas.openxmlformats.org/markup-compatibility/2006" xmlns:mv="urn:schemas-microsoft-com:mac:vml" xmlns:p="http://schemas.openxmlformats.org/presentationml/2006/main" xmlns:c="http://schemas.openxmlformats.org/drawingml/2006/chart" xmlns:dgm="http://schemas.openxmlformats.org/drawingml/2006/diagram" xmlns:o="urn:schemas-microsoft-com:office:office" xmlns:v="urn:schemas-microsoft-com:vml" xmlns:pvml="urn:schemas-microsoft-com:office:powerpoint" xmlns:com="http://schemas.openxmlformats.org/drawingml/2006/compatibility" xmlns:p14="http://schemas.microsoft.com/office/powerpoint/2010/main" xmlns:p15="http://schemas.microsoft.com/office/powerpoint/2012/main" xmlns:ahyp="http://schemas.microsoft.com/office/drawing/2018/hyperlinkcolor" matchingName="Big number">
+<p:sldLayout xmlns:a="http://schemas.openxmlformats.org/drawingml/2006/main" xmlns:r="http://schemas.openxmlformats.org/officeDocument/2006/relationships" xmlns:p="http://schemas.openxmlformats.org/presentationml/2006/main" matchingName="Big number">
   <p:cSld name="BIG_NUMBER">
     <p:spTree>
       <p:nvGrpSpPr>
-        <p:cNvPr id="46" name="Shape 46"/>
+        <p:cNvPr id="1" name="Shape 46"/>
         <p:cNvGrpSpPr/>
         <p:nvPr/>
       </p:nvGrpSpPr>
@@ -2023,9 +1999,11 @@
       <p:sp>
         <p:nvSpPr>
           <p:cNvPr id="47" name="Google Shape;47;p11"/>
-          <p:cNvSpPr txBox="1"/>
+          <p:cNvSpPr txBox="1">
+            <a:spLocks noGrp="1"/>
+          </p:cNvSpPr>
           <p:nvPr>
-            <p:ph hasCustomPrompt="1" type="title"/>
+            <p:ph type="title" hasCustomPrompt="1"/>
           </p:nvPr>
         </p:nvSpPr>
         <p:spPr>
@@ -2038,7 +2016,7 @@
           </a:prstGeom>
         </p:spPr>
         <p:txBody>
-          <a:bodyPr anchorCtr="0" anchor="ctr" bIns="91425" lIns="91425" spcFirstLastPara="1" rIns="91425" wrap="square" tIns="91425">
+          <a:bodyPr spcFirstLastPara="1" wrap="square" lIns="91425" tIns="91425" rIns="91425" bIns="91425" anchor="ctr" anchorCtr="0">
             <a:noAutofit/>
           </a:bodyPr>
           <a:lstStyle>
@@ -2215,9 +2193,11 @@
       <p:sp>
         <p:nvSpPr>
           <p:cNvPr id="48" name="Google Shape;48;p11"/>
-          <p:cNvSpPr txBox="1"/>
+          <p:cNvSpPr txBox="1">
+            <a:spLocks noGrp="1"/>
+          </p:cNvSpPr>
           <p:nvPr>
-            <p:ph idx="1" type="body"/>
+            <p:ph type="body" idx="1"/>
           </p:nvPr>
         </p:nvSpPr>
         <p:spPr>
@@ -2230,11 +2210,11 @@
           </a:prstGeom>
         </p:spPr>
         <p:txBody>
-          <a:bodyPr anchorCtr="0" anchor="t" bIns="91425" lIns="91425" spcFirstLastPara="1" rIns="91425" wrap="square" tIns="91425">
+          <a:bodyPr spcFirstLastPara="1" wrap="square" lIns="91425" tIns="91425" rIns="91425" bIns="91425" anchor="t" anchorCtr="0">
             <a:noAutofit/>
           </a:bodyPr>
           <a:lstStyle>
-            <a:lvl1pPr indent="-342900" lvl="0" marL="457200" algn="ctr">
+            <a:lvl1pPr marL="457200" lvl="0" indent="-342900" algn="ctr">
               <a:spcBef>
                 <a:spcPts val="0"/>
               </a:spcBef>
@@ -2245,7 +2225,7 @@
               <a:buChar char="●"/>
               <a:defRPr/>
             </a:lvl1pPr>
-            <a:lvl2pPr indent="-317500" lvl="1" marL="914400" algn="ctr">
+            <a:lvl2pPr marL="914400" lvl="1" indent="-317500" algn="ctr">
               <a:spcBef>
                 <a:spcPts val="1600"/>
               </a:spcBef>
@@ -2256,7 +2236,7 @@
               <a:buChar char="○"/>
               <a:defRPr/>
             </a:lvl2pPr>
-            <a:lvl3pPr indent="-317500" lvl="2" marL="1371600" algn="ctr">
+            <a:lvl3pPr marL="1371600" lvl="2" indent="-317500" algn="ctr">
               <a:spcBef>
                 <a:spcPts val="1600"/>
               </a:spcBef>
@@ -2267,7 +2247,7 @@
               <a:buChar char="■"/>
               <a:defRPr/>
             </a:lvl3pPr>
-            <a:lvl4pPr indent="-317500" lvl="3" marL="1828800" algn="ctr">
+            <a:lvl4pPr marL="1828800" lvl="3" indent="-317500" algn="ctr">
               <a:spcBef>
                 <a:spcPts val="1600"/>
               </a:spcBef>
@@ -2278,7 +2258,7 @@
               <a:buChar char="●"/>
               <a:defRPr/>
             </a:lvl4pPr>
-            <a:lvl5pPr indent="-317500" lvl="4" marL="2286000" algn="ctr">
+            <a:lvl5pPr marL="2286000" lvl="4" indent="-317500" algn="ctr">
               <a:spcBef>
                 <a:spcPts val="1600"/>
               </a:spcBef>
@@ -2289,7 +2269,7 @@
               <a:buChar char="○"/>
               <a:defRPr/>
             </a:lvl5pPr>
-            <a:lvl6pPr indent="-317500" lvl="5" marL="2743200" algn="ctr">
+            <a:lvl6pPr marL="2743200" lvl="5" indent="-317500" algn="ctr">
               <a:spcBef>
                 <a:spcPts val="1600"/>
               </a:spcBef>
@@ -2300,7 +2280,7 @@
               <a:buChar char="■"/>
               <a:defRPr/>
             </a:lvl6pPr>
-            <a:lvl7pPr indent="-317500" lvl="6" marL="3200400" algn="ctr">
+            <a:lvl7pPr marL="3200400" lvl="6" indent="-317500" algn="ctr">
               <a:spcBef>
                 <a:spcPts val="1600"/>
               </a:spcBef>
@@ -2311,7 +2291,7 @@
               <a:buChar char="●"/>
               <a:defRPr/>
             </a:lvl7pPr>
-            <a:lvl8pPr indent="-317500" lvl="7" marL="3657600" algn="ctr">
+            <a:lvl8pPr marL="3657600" lvl="7" indent="-317500" algn="ctr">
               <a:spcBef>
                 <a:spcPts val="1600"/>
               </a:spcBef>
@@ -2322,7 +2302,7 @@
               <a:buChar char="○"/>
               <a:defRPr/>
             </a:lvl8pPr>
-            <a:lvl9pPr indent="-317500" lvl="8" marL="4114800" algn="ctr">
+            <a:lvl9pPr marL="4114800" lvl="8" indent="-317500" algn="ctr">
               <a:spcBef>
                 <a:spcPts val="1600"/>
               </a:spcBef>
@@ -2334,15 +2314,19 @@
               <a:defRPr/>
             </a:lvl9pPr>
           </a:lstStyle>
-          <a:p/>
+          <a:p>
+            <a:endParaRPr/>
+          </a:p>
         </p:txBody>
       </p:sp>
       <p:sp>
         <p:nvSpPr>
           <p:cNvPr id="49" name="Google Shape;49;p11"/>
-          <p:cNvSpPr txBox="1"/>
+          <p:cNvSpPr txBox="1">
+            <a:spLocks noGrp="1"/>
+          </p:cNvSpPr>
           <p:nvPr>
-            <p:ph idx="12" type="sldNum"/>
+            <p:ph type="sldNum" idx="12"/>
           </p:nvPr>
         </p:nvSpPr>
         <p:spPr>
@@ -2355,7 +2339,7 @@
           </a:prstGeom>
         </p:spPr>
         <p:txBody>
-          <a:bodyPr anchorCtr="0" anchor="ctr" bIns="91425" lIns="91425" spcFirstLastPara="1" rIns="91425" wrap="square" tIns="91425">
+          <a:bodyPr spcFirstLastPara="1" wrap="square" lIns="91425" tIns="91425" rIns="91425" bIns="91425" anchor="ctr" anchorCtr="0">
             <a:noAutofit/>
           </a:bodyPr>
           <a:lstStyle>
@@ -2397,7 +2381,7 @@
             </a:lvl9pPr>
           </a:lstStyle>
           <a:p>
-            <a:pPr indent="0" lvl="0" marL="0" rtl="0" algn="r">
+            <a:pPr marL="0" lvl="0" indent="0" algn="r" rtl="0">
               <a:spcBef>
                 <a:spcPts val="0"/>
               </a:spcBef>
@@ -2423,11 +2407,11 @@
 </file>
 
 <file path=ppt/slideLayouts/slideLayout11.xml><?xml version="1.0" encoding="utf-8"?>
-<p:sldLayout xmlns:a="http://schemas.openxmlformats.org/drawingml/2006/main" xmlns:r="http://schemas.openxmlformats.org/officeDocument/2006/relationships" xmlns:mc="http://schemas.openxmlformats.org/markup-compatibility/2006" xmlns:mv="urn:schemas-microsoft-com:mac:vml" xmlns:p="http://schemas.openxmlformats.org/presentationml/2006/main" xmlns:c="http://schemas.openxmlformats.org/drawingml/2006/chart" xmlns:dgm="http://schemas.openxmlformats.org/drawingml/2006/diagram" xmlns:o="urn:schemas-microsoft-com:office:office" xmlns:v="urn:schemas-microsoft-com:vml" xmlns:pvml="urn:schemas-microsoft-com:office:powerpoint" xmlns:com="http://schemas.openxmlformats.org/drawingml/2006/compatibility" xmlns:p14="http://schemas.microsoft.com/office/powerpoint/2010/main" xmlns:p15="http://schemas.microsoft.com/office/powerpoint/2012/main" xmlns:ahyp="http://schemas.microsoft.com/office/drawing/2018/hyperlinkcolor" matchingName="Blank" type="blank">
+<p:sldLayout xmlns:a="http://schemas.openxmlformats.org/drawingml/2006/main" xmlns:r="http://schemas.openxmlformats.org/officeDocument/2006/relationships" xmlns:p="http://schemas.openxmlformats.org/presentationml/2006/main" matchingName="Blank" type="blank">
   <p:cSld name="BLANK">
     <p:spTree>
       <p:nvGrpSpPr>
-        <p:cNvPr id="50" name="Shape 50"/>
+        <p:cNvPr id="1" name="Shape 50"/>
         <p:cNvGrpSpPr/>
         <p:nvPr/>
       </p:nvGrpSpPr>
@@ -2442,9 +2426,11 @@
       <p:sp>
         <p:nvSpPr>
           <p:cNvPr id="51" name="Google Shape;51;p12"/>
-          <p:cNvSpPr txBox="1"/>
+          <p:cNvSpPr txBox="1">
+            <a:spLocks noGrp="1"/>
+          </p:cNvSpPr>
           <p:nvPr>
-            <p:ph idx="12" type="sldNum"/>
+            <p:ph type="sldNum" idx="12"/>
           </p:nvPr>
         </p:nvSpPr>
         <p:spPr>
@@ -2457,7 +2443,7 @@
           </a:prstGeom>
         </p:spPr>
         <p:txBody>
-          <a:bodyPr anchorCtr="0" anchor="ctr" bIns="91425" lIns="91425" spcFirstLastPara="1" rIns="91425" wrap="square" tIns="91425">
+          <a:bodyPr spcFirstLastPara="1" wrap="square" lIns="91425" tIns="91425" rIns="91425" bIns="91425" anchor="ctr" anchorCtr="0">
             <a:noAutofit/>
           </a:bodyPr>
           <a:lstStyle>
@@ -2499,7 +2485,7 @@
             </a:lvl9pPr>
           </a:lstStyle>
           <a:p>
-            <a:pPr indent="0" lvl="0" marL="0" rtl="0" algn="r">
+            <a:pPr marL="0" lvl="0" indent="0" algn="r" rtl="0">
               <a:spcBef>
                 <a:spcPts val="0"/>
               </a:spcBef>
@@ -2525,11 +2511,11 @@
 </file>
 
 <file path=ppt/slideLayouts/slideLayout2.xml><?xml version="1.0" encoding="utf-8"?>
-<p:sldLayout xmlns:a="http://schemas.openxmlformats.org/drawingml/2006/main" xmlns:r="http://schemas.openxmlformats.org/officeDocument/2006/relationships" xmlns:mc="http://schemas.openxmlformats.org/markup-compatibility/2006" xmlns:mv="urn:schemas-microsoft-com:mac:vml" xmlns:p="http://schemas.openxmlformats.org/presentationml/2006/main" xmlns:c="http://schemas.openxmlformats.org/drawingml/2006/chart" xmlns:dgm="http://schemas.openxmlformats.org/drawingml/2006/diagram" xmlns:o="urn:schemas-microsoft-com:office:office" xmlns:v="urn:schemas-microsoft-com:vml" xmlns:pvml="urn:schemas-microsoft-com:office:powerpoint" xmlns:com="http://schemas.openxmlformats.org/drawingml/2006/compatibility" xmlns:p14="http://schemas.microsoft.com/office/powerpoint/2010/main" xmlns:p15="http://schemas.microsoft.com/office/powerpoint/2012/main" xmlns:ahyp="http://schemas.microsoft.com/office/drawing/2018/hyperlinkcolor" matchingName="Section header" type="secHead">
+<p:sldLayout xmlns:a="http://schemas.openxmlformats.org/drawingml/2006/main" xmlns:r="http://schemas.openxmlformats.org/officeDocument/2006/relationships" xmlns:p="http://schemas.openxmlformats.org/presentationml/2006/main" matchingName="Section header" type="secHead">
   <p:cSld name="SECTION_HEADER">
     <p:spTree>
       <p:nvGrpSpPr>
-        <p:cNvPr id="14" name="Shape 14"/>
+        <p:cNvPr id="1" name="Shape 14"/>
         <p:cNvGrpSpPr/>
         <p:nvPr/>
       </p:nvGrpSpPr>
@@ -2544,7 +2530,9 @@
       <p:sp>
         <p:nvSpPr>
           <p:cNvPr id="15" name="Google Shape;15;p3"/>
-          <p:cNvSpPr txBox="1"/>
+          <p:cNvSpPr txBox="1">
+            <a:spLocks noGrp="1"/>
+          </p:cNvSpPr>
           <p:nvPr>
             <p:ph type="title"/>
           </p:nvPr>
@@ -2559,7 +2547,7 @@
           </a:prstGeom>
         </p:spPr>
         <p:txBody>
-          <a:bodyPr anchorCtr="0" anchor="b" bIns="91425" lIns="91425" spcFirstLastPara="1" rIns="91425" wrap="square" tIns="91425">
+          <a:bodyPr spcFirstLastPara="1" wrap="square" lIns="91425" tIns="91425" rIns="91425" bIns="91425" anchor="b" anchorCtr="0">
             <a:noAutofit/>
           </a:bodyPr>
           <a:lstStyle>
@@ -2726,15 +2714,19 @@
               </a:defRPr>
             </a:lvl9pPr>
           </a:lstStyle>
-          <a:p/>
+          <a:p>
+            <a:endParaRPr/>
+          </a:p>
         </p:txBody>
       </p:sp>
       <p:sp>
         <p:nvSpPr>
           <p:cNvPr id="16" name="Google Shape;16;p3"/>
-          <p:cNvSpPr txBox="1"/>
+          <p:cNvSpPr txBox="1">
+            <a:spLocks noGrp="1"/>
+          </p:cNvSpPr>
           <p:nvPr>
-            <p:ph idx="12" type="sldNum"/>
+            <p:ph type="sldNum" idx="12"/>
           </p:nvPr>
         </p:nvSpPr>
         <p:spPr>
@@ -2747,7 +2739,7 @@
           </a:prstGeom>
         </p:spPr>
         <p:txBody>
-          <a:bodyPr anchorCtr="0" anchor="ctr" bIns="91425" lIns="91425" spcFirstLastPara="1" rIns="91425" wrap="square" tIns="91425">
+          <a:bodyPr spcFirstLastPara="1" wrap="square" lIns="91425" tIns="91425" rIns="91425" bIns="91425" anchor="ctr" anchorCtr="0">
             <a:noAutofit/>
           </a:bodyPr>
           <a:lstStyle>
@@ -2825,7 +2817,7 @@
             </a:lvl9pPr>
           </a:lstStyle>
           <a:p>
-            <a:pPr indent="0" lvl="0" marL="0" rtl="0" algn="r">
+            <a:pPr marL="0" lvl="0" indent="0" algn="r" rtl="0">
               <a:spcBef>
                 <a:spcPts val="0"/>
               </a:spcBef>
@@ -2851,11 +2843,11 @@
 </file>
 
 <file path=ppt/slideLayouts/slideLayout3.xml><?xml version="1.0" encoding="utf-8"?>
-<p:sldLayout xmlns:a="http://schemas.openxmlformats.org/drawingml/2006/main" xmlns:r="http://schemas.openxmlformats.org/officeDocument/2006/relationships" xmlns:mc="http://schemas.openxmlformats.org/markup-compatibility/2006" xmlns:mv="urn:schemas-microsoft-com:mac:vml" xmlns:p="http://schemas.openxmlformats.org/presentationml/2006/main" xmlns:c="http://schemas.openxmlformats.org/drawingml/2006/chart" xmlns:dgm="http://schemas.openxmlformats.org/drawingml/2006/diagram" xmlns:o="urn:schemas-microsoft-com:office:office" xmlns:v="urn:schemas-microsoft-com:vml" xmlns:pvml="urn:schemas-microsoft-com:office:powerpoint" xmlns:com="http://schemas.openxmlformats.org/drawingml/2006/compatibility" xmlns:p14="http://schemas.microsoft.com/office/powerpoint/2010/main" xmlns:p15="http://schemas.microsoft.com/office/powerpoint/2012/main" xmlns:ahyp="http://schemas.microsoft.com/office/drawing/2018/hyperlinkcolor" matchingName="Title and body" type="tx">
+<p:sldLayout xmlns:a="http://schemas.openxmlformats.org/drawingml/2006/main" xmlns:r="http://schemas.openxmlformats.org/officeDocument/2006/relationships" xmlns:p="http://schemas.openxmlformats.org/presentationml/2006/main" matchingName="Title and body" type="tx">
   <p:cSld name="TITLE_AND_BODY">
     <p:spTree>
       <p:nvGrpSpPr>
-        <p:cNvPr id="17" name="Shape 17"/>
+        <p:cNvPr id="1" name="Shape 17"/>
         <p:cNvGrpSpPr/>
         <p:nvPr/>
       </p:nvGrpSpPr>
@@ -2870,7 +2862,9 @@
       <p:sp>
         <p:nvSpPr>
           <p:cNvPr id="18" name="Google Shape;18;p4"/>
-          <p:cNvSpPr txBox="1"/>
+          <p:cNvSpPr txBox="1">
+            <a:spLocks noGrp="1"/>
+          </p:cNvSpPr>
           <p:nvPr>
             <p:ph type="title"/>
           </p:nvPr>
@@ -2885,7 +2879,7 @@
           </a:prstGeom>
         </p:spPr>
         <p:txBody>
-          <a:bodyPr anchorCtr="0" anchor="t" bIns="91425" lIns="91425" spcFirstLastPara="1" rIns="91425" wrap="square" tIns="91425">
+          <a:bodyPr spcFirstLastPara="1" wrap="square" lIns="91425" tIns="91425" rIns="91425" bIns="91425" anchor="t" anchorCtr="0">
             <a:noAutofit/>
           </a:bodyPr>
           <a:lstStyle>
@@ -2989,15 +2983,19 @@
               <a:defRPr/>
             </a:lvl9pPr>
           </a:lstStyle>
-          <a:p/>
+          <a:p>
+            <a:endParaRPr/>
+          </a:p>
         </p:txBody>
       </p:sp>
       <p:sp>
         <p:nvSpPr>
           <p:cNvPr id="19" name="Google Shape;19;p4"/>
-          <p:cNvSpPr txBox="1"/>
+          <p:cNvSpPr txBox="1">
+            <a:spLocks noGrp="1"/>
+          </p:cNvSpPr>
           <p:nvPr>
-            <p:ph idx="1" type="body"/>
+            <p:ph type="body" idx="1"/>
           </p:nvPr>
         </p:nvSpPr>
         <p:spPr>
@@ -3010,11 +3008,11 @@
           </a:prstGeom>
         </p:spPr>
         <p:txBody>
-          <a:bodyPr anchorCtr="0" anchor="t" bIns="91425" lIns="91425" spcFirstLastPara="1" rIns="91425" wrap="square" tIns="91425">
+          <a:bodyPr spcFirstLastPara="1" wrap="square" lIns="91425" tIns="91425" rIns="91425" bIns="91425" anchor="t" anchorCtr="0">
             <a:noAutofit/>
           </a:bodyPr>
           <a:lstStyle>
-            <a:lvl1pPr indent="-342900" lvl="0" marL="457200">
+            <a:lvl1pPr marL="457200" lvl="0" indent="-342900">
               <a:spcBef>
                 <a:spcPts val="0"/>
               </a:spcBef>
@@ -3025,7 +3023,7 @@
               <a:buChar char="●"/>
               <a:defRPr/>
             </a:lvl1pPr>
-            <a:lvl2pPr indent="-317500" lvl="1" marL="914400">
+            <a:lvl2pPr marL="914400" lvl="1" indent="-317500">
               <a:spcBef>
                 <a:spcPts val="1600"/>
               </a:spcBef>
@@ -3036,7 +3034,7 @@
               <a:buChar char="○"/>
               <a:defRPr/>
             </a:lvl2pPr>
-            <a:lvl3pPr indent="-317500" lvl="2" marL="1371600">
+            <a:lvl3pPr marL="1371600" lvl="2" indent="-317500">
               <a:spcBef>
                 <a:spcPts val="1600"/>
               </a:spcBef>
@@ -3047,7 +3045,7 @@
               <a:buChar char="■"/>
               <a:defRPr/>
             </a:lvl3pPr>
-            <a:lvl4pPr indent="-317500" lvl="3" marL="1828800">
+            <a:lvl4pPr marL="1828800" lvl="3" indent="-317500">
               <a:spcBef>
                 <a:spcPts val="1600"/>
               </a:spcBef>
@@ -3058,7 +3056,7 @@
               <a:buChar char="●"/>
               <a:defRPr/>
             </a:lvl4pPr>
-            <a:lvl5pPr indent="-317500" lvl="4" marL="2286000">
+            <a:lvl5pPr marL="2286000" lvl="4" indent="-317500">
               <a:spcBef>
                 <a:spcPts val="1600"/>
               </a:spcBef>
@@ -3069,7 +3067,7 @@
               <a:buChar char="○"/>
               <a:defRPr/>
             </a:lvl5pPr>
-            <a:lvl6pPr indent="-317500" lvl="5" marL="2743200">
+            <a:lvl6pPr marL="2743200" lvl="5" indent="-317500">
               <a:spcBef>
                 <a:spcPts val="1600"/>
               </a:spcBef>
@@ -3080,7 +3078,7 @@
               <a:buChar char="■"/>
               <a:defRPr/>
             </a:lvl6pPr>
-            <a:lvl7pPr indent="-317500" lvl="6" marL="3200400">
+            <a:lvl7pPr marL="3200400" lvl="6" indent="-317500">
               <a:spcBef>
                 <a:spcPts val="1600"/>
               </a:spcBef>
@@ -3091,7 +3089,7 @@
               <a:buChar char="●"/>
               <a:defRPr/>
             </a:lvl7pPr>
-            <a:lvl8pPr indent="-317500" lvl="7" marL="3657600">
+            <a:lvl8pPr marL="3657600" lvl="7" indent="-317500">
               <a:spcBef>
                 <a:spcPts val="1600"/>
               </a:spcBef>
@@ -3102,7 +3100,7 @@
               <a:buChar char="○"/>
               <a:defRPr/>
             </a:lvl8pPr>
-            <a:lvl9pPr indent="-317500" lvl="8" marL="4114800">
+            <a:lvl9pPr marL="4114800" lvl="8" indent="-317500">
               <a:spcBef>
                 <a:spcPts val="1600"/>
               </a:spcBef>
@@ -3114,15 +3112,19 @@
               <a:defRPr/>
             </a:lvl9pPr>
           </a:lstStyle>
-          <a:p/>
+          <a:p>
+            <a:endParaRPr/>
+          </a:p>
         </p:txBody>
       </p:sp>
       <p:sp>
         <p:nvSpPr>
           <p:cNvPr id="20" name="Google Shape;20;p4"/>
-          <p:cNvSpPr txBox="1"/>
+          <p:cNvSpPr txBox="1">
+            <a:spLocks noGrp="1"/>
+          </p:cNvSpPr>
           <p:nvPr>
-            <p:ph idx="12" type="sldNum"/>
+            <p:ph type="sldNum" idx="12"/>
           </p:nvPr>
         </p:nvSpPr>
         <p:spPr>
@@ -3135,7 +3137,7 @@
           </a:prstGeom>
         </p:spPr>
         <p:txBody>
-          <a:bodyPr anchorCtr="0" anchor="ctr" bIns="91425" lIns="91425" spcFirstLastPara="1" rIns="91425" wrap="square" tIns="91425">
+          <a:bodyPr spcFirstLastPara="1" wrap="square" lIns="91425" tIns="91425" rIns="91425" bIns="91425" anchor="ctr" anchorCtr="0">
             <a:noAutofit/>
           </a:bodyPr>
           <a:lstStyle>
@@ -3177,7 +3179,7 @@
             </a:lvl9pPr>
           </a:lstStyle>
           <a:p>
-            <a:pPr indent="0" lvl="0" marL="0" rtl="0" algn="r">
+            <a:pPr marL="0" lvl="0" indent="0" algn="r" rtl="0">
               <a:spcBef>
                 <a:spcPts val="0"/>
               </a:spcBef>
@@ -3203,11 +3205,11 @@
 </file>
 
 <file path=ppt/slideLayouts/slideLayout4.xml><?xml version="1.0" encoding="utf-8"?>
-<p:sldLayout xmlns:a="http://schemas.openxmlformats.org/drawingml/2006/main" xmlns:r="http://schemas.openxmlformats.org/officeDocument/2006/relationships" xmlns:mc="http://schemas.openxmlformats.org/markup-compatibility/2006" xmlns:mv="urn:schemas-microsoft-com:mac:vml" xmlns:p="http://schemas.openxmlformats.org/presentationml/2006/main" xmlns:c="http://schemas.openxmlformats.org/drawingml/2006/chart" xmlns:dgm="http://schemas.openxmlformats.org/drawingml/2006/diagram" xmlns:o="urn:schemas-microsoft-com:office:office" xmlns:v="urn:schemas-microsoft-com:vml" xmlns:pvml="urn:schemas-microsoft-com:office:powerpoint" xmlns:com="http://schemas.openxmlformats.org/drawingml/2006/compatibility" xmlns:p14="http://schemas.microsoft.com/office/powerpoint/2010/main" xmlns:p15="http://schemas.microsoft.com/office/powerpoint/2012/main" xmlns:ahyp="http://schemas.microsoft.com/office/drawing/2018/hyperlinkcolor" matchingName="Title and two columns" type="twoColTx">
+<p:sldLayout xmlns:a="http://schemas.openxmlformats.org/drawingml/2006/main" xmlns:r="http://schemas.openxmlformats.org/officeDocument/2006/relationships" xmlns:p="http://schemas.openxmlformats.org/presentationml/2006/main" matchingName="Title and two columns" type="twoColTx">
   <p:cSld name="TITLE_AND_TWO_COLUMNS">
     <p:spTree>
       <p:nvGrpSpPr>
-        <p:cNvPr id="21" name="Shape 21"/>
+        <p:cNvPr id="1" name="Shape 21"/>
         <p:cNvGrpSpPr/>
         <p:nvPr/>
       </p:nvGrpSpPr>
@@ -3222,7 +3224,9 @@
       <p:sp>
         <p:nvSpPr>
           <p:cNvPr id="22" name="Google Shape;22;p5"/>
-          <p:cNvSpPr txBox="1"/>
+          <p:cNvSpPr txBox="1">
+            <a:spLocks noGrp="1"/>
+          </p:cNvSpPr>
           <p:nvPr>
             <p:ph type="title"/>
           </p:nvPr>
@@ -3237,7 +3241,7 @@
           </a:prstGeom>
         </p:spPr>
         <p:txBody>
-          <a:bodyPr anchorCtr="0" anchor="t" bIns="91425" lIns="91425" spcFirstLastPara="1" rIns="91425" wrap="square" tIns="91425">
+          <a:bodyPr spcFirstLastPara="1" wrap="square" lIns="91425" tIns="91425" rIns="91425" bIns="91425" anchor="t" anchorCtr="0">
             <a:noAutofit/>
           </a:bodyPr>
           <a:lstStyle>
@@ -3341,15 +3345,19 @@
               <a:defRPr/>
             </a:lvl9pPr>
           </a:lstStyle>
-          <a:p/>
+          <a:p>
+            <a:endParaRPr/>
+          </a:p>
         </p:txBody>
       </p:sp>
       <p:sp>
         <p:nvSpPr>
           <p:cNvPr id="23" name="Google Shape;23;p5"/>
-          <p:cNvSpPr txBox="1"/>
+          <p:cNvSpPr txBox="1">
+            <a:spLocks noGrp="1"/>
+          </p:cNvSpPr>
           <p:nvPr>
-            <p:ph idx="1" type="body"/>
+            <p:ph type="body" idx="1"/>
           </p:nvPr>
         </p:nvSpPr>
         <p:spPr>
@@ -3362,11 +3370,11 @@
           </a:prstGeom>
         </p:spPr>
         <p:txBody>
-          <a:bodyPr anchorCtr="0" anchor="t" bIns="91425" lIns="91425" spcFirstLastPara="1" rIns="91425" wrap="square" tIns="91425">
+          <a:bodyPr spcFirstLastPara="1" wrap="square" lIns="91425" tIns="91425" rIns="91425" bIns="91425" anchor="t" anchorCtr="0">
             <a:noAutofit/>
           </a:bodyPr>
           <a:lstStyle>
-            <a:lvl1pPr indent="-317500" lvl="0" marL="457200">
+            <a:lvl1pPr marL="457200" lvl="0" indent="-317500">
               <a:spcBef>
                 <a:spcPts val="0"/>
               </a:spcBef>
@@ -3377,7 +3385,7 @@
               <a:buChar char="●"/>
               <a:defRPr sz="1400"/>
             </a:lvl1pPr>
-            <a:lvl2pPr indent="-304800" lvl="1" marL="914400">
+            <a:lvl2pPr marL="914400" lvl="1" indent="-304800">
               <a:spcBef>
                 <a:spcPts val="1600"/>
               </a:spcBef>
@@ -3388,7 +3396,7 @@
               <a:buChar char="○"/>
               <a:defRPr sz="1200"/>
             </a:lvl2pPr>
-            <a:lvl3pPr indent="-304800" lvl="2" marL="1371600">
+            <a:lvl3pPr marL="1371600" lvl="2" indent="-304800">
               <a:spcBef>
                 <a:spcPts val="1600"/>
               </a:spcBef>
@@ -3399,7 +3407,7 @@
               <a:buChar char="■"/>
               <a:defRPr sz="1200"/>
             </a:lvl3pPr>
-            <a:lvl4pPr indent="-304800" lvl="3" marL="1828800">
+            <a:lvl4pPr marL="1828800" lvl="3" indent="-304800">
               <a:spcBef>
                 <a:spcPts val="1600"/>
               </a:spcBef>
@@ -3410,7 +3418,7 @@
               <a:buChar char="●"/>
               <a:defRPr sz="1200"/>
             </a:lvl4pPr>
-            <a:lvl5pPr indent="-304800" lvl="4" marL="2286000">
+            <a:lvl5pPr marL="2286000" lvl="4" indent="-304800">
               <a:spcBef>
                 <a:spcPts val="1600"/>
               </a:spcBef>
@@ -3421,7 +3429,7 @@
               <a:buChar char="○"/>
               <a:defRPr sz="1200"/>
             </a:lvl5pPr>
-            <a:lvl6pPr indent="-304800" lvl="5" marL="2743200">
+            <a:lvl6pPr marL="2743200" lvl="5" indent="-304800">
               <a:spcBef>
                 <a:spcPts val="1600"/>
               </a:spcBef>
@@ -3432,7 +3440,7 @@
               <a:buChar char="■"/>
               <a:defRPr sz="1200"/>
             </a:lvl6pPr>
-            <a:lvl7pPr indent="-304800" lvl="6" marL="3200400">
+            <a:lvl7pPr marL="3200400" lvl="6" indent="-304800">
               <a:spcBef>
                 <a:spcPts val="1600"/>
               </a:spcBef>
@@ -3443,7 +3451,7 @@
               <a:buChar char="●"/>
               <a:defRPr sz="1200"/>
             </a:lvl7pPr>
-            <a:lvl8pPr indent="-304800" lvl="7" marL="3657600">
+            <a:lvl8pPr marL="3657600" lvl="7" indent="-304800">
               <a:spcBef>
                 <a:spcPts val="1600"/>
               </a:spcBef>
@@ -3454,7 +3462,7 @@
               <a:buChar char="○"/>
               <a:defRPr sz="1200"/>
             </a:lvl8pPr>
-            <a:lvl9pPr indent="-304800" lvl="8" marL="4114800">
+            <a:lvl9pPr marL="4114800" lvl="8" indent="-304800">
               <a:spcBef>
                 <a:spcPts val="1600"/>
               </a:spcBef>
@@ -3466,15 +3474,19 @@
               <a:defRPr sz="1200"/>
             </a:lvl9pPr>
           </a:lstStyle>
-          <a:p/>
+          <a:p>
+            <a:endParaRPr/>
+          </a:p>
         </p:txBody>
       </p:sp>
       <p:sp>
         <p:nvSpPr>
           <p:cNvPr id="24" name="Google Shape;24;p5"/>
-          <p:cNvSpPr txBox="1"/>
+          <p:cNvSpPr txBox="1">
+            <a:spLocks noGrp="1"/>
+          </p:cNvSpPr>
           <p:nvPr>
-            <p:ph idx="2" type="body"/>
+            <p:ph type="body" idx="2"/>
           </p:nvPr>
         </p:nvSpPr>
         <p:spPr>
@@ -3487,11 +3499,11 @@
           </a:prstGeom>
         </p:spPr>
         <p:txBody>
-          <a:bodyPr anchorCtr="0" anchor="t" bIns="91425" lIns="91425" spcFirstLastPara="1" rIns="91425" wrap="square" tIns="91425">
+          <a:bodyPr spcFirstLastPara="1" wrap="square" lIns="91425" tIns="91425" rIns="91425" bIns="91425" anchor="t" anchorCtr="0">
             <a:noAutofit/>
           </a:bodyPr>
           <a:lstStyle>
-            <a:lvl1pPr indent="-317500" lvl="0" marL="457200">
+            <a:lvl1pPr marL="457200" lvl="0" indent="-317500">
               <a:spcBef>
                 <a:spcPts val="0"/>
               </a:spcBef>
@@ -3502,7 +3514,7 @@
               <a:buChar char="●"/>
               <a:defRPr sz="1400"/>
             </a:lvl1pPr>
-            <a:lvl2pPr indent="-304800" lvl="1" marL="914400">
+            <a:lvl2pPr marL="914400" lvl="1" indent="-304800">
               <a:spcBef>
                 <a:spcPts val="1600"/>
               </a:spcBef>
@@ -3513,7 +3525,7 @@
               <a:buChar char="○"/>
               <a:defRPr sz="1200"/>
             </a:lvl2pPr>
-            <a:lvl3pPr indent="-304800" lvl="2" marL="1371600">
+            <a:lvl3pPr marL="1371600" lvl="2" indent="-304800">
               <a:spcBef>
                 <a:spcPts val="1600"/>
               </a:spcBef>
@@ -3524,7 +3536,7 @@
               <a:buChar char="■"/>
               <a:defRPr sz="1200"/>
             </a:lvl3pPr>
-            <a:lvl4pPr indent="-304800" lvl="3" marL="1828800">
+            <a:lvl4pPr marL="1828800" lvl="3" indent="-304800">
               <a:spcBef>
                 <a:spcPts val="1600"/>
               </a:spcBef>
@@ -3535,7 +3547,7 @@
               <a:buChar char="●"/>
               <a:defRPr sz="1200"/>
             </a:lvl4pPr>
-            <a:lvl5pPr indent="-304800" lvl="4" marL="2286000">
+            <a:lvl5pPr marL="2286000" lvl="4" indent="-304800">
               <a:spcBef>
                 <a:spcPts val="1600"/>
               </a:spcBef>
@@ -3546,7 +3558,7 @@
               <a:buChar char="○"/>
               <a:defRPr sz="1200"/>
             </a:lvl5pPr>
-            <a:lvl6pPr indent="-304800" lvl="5" marL="2743200">
+            <a:lvl6pPr marL="2743200" lvl="5" indent="-304800">
               <a:spcBef>
                 <a:spcPts val="1600"/>
               </a:spcBef>
@@ -3557,7 +3569,7 @@
               <a:buChar char="■"/>
               <a:defRPr sz="1200"/>
             </a:lvl6pPr>
-            <a:lvl7pPr indent="-304800" lvl="6" marL="3200400">
+            <a:lvl7pPr marL="3200400" lvl="6" indent="-304800">
               <a:spcBef>
                 <a:spcPts val="1600"/>
               </a:spcBef>
@@ -3568,7 +3580,7 @@
               <a:buChar char="●"/>
               <a:defRPr sz="1200"/>
             </a:lvl7pPr>
-            <a:lvl8pPr indent="-304800" lvl="7" marL="3657600">
+            <a:lvl8pPr marL="3657600" lvl="7" indent="-304800">
               <a:spcBef>
                 <a:spcPts val="1600"/>
               </a:spcBef>
@@ -3579,7 +3591,7 @@
               <a:buChar char="○"/>
               <a:defRPr sz="1200"/>
             </a:lvl8pPr>
-            <a:lvl9pPr indent="-304800" lvl="8" marL="4114800">
+            <a:lvl9pPr marL="4114800" lvl="8" indent="-304800">
               <a:spcBef>
                 <a:spcPts val="1600"/>
               </a:spcBef>
@@ -3591,15 +3603,19 @@
               <a:defRPr sz="1200"/>
             </a:lvl9pPr>
           </a:lstStyle>
-          <a:p/>
+          <a:p>
+            <a:endParaRPr/>
+          </a:p>
         </p:txBody>
       </p:sp>
       <p:sp>
         <p:nvSpPr>
           <p:cNvPr id="25" name="Google Shape;25;p5"/>
-          <p:cNvSpPr txBox="1"/>
+          <p:cNvSpPr txBox="1">
+            <a:spLocks noGrp="1"/>
+          </p:cNvSpPr>
           <p:nvPr>
-            <p:ph idx="12" type="sldNum"/>
+            <p:ph type="sldNum" idx="12"/>
           </p:nvPr>
         </p:nvSpPr>
         <p:spPr>
@@ -3612,7 +3628,7 @@
           </a:prstGeom>
         </p:spPr>
         <p:txBody>
-          <a:bodyPr anchorCtr="0" anchor="ctr" bIns="91425" lIns="91425" spcFirstLastPara="1" rIns="91425" wrap="square" tIns="91425">
+          <a:bodyPr spcFirstLastPara="1" wrap="square" lIns="91425" tIns="91425" rIns="91425" bIns="91425" anchor="ctr" anchorCtr="0">
             <a:noAutofit/>
           </a:bodyPr>
           <a:lstStyle>
@@ -3654,7 +3670,7 @@
             </a:lvl9pPr>
           </a:lstStyle>
           <a:p>
-            <a:pPr indent="0" lvl="0" marL="0" rtl="0" algn="r">
+            <a:pPr marL="0" lvl="0" indent="0" algn="r" rtl="0">
               <a:spcBef>
                 <a:spcPts val="0"/>
               </a:spcBef>
@@ -3680,11 +3696,11 @@
 </file>
 
 <file path=ppt/slideLayouts/slideLayout5.xml><?xml version="1.0" encoding="utf-8"?>
-<p:sldLayout xmlns:a="http://schemas.openxmlformats.org/drawingml/2006/main" xmlns:r="http://schemas.openxmlformats.org/officeDocument/2006/relationships" xmlns:mc="http://schemas.openxmlformats.org/markup-compatibility/2006" xmlns:mv="urn:schemas-microsoft-com:mac:vml" xmlns:p="http://schemas.openxmlformats.org/presentationml/2006/main" xmlns:c="http://schemas.openxmlformats.org/drawingml/2006/chart" xmlns:dgm="http://schemas.openxmlformats.org/drawingml/2006/diagram" xmlns:o="urn:schemas-microsoft-com:office:office" xmlns:v="urn:schemas-microsoft-com:vml" xmlns:pvml="urn:schemas-microsoft-com:office:powerpoint" xmlns:com="http://schemas.openxmlformats.org/drawingml/2006/compatibility" xmlns:p14="http://schemas.microsoft.com/office/powerpoint/2010/main" xmlns:p15="http://schemas.microsoft.com/office/powerpoint/2012/main" xmlns:ahyp="http://schemas.microsoft.com/office/drawing/2018/hyperlinkcolor" matchingName="Title only" type="titleOnly">
+<p:sldLayout xmlns:a="http://schemas.openxmlformats.org/drawingml/2006/main" xmlns:r="http://schemas.openxmlformats.org/officeDocument/2006/relationships" xmlns:p="http://schemas.openxmlformats.org/presentationml/2006/main" matchingName="Title only" type="titleOnly">
   <p:cSld name="TITLE_ONLY">
     <p:spTree>
       <p:nvGrpSpPr>
-        <p:cNvPr id="26" name="Shape 26"/>
+        <p:cNvPr id="1" name="Shape 26"/>
         <p:cNvGrpSpPr/>
         <p:nvPr/>
       </p:nvGrpSpPr>
@@ -3699,7 +3715,9 @@
       <p:sp>
         <p:nvSpPr>
           <p:cNvPr id="27" name="Google Shape;27;p6"/>
-          <p:cNvSpPr txBox="1"/>
+          <p:cNvSpPr txBox="1">
+            <a:spLocks noGrp="1"/>
+          </p:cNvSpPr>
           <p:nvPr>
             <p:ph type="title"/>
           </p:nvPr>
@@ -3714,7 +3732,7 @@
           </a:prstGeom>
         </p:spPr>
         <p:txBody>
-          <a:bodyPr anchorCtr="0" anchor="t" bIns="91425" lIns="91425" spcFirstLastPara="1" rIns="91425" wrap="square" tIns="91425">
+          <a:bodyPr spcFirstLastPara="1" wrap="square" lIns="91425" tIns="91425" rIns="91425" bIns="91425" anchor="t" anchorCtr="0">
             <a:noAutofit/>
           </a:bodyPr>
           <a:lstStyle>
@@ -3818,15 +3836,19 @@
               <a:defRPr/>
             </a:lvl9pPr>
           </a:lstStyle>
-          <a:p/>
+          <a:p>
+            <a:endParaRPr/>
+          </a:p>
         </p:txBody>
       </p:sp>
       <p:sp>
         <p:nvSpPr>
           <p:cNvPr id="28" name="Google Shape;28;p6"/>
-          <p:cNvSpPr txBox="1"/>
+          <p:cNvSpPr txBox="1">
+            <a:spLocks noGrp="1"/>
+          </p:cNvSpPr>
           <p:nvPr>
-            <p:ph idx="12" type="sldNum"/>
+            <p:ph type="sldNum" idx="12"/>
           </p:nvPr>
         </p:nvSpPr>
         <p:spPr>
@@ -3839,7 +3861,7 @@
           </a:prstGeom>
         </p:spPr>
         <p:txBody>
-          <a:bodyPr anchorCtr="0" anchor="ctr" bIns="91425" lIns="91425" spcFirstLastPara="1" rIns="91425" wrap="square" tIns="91425">
+          <a:bodyPr spcFirstLastPara="1" wrap="square" lIns="91425" tIns="91425" rIns="91425" bIns="91425" anchor="ctr" anchorCtr="0">
             <a:noAutofit/>
           </a:bodyPr>
           <a:lstStyle>
@@ -3881,7 +3903,7 @@
             </a:lvl9pPr>
           </a:lstStyle>
           <a:p>
-            <a:pPr indent="0" lvl="0" marL="0" rtl="0" algn="r">
+            <a:pPr marL="0" lvl="0" indent="0" algn="r" rtl="0">
               <a:spcBef>
                 <a:spcPts val="0"/>
               </a:spcBef>
@@ -3907,11 +3929,11 @@
 </file>
 
 <file path=ppt/slideLayouts/slideLayout6.xml><?xml version="1.0" encoding="utf-8"?>
-<p:sldLayout xmlns:a="http://schemas.openxmlformats.org/drawingml/2006/main" xmlns:r="http://schemas.openxmlformats.org/officeDocument/2006/relationships" xmlns:mc="http://schemas.openxmlformats.org/markup-compatibility/2006" xmlns:mv="urn:schemas-microsoft-com:mac:vml" xmlns:p="http://schemas.openxmlformats.org/presentationml/2006/main" xmlns:c="http://schemas.openxmlformats.org/drawingml/2006/chart" xmlns:dgm="http://schemas.openxmlformats.org/drawingml/2006/diagram" xmlns:o="urn:schemas-microsoft-com:office:office" xmlns:v="urn:schemas-microsoft-com:vml" xmlns:pvml="urn:schemas-microsoft-com:office:powerpoint" xmlns:com="http://schemas.openxmlformats.org/drawingml/2006/compatibility" xmlns:p14="http://schemas.microsoft.com/office/powerpoint/2010/main" xmlns:p15="http://schemas.microsoft.com/office/powerpoint/2012/main" xmlns:ahyp="http://schemas.microsoft.com/office/drawing/2018/hyperlinkcolor" matchingName="One column text">
+<p:sldLayout xmlns:a="http://schemas.openxmlformats.org/drawingml/2006/main" xmlns:r="http://schemas.openxmlformats.org/officeDocument/2006/relationships" xmlns:p="http://schemas.openxmlformats.org/presentationml/2006/main" matchingName="One column text">
   <p:cSld name="ONE_COLUMN_TEXT">
     <p:spTree>
       <p:nvGrpSpPr>
-        <p:cNvPr id="29" name="Shape 29"/>
+        <p:cNvPr id="1" name="Shape 29"/>
         <p:cNvGrpSpPr/>
         <p:nvPr/>
       </p:nvGrpSpPr>
@@ -3926,7 +3948,9 @@
       <p:sp>
         <p:nvSpPr>
           <p:cNvPr id="30" name="Google Shape;30;p7"/>
-          <p:cNvSpPr txBox="1"/>
+          <p:cNvSpPr txBox="1">
+            <a:spLocks noGrp="1"/>
+          </p:cNvSpPr>
           <p:nvPr>
             <p:ph type="title"/>
           </p:nvPr>
@@ -3941,7 +3965,7 @@
           </a:prstGeom>
         </p:spPr>
         <p:txBody>
-          <a:bodyPr anchorCtr="0" anchor="b" bIns="91425" lIns="91425" spcFirstLastPara="1" rIns="91425" wrap="square" tIns="91425">
+          <a:bodyPr spcFirstLastPara="1" wrap="square" lIns="91425" tIns="91425" rIns="91425" bIns="91425" anchor="b" anchorCtr="0">
             <a:noAutofit/>
           </a:bodyPr>
           <a:lstStyle>
@@ -4045,15 +4069,19 @@
               <a:defRPr sz="2400"/>
             </a:lvl9pPr>
           </a:lstStyle>
-          <a:p/>
+          <a:p>
+            <a:endParaRPr/>
+          </a:p>
         </p:txBody>
       </p:sp>
       <p:sp>
         <p:nvSpPr>
           <p:cNvPr id="31" name="Google Shape;31;p7"/>
-          <p:cNvSpPr txBox="1"/>
+          <p:cNvSpPr txBox="1">
+            <a:spLocks noGrp="1"/>
+          </p:cNvSpPr>
           <p:nvPr>
-            <p:ph idx="1" type="body"/>
+            <p:ph type="body" idx="1"/>
           </p:nvPr>
         </p:nvSpPr>
         <p:spPr>
@@ -4066,11 +4094,11 @@
           </a:prstGeom>
         </p:spPr>
         <p:txBody>
-          <a:bodyPr anchorCtr="0" anchor="t" bIns="91425" lIns="91425" spcFirstLastPara="1" rIns="91425" wrap="square" tIns="91425">
+          <a:bodyPr spcFirstLastPara="1" wrap="square" lIns="91425" tIns="91425" rIns="91425" bIns="91425" anchor="t" anchorCtr="0">
             <a:noAutofit/>
           </a:bodyPr>
           <a:lstStyle>
-            <a:lvl1pPr indent="-304800" lvl="0" marL="457200">
+            <a:lvl1pPr marL="457200" lvl="0" indent="-304800">
               <a:spcBef>
                 <a:spcPts val="0"/>
               </a:spcBef>
@@ -4081,7 +4109,7 @@
               <a:buChar char="●"/>
               <a:defRPr sz="1200"/>
             </a:lvl1pPr>
-            <a:lvl2pPr indent="-304800" lvl="1" marL="914400">
+            <a:lvl2pPr marL="914400" lvl="1" indent="-304800">
               <a:spcBef>
                 <a:spcPts val="1600"/>
               </a:spcBef>
@@ -4092,7 +4120,7 @@
               <a:buChar char="○"/>
               <a:defRPr sz="1200"/>
             </a:lvl2pPr>
-            <a:lvl3pPr indent="-304800" lvl="2" marL="1371600">
+            <a:lvl3pPr marL="1371600" lvl="2" indent="-304800">
               <a:spcBef>
                 <a:spcPts val="1600"/>
               </a:spcBef>
@@ -4103,7 +4131,7 @@
               <a:buChar char="■"/>
               <a:defRPr sz="1200"/>
             </a:lvl3pPr>
-            <a:lvl4pPr indent="-304800" lvl="3" marL="1828800">
+            <a:lvl4pPr marL="1828800" lvl="3" indent="-304800">
               <a:spcBef>
                 <a:spcPts val="1600"/>
               </a:spcBef>
@@ -4114,7 +4142,7 @@
               <a:buChar char="●"/>
               <a:defRPr sz="1200"/>
             </a:lvl4pPr>
-            <a:lvl5pPr indent="-304800" lvl="4" marL="2286000">
+            <a:lvl5pPr marL="2286000" lvl="4" indent="-304800">
               <a:spcBef>
                 <a:spcPts val="1600"/>
               </a:spcBef>
@@ -4125,7 +4153,7 @@
               <a:buChar char="○"/>
               <a:defRPr sz="1200"/>
             </a:lvl5pPr>
-            <a:lvl6pPr indent="-304800" lvl="5" marL="2743200">
+            <a:lvl6pPr marL="2743200" lvl="5" indent="-304800">
               <a:spcBef>
                 <a:spcPts val="1600"/>
               </a:spcBef>
@@ -4136,7 +4164,7 @@
               <a:buChar char="■"/>
               <a:defRPr sz="1200"/>
             </a:lvl6pPr>
-            <a:lvl7pPr indent="-304800" lvl="6" marL="3200400">
+            <a:lvl7pPr marL="3200400" lvl="6" indent="-304800">
               <a:spcBef>
                 <a:spcPts val="1600"/>
               </a:spcBef>
@@ -4147,7 +4175,7 @@
               <a:buChar char="●"/>
               <a:defRPr sz="1200"/>
             </a:lvl7pPr>
-            <a:lvl8pPr indent="-304800" lvl="7" marL="3657600">
+            <a:lvl8pPr marL="3657600" lvl="7" indent="-304800">
               <a:spcBef>
                 <a:spcPts val="1600"/>
               </a:spcBef>
@@ -4158,7 +4186,7 @@
               <a:buChar char="○"/>
               <a:defRPr sz="1200"/>
             </a:lvl8pPr>
-            <a:lvl9pPr indent="-304800" lvl="8" marL="4114800">
+            <a:lvl9pPr marL="4114800" lvl="8" indent="-304800">
               <a:spcBef>
                 <a:spcPts val="1600"/>
               </a:spcBef>
@@ -4170,15 +4198,19 @@
               <a:defRPr sz="1200"/>
             </a:lvl9pPr>
           </a:lstStyle>
-          <a:p/>
+          <a:p>
+            <a:endParaRPr/>
+          </a:p>
         </p:txBody>
       </p:sp>
       <p:sp>
         <p:nvSpPr>
           <p:cNvPr id="32" name="Google Shape;32;p7"/>
-          <p:cNvSpPr txBox="1"/>
+          <p:cNvSpPr txBox="1">
+            <a:spLocks noGrp="1"/>
+          </p:cNvSpPr>
           <p:nvPr>
-            <p:ph idx="12" type="sldNum"/>
+            <p:ph type="sldNum" idx="12"/>
           </p:nvPr>
         </p:nvSpPr>
         <p:spPr>
@@ -4191,7 +4223,7 @@
           </a:prstGeom>
         </p:spPr>
         <p:txBody>
-          <a:bodyPr anchorCtr="0" anchor="ctr" bIns="91425" lIns="91425" spcFirstLastPara="1" rIns="91425" wrap="square" tIns="91425">
+          <a:bodyPr spcFirstLastPara="1" wrap="square" lIns="91425" tIns="91425" rIns="91425" bIns="91425" anchor="ctr" anchorCtr="0">
             <a:noAutofit/>
           </a:bodyPr>
           <a:lstStyle>
@@ -4233,7 +4265,7 @@
             </a:lvl9pPr>
           </a:lstStyle>
           <a:p>
-            <a:pPr indent="0" lvl="0" marL="0" rtl="0" algn="r">
+            <a:pPr marL="0" lvl="0" indent="0" algn="r" rtl="0">
               <a:spcBef>
                 <a:spcPts val="0"/>
               </a:spcBef>
@@ -4259,11 +4291,11 @@
 </file>
 
 <file path=ppt/slideLayouts/slideLayout7.xml><?xml version="1.0" encoding="utf-8"?>
-<p:sldLayout xmlns:a="http://schemas.openxmlformats.org/drawingml/2006/main" xmlns:r="http://schemas.openxmlformats.org/officeDocument/2006/relationships" xmlns:mc="http://schemas.openxmlformats.org/markup-compatibility/2006" xmlns:mv="urn:schemas-microsoft-com:mac:vml" xmlns:p="http://schemas.openxmlformats.org/presentationml/2006/main" xmlns:c="http://schemas.openxmlformats.org/drawingml/2006/chart" xmlns:dgm="http://schemas.openxmlformats.org/drawingml/2006/diagram" xmlns:o="urn:schemas-microsoft-com:office:office" xmlns:v="urn:schemas-microsoft-com:vml" xmlns:pvml="urn:schemas-microsoft-com:office:powerpoint" xmlns:com="http://schemas.openxmlformats.org/drawingml/2006/compatibility" xmlns:p14="http://schemas.microsoft.com/office/powerpoint/2010/main" xmlns:p15="http://schemas.microsoft.com/office/powerpoint/2012/main" xmlns:ahyp="http://schemas.microsoft.com/office/drawing/2018/hyperlinkcolor" matchingName="Main point">
+<p:sldLayout xmlns:a="http://schemas.openxmlformats.org/drawingml/2006/main" xmlns:r="http://schemas.openxmlformats.org/officeDocument/2006/relationships" xmlns:p="http://schemas.openxmlformats.org/presentationml/2006/main" matchingName="Main point">
   <p:cSld name="MAIN_POINT">
     <p:spTree>
       <p:nvGrpSpPr>
-        <p:cNvPr id="33" name="Shape 33"/>
+        <p:cNvPr id="1" name="Shape 33"/>
         <p:cNvGrpSpPr/>
         <p:nvPr/>
       </p:nvGrpSpPr>
@@ -4278,7 +4310,9 @@
       <p:sp>
         <p:nvSpPr>
           <p:cNvPr id="34" name="Google Shape;34;p8"/>
-          <p:cNvSpPr txBox="1"/>
+          <p:cNvSpPr txBox="1">
+            <a:spLocks noGrp="1"/>
+          </p:cNvSpPr>
           <p:nvPr>
             <p:ph type="title"/>
           </p:nvPr>
@@ -4293,7 +4327,7 @@
           </a:prstGeom>
         </p:spPr>
         <p:txBody>
-          <a:bodyPr anchorCtr="0" anchor="ctr" bIns="91425" lIns="91425" spcFirstLastPara="1" rIns="91425" wrap="square" tIns="91425">
+          <a:bodyPr spcFirstLastPara="1" wrap="square" lIns="91425" tIns="91425" rIns="91425" bIns="91425" anchor="ctr" anchorCtr="0">
             <a:noAutofit/>
           </a:bodyPr>
           <a:lstStyle>
@@ -4460,15 +4494,19 @@
               </a:defRPr>
             </a:lvl9pPr>
           </a:lstStyle>
-          <a:p/>
+          <a:p>
+            <a:endParaRPr/>
+          </a:p>
         </p:txBody>
       </p:sp>
       <p:sp>
         <p:nvSpPr>
           <p:cNvPr id="35" name="Google Shape;35;p8"/>
-          <p:cNvSpPr txBox="1"/>
+          <p:cNvSpPr txBox="1">
+            <a:spLocks noGrp="1"/>
+          </p:cNvSpPr>
           <p:nvPr>
-            <p:ph idx="12" type="sldNum"/>
+            <p:ph type="sldNum" idx="12"/>
           </p:nvPr>
         </p:nvSpPr>
         <p:spPr>
@@ -4481,7 +4519,7 @@
           </a:prstGeom>
         </p:spPr>
         <p:txBody>
-          <a:bodyPr anchorCtr="0" anchor="ctr" bIns="91425" lIns="91425" spcFirstLastPara="1" rIns="91425" wrap="square" tIns="91425">
+          <a:bodyPr spcFirstLastPara="1" wrap="square" lIns="91425" tIns="91425" rIns="91425" bIns="91425" anchor="ctr" anchorCtr="0">
             <a:noAutofit/>
           </a:bodyPr>
           <a:lstStyle>
@@ -4559,7 +4597,7 @@
             </a:lvl9pPr>
           </a:lstStyle>
           <a:p>
-            <a:pPr indent="0" lvl="0" marL="0" rtl="0" algn="r">
+            <a:pPr marL="0" lvl="0" indent="0" algn="r" rtl="0">
               <a:spcBef>
                 <a:spcPts val="0"/>
               </a:spcBef>
@@ -4585,11 +4623,11 @@
 </file>
 
 <file path=ppt/slideLayouts/slideLayout8.xml><?xml version="1.0" encoding="utf-8"?>
-<p:sldLayout xmlns:a="http://schemas.openxmlformats.org/drawingml/2006/main" xmlns:r="http://schemas.openxmlformats.org/officeDocument/2006/relationships" xmlns:mc="http://schemas.openxmlformats.org/markup-compatibility/2006" xmlns:mv="urn:schemas-microsoft-com:mac:vml" xmlns:p="http://schemas.openxmlformats.org/presentationml/2006/main" xmlns:c="http://schemas.openxmlformats.org/drawingml/2006/chart" xmlns:dgm="http://schemas.openxmlformats.org/drawingml/2006/diagram" xmlns:o="urn:schemas-microsoft-com:office:office" xmlns:v="urn:schemas-microsoft-com:vml" xmlns:pvml="urn:schemas-microsoft-com:office:powerpoint" xmlns:com="http://schemas.openxmlformats.org/drawingml/2006/compatibility" xmlns:p14="http://schemas.microsoft.com/office/powerpoint/2010/main" xmlns:p15="http://schemas.microsoft.com/office/powerpoint/2012/main" xmlns:ahyp="http://schemas.microsoft.com/office/drawing/2018/hyperlinkcolor" matchingName="Section title and description">
+<p:sldLayout xmlns:a="http://schemas.openxmlformats.org/drawingml/2006/main" xmlns:r="http://schemas.openxmlformats.org/officeDocument/2006/relationships" xmlns:p="http://schemas.openxmlformats.org/presentationml/2006/main" matchingName="Section title and description">
   <p:cSld name="SECTION_TITLE_AND_DESCRIPTION">
     <p:spTree>
       <p:nvGrpSpPr>
-        <p:cNvPr id="36" name="Shape 36"/>
+        <p:cNvPr id="1" name="Shape 36"/>
         <p:cNvGrpSpPr/>
         <p:nvPr/>
       </p:nvGrpSpPr>
@@ -4623,12 +4661,12 @@
           </a:ln>
         </p:spPr>
         <p:txBody>
-          <a:bodyPr anchorCtr="0" anchor="ctr" bIns="91425" lIns="91425" spcFirstLastPara="1" rIns="91425" wrap="square" tIns="91425">
+          <a:bodyPr spcFirstLastPara="1" wrap="square" lIns="91425" tIns="91425" rIns="91425" bIns="91425" anchor="ctr" anchorCtr="0">
             <a:noAutofit/>
           </a:bodyPr>
           <a:lstStyle/>
           <a:p>
-            <a:pPr indent="0" lvl="0" marL="0" rtl="0" algn="l">
+            <a:pPr marL="0" lvl="0" indent="0" algn="l" rtl="0">
               <a:spcBef>
                 <a:spcPts val="0"/>
               </a:spcBef>
@@ -4637,9 +4675,6 @@
               </a:spcAft>
               <a:buNone/>
             </a:pPr>
-            <a:r>
-              <a:t/>
-            </a:r>
             <a:endParaRPr/>
           </a:p>
         </p:txBody>
@@ -4659,21 +4694,23 @@
             <a:avLst/>
           </a:prstGeom>
           <a:noFill/>
-          <a:ln cap="flat" cmpd="sng" w="19050">
+          <a:ln w="19050" cap="flat" cmpd="sng">
             <a:solidFill>
               <a:schemeClr val="lt1"/>
             </a:solidFill>
             <a:prstDash val="solid"/>
             <a:round/>
-            <a:headEnd len="sm" w="sm" type="none"/>
-            <a:tailEnd len="sm" w="sm" type="none"/>
+            <a:headEnd type="none" w="sm" len="sm"/>
+            <a:tailEnd type="none" w="sm" len="sm"/>
           </a:ln>
         </p:spPr>
       </p:cxnSp>
       <p:sp>
         <p:nvSpPr>
           <p:cNvPr id="39" name="Google Shape;39;p9"/>
-          <p:cNvSpPr txBox="1"/>
+          <p:cNvSpPr txBox="1">
+            <a:spLocks noGrp="1"/>
+          </p:cNvSpPr>
           <p:nvPr>
             <p:ph type="title"/>
           </p:nvPr>
@@ -4688,7 +4725,7 @@
           </a:prstGeom>
         </p:spPr>
         <p:txBody>
-          <a:bodyPr anchorCtr="0" anchor="b" bIns="91425" lIns="91425" spcFirstLastPara="1" rIns="91425" wrap="square" tIns="91425">
+          <a:bodyPr spcFirstLastPara="1" wrap="square" lIns="91425" tIns="91425" rIns="91425" bIns="91425" anchor="b" anchorCtr="0">
             <a:noAutofit/>
           </a:bodyPr>
           <a:lstStyle>
@@ -4792,15 +4829,19 @@
               <a:defRPr sz="3800"/>
             </a:lvl9pPr>
           </a:lstStyle>
-          <a:p/>
+          <a:p>
+            <a:endParaRPr/>
+          </a:p>
         </p:txBody>
       </p:sp>
       <p:sp>
         <p:nvSpPr>
           <p:cNvPr id="40" name="Google Shape;40;p9"/>
-          <p:cNvSpPr txBox="1"/>
+          <p:cNvSpPr txBox="1">
+            <a:spLocks noGrp="1"/>
+          </p:cNvSpPr>
           <p:nvPr>
-            <p:ph idx="1" type="subTitle"/>
+            <p:ph type="subTitle" idx="1"/>
           </p:nvPr>
         </p:nvSpPr>
         <p:spPr>
@@ -4813,7 +4854,7 @@
           </a:prstGeom>
         </p:spPr>
         <p:txBody>
-          <a:bodyPr anchorCtr="0" anchor="t" bIns="91425" lIns="91425" spcFirstLastPara="1" rIns="91425" wrap="square" tIns="91425">
+          <a:bodyPr spcFirstLastPara="1" wrap="square" lIns="91425" tIns="91425" rIns="91425" bIns="91425" anchor="t" anchorCtr="0">
             <a:noAutofit/>
           </a:bodyPr>
           <a:lstStyle>
@@ -4944,15 +4985,19 @@
               <a:defRPr sz="1800"/>
             </a:lvl9pPr>
           </a:lstStyle>
-          <a:p/>
+          <a:p>
+            <a:endParaRPr/>
+          </a:p>
         </p:txBody>
       </p:sp>
       <p:sp>
         <p:nvSpPr>
           <p:cNvPr id="41" name="Google Shape;41;p9"/>
-          <p:cNvSpPr txBox="1"/>
+          <p:cNvSpPr txBox="1">
+            <a:spLocks noGrp="1"/>
+          </p:cNvSpPr>
           <p:nvPr>
-            <p:ph idx="2" type="body"/>
+            <p:ph type="body" idx="2"/>
           </p:nvPr>
         </p:nvSpPr>
         <p:spPr>
@@ -4965,11 +5010,11 @@
           </a:prstGeom>
         </p:spPr>
         <p:txBody>
-          <a:bodyPr anchorCtr="0" anchor="ctr" bIns="91425" lIns="91425" spcFirstLastPara="1" rIns="91425" wrap="square" tIns="91425">
+          <a:bodyPr spcFirstLastPara="1" wrap="square" lIns="91425" tIns="91425" rIns="91425" bIns="91425" anchor="ctr" anchorCtr="0">
             <a:noAutofit/>
           </a:bodyPr>
           <a:lstStyle>
-            <a:lvl1pPr indent="-342900" lvl="0" marL="457200">
+            <a:lvl1pPr marL="457200" lvl="0" indent="-342900">
               <a:spcBef>
                 <a:spcPts val="0"/>
               </a:spcBef>
@@ -4987,7 +5032,7 @@
                 </a:solidFill>
               </a:defRPr>
             </a:lvl1pPr>
-            <a:lvl2pPr indent="-317500" lvl="1" marL="914400">
+            <a:lvl2pPr marL="914400" lvl="1" indent="-317500">
               <a:spcBef>
                 <a:spcPts val="1600"/>
               </a:spcBef>
@@ -5005,7 +5050,7 @@
                 </a:solidFill>
               </a:defRPr>
             </a:lvl2pPr>
-            <a:lvl3pPr indent="-317500" lvl="2" marL="1371600">
+            <a:lvl3pPr marL="1371600" lvl="2" indent="-317500">
               <a:spcBef>
                 <a:spcPts val="1600"/>
               </a:spcBef>
@@ -5023,7 +5068,7 @@
                 </a:solidFill>
               </a:defRPr>
             </a:lvl3pPr>
-            <a:lvl4pPr indent="-317500" lvl="3" marL="1828800">
+            <a:lvl4pPr marL="1828800" lvl="3" indent="-317500">
               <a:spcBef>
                 <a:spcPts val="1600"/>
               </a:spcBef>
@@ -5041,7 +5086,7 @@
                 </a:solidFill>
               </a:defRPr>
             </a:lvl4pPr>
-            <a:lvl5pPr indent="-317500" lvl="4" marL="2286000">
+            <a:lvl5pPr marL="2286000" lvl="4" indent="-317500">
               <a:spcBef>
                 <a:spcPts val="1600"/>
               </a:spcBef>
@@ -5059,7 +5104,7 @@
                 </a:solidFill>
               </a:defRPr>
             </a:lvl5pPr>
-            <a:lvl6pPr indent="-317500" lvl="5" marL="2743200">
+            <a:lvl6pPr marL="2743200" lvl="5" indent="-317500">
               <a:spcBef>
                 <a:spcPts val="1600"/>
               </a:spcBef>
@@ -5077,7 +5122,7 @@
                 </a:solidFill>
               </a:defRPr>
             </a:lvl6pPr>
-            <a:lvl7pPr indent="-317500" lvl="6" marL="3200400">
+            <a:lvl7pPr marL="3200400" lvl="6" indent="-317500">
               <a:spcBef>
                 <a:spcPts val="1600"/>
               </a:spcBef>
@@ -5095,7 +5140,7 @@
                 </a:solidFill>
               </a:defRPr>
             </a:lvl7pPr>
-            <a:lvl8pPr indent="-317500" lvl="7" marL="3657600">
+            <a:lvl8pPr marL="3657600" lvl="7" indent="-317500">
               <a:spcBef>
                 <a:spcPts val="1600"/>
               </a:spcBef>
@@ -5113,7 +5158,7 @@
                 </a:solidFill>
               </a:defRPr>
             </a:lvl8pPr>
-            <a:lvl9pPr indent="-317500" lvl="8" marL="4114800">
+            <a:lvl9pPr marL="4114800" lvl="8" indent="-317500">
               <a:spcBef>
                 <a:spcPts val="1600"/>
               </a:spcBef>
@@ -5132,15 +5177,19 @@
               </a:defRPr>
             </a:lvl9pPr>
           </a:lstStyle>
-          <a:p/>
+          <a:p>
+            <a:endParaRPr/>
+          </a:p>
         </p:txBody>
       </p:sp>
       <p:sp>
         <p:nvSpPr>
           <p:cNvPr id="42" name="Google Shape;42;p9"/>
-          <p:cNvSpPr txBox="1"/>
+          <p:cNvSpPr txBox="1">
+            <a:spLocks noGrp="1"/>
+          </p:cNvSpPr>
           <p:nvPr>
-            <p:ph idx="12" type="sldNum"/>
+            <p:ph type="sldNum" idx="12"/>
           </p:nvPr>
         </p:nvSpPr>
         <p:spPr>
@@ -5153,7 +5202,7 @@
           </a:prstGeom>
         </p:spPr>
         <p:txBody>
-          <a:bodyPr anchorCtr="0" anchor="ctr" bIns="91425" lIns="91425" spcFirstLastPara="1" rIns="91425" wrap="square" tIns="91425">
+          <a:bodyPr spcFirstLastPara="1" wrap="square" lIns="91425" tIns="91425" rIns="91425" bIns="91425" anchor="ctr" anchorCtr="0">
             <a:noAutofit/>
           </a:bodyPr>
           <a:lstStyle>
@@ -5231,7 +5280,7 @@
             </a:lvl9pPr>
           </a:lstStyle>
           <a:p>
-            <a:pPr indent="0" lvl="0" marL="0" rtl="0" algn="r">
+            <a:pPr marL="0" lvl="0" indent="0" algn="r" rtl="0">
               <a:spcBef>
                 <a:spcPts val="0"/>
               </a:spcBef>
@@ -5257,11 +5306,11 @@
 </file>
 
 <file path=ppt/slideLayouts/slideLayout9.xml><?xml version="1.0" encoding="utf-8"?>
-<p:sldLayout xmlns:a="http://schemas.openxmlformats.org/drawingml/2006/main" xmlns:r="http://schemas.openxmlformats.org/officeDocument/2006/relationships" xmlns:mc="http://schemas.openxmlformats.org/markup-compatibility/2006" xmlns:mv="urn:schemas-microsoft-com:mac:vml" xmlns:p="http://schemas.openxmlformats.org/presentationml/2006/main" xmlns:c="http://schemas.openxmlformats.org/drawingml/2006/chart" xmlns:dgm="http://schemas.openxmlformats.org/drawingml/2006/diagram" xmlns:o="urn:schemas-microsoft-com:office:office" xmlns:v="urn:schemas-microsoft-com:vml" xmlns:pvml="urn:schemas-microsoft-com:office:powerpoint" xmlns:com="http://schemas.openxmlformats.org/drawingml/2006/compatibility" xmlns:p14="http://schemas.microsoft.com/office/powerpoint/2010/main" xmlns:p15="http://schemas.microsoft.com/office/powerpoint/2012/main" xmlns:ahyp="http://schemas.microsoft.com/office/drawing/2018/hyperlinkcolor" matchingName="Caption">
+<p:sldLayout xmlns:a="http://schemas.openxmlformats.org/drawingml/2006/main" xmlns:r="http://schemas.openxmlformats.org/officeDocument/2006/relationships" xmlns:p="http://schemas.openxmlformats.org/presentationml/2006/main" matchingName="Caption">
   <p:cSld name="CAPTION_ONLY">
     <p:spTree>
       <p:nvGrpSpPr>
-        <p:cNvPr id="43" name="Shape 43"/>
+        <p:cNvPr id="1" name="Shape 43"/>
         <p:cNvGrpSpPr/>
         <p:nvPr/>
       </p:nvGrpSpPr>
@@ -5276,9 +5325,11 @@
       <p:sp>
         <p:nvSpPr>
           <p:cNvPr id="44" name="Google Shape;44;p10"/>
-          <p:cNvSpPr txBox="1"/>
+          <p:cNvSpPr txBox="1">
+            <a:spLocks noGrp="1"/>
+          </p:cNvSpPr>
           <p:nvPr>
-            <p:ph idx="1" type="body"/>
+            <p:ph type="body" idx="1"/>
           </p:nvPr>
         </p:nvSpPr>
         <p:spPr>
@@ -5291,11 +5342,11 @@
           </a:prstGeom>
         </p:spPr>
         <p:txBody>
-          <a:bodyPr anchorCtr="0" anchor="ctr" bIns="91425" lIns="91425" spcFirstLastPara="1" rIns="91425" wrap="square" tIns="91425">
+          <a:bodyPr spcFirstLastPara="1" wrap="square" lIns="91425" tIns="91425" rIns="91425" bIns="91425" anchor="ctr" anchorCtr="0">
             <a:noAutofit/>
           </a:bodyPr>
           <a:lstStyle>
-            <a:lvl1pPr indent="-228600" lvl="0" marL="457200">
+            <a:lvl1pPr marL="457200" lvl="0" indent="-228600">
               <a:lnSpc>
                 <a:spcPct val="100000"/>
               </a:lnSpc>
@@ -5322,15 +5373,19 @@
               </a:defRPr>
             </a:lvl1pPr>
           </a:lstStyle>
-          <a:p/>
+          <a:p>
+            <a:endParaRPr/>
+          </a:p>
         </p:txBody>
       </p:sp>
       <p:sp>
         <p:nvSpPr>
           <p:cNvPr id="45" name="Google Shape;45;p10"/>
-          <p:cNvSpPr txBox="1"/>
+          <p:cNvSpPr txBox="1">
+            <a:spLocks noGrp="1"/>
+          </p:cNvSpPr>
           <p:nvPr>
-            <p:ph idx="12" type="sldNum"/>
+            <p:ph type="sldNum" idx="12"/>
           </p:nvPr>
         </p:nvSpPr>
         <p:spPr>
@@ -5343,7 +5398,7 @@
           </a:prstGeom>
         </p:spPr>
         <p:txBody>
-          <a:bodyPr anchorCtr="0" anchor="ctr" bIns="91425" lIns="91425" spcFirstLastPara="1" rIns="91425" wrap="square" tIns="91425">
+          <a:bodyPr spcFirstLastPara="1" wrap="square" lIns="91425" tIns="91425" rIns="91425" bIns="91425" anchor="ctr" anchorCtr="0">
             <a:noAutofit/>
           </a:bodyPr>
           <a:lstStyle>
@@ -5385,7 +5440,7 @@
             </a:lvl9pPr>
           </a:lstStyle>
           <a:p>
-            <a:pPr indent="0" lvl="0" marL="0" rtl="0" algn="r">
+            <a:pPr marL="0" lvl="0" indent="0" algn="r" rtl="0">
               <a:spcBef>
                 <a:spcPts val="0"/>
               </a:spcBef>
@@ -5411,23 +5466,24 @@
 </file>
 
 <file path=ppt/slideMasters/slideMaster1.xml><?xml version="1.0" encoding="utf-8"?>
-<p:sldMaster xmlns:a="http://schemas.openxmlformats.org/drawingml/2006/main" xmlns:r="http://schemas.openxmlformats.org/officeDocument/2006/relationships" xmlns:mc="http://schemas.openxmlformats.org/markup-compatibility/2006" xmlns:mv="urn:schemas-microsoft-com:mac:vml" xmlns:p="http://schemas.openxmlformats.org/presentationml/2006/main" xmlns:c="http://schemas.openxmlformats.org/drawingml/2006/chart" xmlns:dgm="http://schemas.openxmlformats.org/drawingml/2006/diagram" xmlns:o="urn:schemas-microsoft-com:office:office" xmlns:v="urn:schemas-microsoft-com:vml" xmlns:pvml="urn:schemas-microsoft-com:office:powerpoint" xmlns:com="http://schemas.openxmlformats.org/drawingml/2006/compatibility" xmlns:p14="http://schemas.microsoft.com/office/powerpoint/2010/main" xmlns:p15="http://schemas.microsoft.com/office/powerpoint/2012/main" xmlns:ahyp="http://schemas.microsoft.com/office/drawing/2018/hyperlinkcolor">
+<p:sldMaster xmlns:a="http://schemas.openxmlformats.org/drawingml/2006/main" xmlns:r="http://schemas.openxmlformats.org/officeDocument/2006/relationships" xmlns:p="http://schemas.openxmlformats.org/presentationml/2006/main">
   <p:cSld name="gameday">
     <p:bg>
       <p:bgPr>
         <a:blipFill>
-          <a:blip r:embed="rId1">
+          <a:blip r:embed="rId13">
             <a:alphaModFix/>
           </a:blip>
           <a:stretch>
             <a:fillRect/>
           </a:stretch>
         </a:blipFill>
+        <a:effectLst/>
       </p:bgPr>
     </p:bg>
     <p:spTree>
       <p:nvGrpSpPr>
-        <p:cNvPr id="5" name="Shape 5"/>
+        <p:cNvPr id="1" name="Shape 5"/>
         <p:cNvGrpSpPr/>
         <p:nvPr/>
       </p:nvGrpSpPr>
@@ -5442,7 +5498,9 @@
       <p:sp>
         <p:nvSpPr>
           <p:cNvPr id="6" name="Google Shape;6;p1"/>
-          <p:cNvSpPr txBox="1"/>
+          <p:cNvSpPr txBox="1">
+            <a:spLocks noGrp="1"/>
+          </p:cNvSpPr>
           <p:nvPr>
             <p:ph type="title"/>
           </p:nvPr>
@@ -5461,7 +5519,7 @@
           </a:ln>
         </p:spPr>
         <p:txBody>
-          <a:bodyPr anchorCtr="0" anchor="t" bIns="91425" lIns="91425" spcFirstLastPara="1" rIns="91425" wrap="square" tIns="91425">
+          <a:bodyPr spcFirstLastPara="1" wrap="square" lIns="91425" tIns="91425" rIns="91425" bIns="91425" anchor="t" anchorCtr="0">
             <a:noAutofit/>
           </a:bodyPr>
           <a:lstStyle>
@@ -5673,15 +5731,19 @@
               </a:defRPr>
             </a:lvl9pPr>
           </a:lstStyle>
-          <a:p/>
+          <a:p>
+            <a:endParaRPr/>
+          </a:p>
         </p:txBody>
       </p:sp>
       <p:sp>
         <p:nvSpPr>
           <p:cNvPr id="7" name="Google Shape;7;p1"/>
-          <p:cNvSpPr txBox="1"/>
+          <p:cNvSpPr txBox="1">
+            <a:spLocks noGrp="1"/>
+          </p:cNvSpPr>
           <p:nvPr>
-            <p:ph idx="1" type="body"/>
+            <p:ph type="body" idx="1"/>
           </p:nvPr>
         </p:nvSpPr>
         <p:spPr>
@@ -5698,11 +5760,11 @@
           </a:ln>
         </p:spPr>
         <p:txBody>
-          <a:bodyPr anchorCtr="0" anchor="t" bIns="91425" lIns="91425" spcFirstLastPara="1" rIns="91425" wrap="square" tIns="91425">
+          <a:bodyPr spcFirstLastPara="1" wrap="square" lIns="91425" tIns="91425" rIns="91425" bIns="91425" anchor="t" anchorCtr="0">
             <a:noAutofit/>
           </a:bodyPr>
           <a:lstStyle>
-            <a:lvl1pPr indent="-342900" lvl="0" marL="457200">
+            <a:lvl1pPr marL="457200" lvl="0" indent="-342900">
               <a:lnSpc>
                 <a:spcPct val="115000"/>
               </a:lnSpc>
@@ -5728,7 +5790,7 @@
                 <a:sym typeface="Proxima Nova"/>
               </a:defRPr>
             </a:lvl1pPr>
-            <a:lvl2pPr indent="-317500" lvl="1" marL="914400">
+            <a:lvl2pPr marL="914400" lvl="1" indent="-317500">
               <a:lnSpc>
                 <a:spcPct val="115000"/>
               </a:lnSpc>
@@ -5754,7 +5816,7 @@
                 <a:sym typeface="Proxima Nova"/>
               </a:defRPr>
             </a:lvl2pPr>
-            <a:lvl3pPr indent="-317500" lvl="2" marL="1371600">
+            <a:lvl3pPr marL="1371600" lvl="2" indent="-317500">
               <a:lnSpc>
                 <a:spcPct val="115000"/>
               </a:lnSpc>
@@ -5780,7 +5842,7 @@
                 <a:sym typeface="Proxima Nova"/>
               </a:defRPr>
             </a:lvl3pPr>
-            <a:lvl4pPr indent="-317500" lvl="3" marL="1828800">
+            <a:lvl4pPr marL="1828800" lvl="3" indent="-317500">
               <a:lnSpc>
                 <a:spcPct val="115000"/>
               </a:lnSpc>
@@ -5806,7 +5868,7 @@
                 <a:sym typeface="Proxima Nova"/>
               </a:defRPr>
             </a:lvl4pPr>
-            <a:lvl5pPr indent="-317500" lvl="4" marL="2286000">
+            <a:lvl5pPr marL="2286000" lvl="4" indent="-317500">
               <a:lnSpc>
                 <a:spcPct val="115000"/>
               </a:lnSpc>
@@ -5832,7 +5894,7 @@
                 <a:sym typeface="Proxima Nova"/>
               </a:defRPr>
             </a:lvl5pPr>
-            <a:lvl6pPr indent="-317500" lvl="5" marL="2743200">
+            <a:lvl6pPr marL="2743200" lvl="5" indent="-317500">
               <a:lnSpc>
                 <a:spcPct val="115000"/>
               </a:lnSpc>
@@ -5858,7 +5920,7 @@
                 <a:sym typeface="Proxima Nova"/>
               </a:defRPr>
             </a:lvl6pPr>
-            <a:lvl7pPr indent="-317500" lvl="6" marL="3200400">
+            <a:lvl7pPr marL="3200400" lvl="6" indent="-317500">
               <a:lnSpc>
                 <a:spcPct val="115000"/>
               </a:lnSpc>
@@ -5884,7 +5946,7 @@
                 <a:sym typeface="Proxima Nova"/>
               </a:defRPr>
             </a:lvl7pPr>
-            <a:lvl8pPr indent="-317500" lvl="7" marL="3657600">
+            <a:lvl8pPr marL="3657600" lvl="7" indent="-317500">
               <a:lnSpc>
                 <a:spcPct val="115000"/>
               </a:lnSpc>
@@ -5910,7 +5972,7 @@
                 <a:sym typeface="Proxima Nova"/>
               </a:defRPr>
             </a:lvl8pPr>
-            <a:lvl9pPr indent="-317500" lvl="8" marL="4114800">
+            <a:lvl9pPr marL="4114800" lvl="8" indent="-317500">
               <a:lnSpc>
                 <a:spcPct val="115000"/>
               </a:lnSpc>
@@ -5937,15 +5999,19 @@
               </a:defRPr>
             </a:lvl9pPr>
           </a:lstStyle>
-          <a:p/>
+          <a:p>
+            <a:endParaRPr/>
+          </a:p>
         </p:txBody>
       </p:sp>
       <p:sp>
         <p:nvSpPr>
           <p:cNvPr id="8" name="Google Shape;8;p1"/>
-          <p:cNvSpPr txBox="1"/>
+          <p:cNvSpPr txBox="1">
+            <a:spLocks noGrp="1"/>
+          </p:cNvSpPr>
           <p:nvPr>
-            <p:ph idx="12" type="sldNum"/>
+            <p:ph type="sldNum" idx="12"/>
           </p:nvPr>
         </p:nvSpPr>
         <p:spPr>
@@ -5962,7 +6028,7 @@
           </a:ln>
         </p:spPr>
         <p:txBody>
-          <a:bodyPr anchorCtr="0" anchor="ctr" bIns="91425" lIns="91425" spcFirstLastPara="1" rIns="91425" wrap="square" tIns="91425">
+          <a:bodyPr spcFirstLastPara="1" wrap="square" lIns="91425" tIns="91425" rIns="91425" bIns="91425" anchor="ctr" anchorCtr="0">
             <a:noAutofit/>
           </a:bodyPr>
           <a:lstStyle>
@@ -6076,7 +6142,7 @@
             </a:lvl9pPr>
           </a:lstStyle>
           <a:p>
-            <a:pPr indent="0" lvl="0" marL="0" rtl="0" algn="r">
+            <a:pPr marL="0" lvl="0" indent="0" algn="r" rtl="0">
               <a:spcBef>
                 <a:spcPts val="0"/>
               </a:spcBef>
@@ -6095,24 +6161,24 @@
       </p:sp>
     </p:spTree>
   </p:cSld>
-  <p:clrMap accent1="accent1" accent2="accent2" accent3="accent3" accent4="accent4" accent5="accent5" accent6="accent6" bg1="lt1" bg2="dk2" tx1="dk1" tx2="lt2" folHlink="folHlink" hlink="hlink"/>
+  <p:clrMap bg1="lt1" tx1="dk1" bg2="dk2" tx2="lt2" accent1="accent1" accent2="accent2" accent3="accent3" accent4="accent4" accent5="accent5" accent6="accent6" hlink="hlink" folHlink="folHlink"/>
   <p:sldLayoutIdLst>
-    <p:sldLayoutId id="2147483648" r:id="rId2"/>
-    <p:sldLayoutId id="2147483649" r:id="rId3"/>
-    <p:sldLayoutId id="2147483650" r:id="rId4"/>
-    <p:sldLayoutId id="2147483651" r:id="rId5"/>
-    <p:sldLayoutId id="2147483652" r:id="rId6"/>
-    <p:sldLayoutId id="2147483653" r:id="rId7"/>
-    <p:sldLayoutId id="2147483654" r:id="rId8"/>
-    <p:sldLayoutId id="2147483655" r:id="rId9"/>
-    <p:sldLayoutId id="2147483656" r:id="rId10"/>
-    <p:sldLayoutId id="2147483657" r:id="rId11"/>
-    <p:sldLayoutId id="2147483658" r:id="rId12"/>
+    <p:sldLayoutId id="2147483648" r:id="rId1"/>
+    <p:sldLayoutId id="2147483649" r:id="rId2"/>
+    <p:sldLayoutId id="2147483650" r:id="rId3"/>
+    <p:sldLayoutId id="2147483651" r:id="rId4"/>
+    <p:sldLayoutId id="2147483652" r:id="rId5"/>
+    <p:sldLayoutId id="2147483653" r:id="rId6"/>
+    <p:sldLayoutId id="2147483654" r:id="rId7"/>
+    <p:sldLayoutId id="2147483655" r:id="rId8"/>
+    <p:sldLayoutId id="2147483656" r:id="rId9"/>
+    <p:sldLayoutId id="2147483657" r:id="rId10"/>
+    <p:sldLayoutId id="2147483658" r:id="rId11"/>
   </p:sldLayoutIdLst>
-  <p:hf dt="0" ftr="0" hdr="0" sldNum="0"/>
+  <p:hf sldNum="0" hdr="0" ftr="0" dt="0"/>
   <p:txStyles>
     <p:titleStyle>
-      <a:defPPr lvl="0" marR="0" rtl="0" algn="l">
+      <a:defPPr marR="0" lvl="0" algn="l" rtl="0">
         <a:lnSpc>
           <a:spcPct val="100000"/>
         </a:lnSpc>
@@ -6123,7 +6189,7 @@
           <a:spcPts val="0"/>
         </a:spcAft>
       </a:defPPr>
-      <a:lvl1pPr lvl="0" marR="0" rtl="0" algn="l">
+      <a:lvl1pPr marR="0" lvl="0" algn="l" rtl="0">
         <a:lnSpc>
           <a:spcPct val="100000"/>
         </a:lnSpc>
@@ -6137,7 +6203,7 @@
           <a:srgbClr val="000000"/>
         </a:buClr>
         <a:buFont typeface="Arial"/>
-        <a:defRPr b="0" i="0" sz="1400" u="none" cap="none" strike="noStrike">
+        <a:defRPr sz="1400" b="0" i="0" u="none" strike="noStrike" cap="none">
           <a:solidFill>
             <a:srgbClr val="000000"/>
           </a:solidFill>
@@ -6147,7 +6213,7 @@
           <a:sym typeface="Arial"/>
         </a:defRPr>
       </a:lvl1pPr>
-      <a:lvl2pPr lvl="1" marR="0" rtl="0" algn="l">
+      <a:lvl2pPr marR="0" lvl="1" algn="l" rtl="0">
         <a:lnSpc>
           <a:spcPct val="100000"/>
         </a:lnSpc>
@@ -6161,7 +6227,7 @@
           <a:srgbClr val="000000"/>
         </a:buClr>
         <a:buFont typeface="Arial"/>
-        <a:defRPr b="0" i="0" sz="1400" u="none" cap="none" strike="noStrike">
+        <a:defRPr sz="1400" b="0" i="0" u="none" strike="noStrike" cap="none">
           <a:solidFill>
             <a:srgbClr val="000000"/>
           </a:solidFill>
@@ -6171,7 +6237,7 @@
           <a:sym typeface="Arial"/>
         </a:defRPr>
       </a:lvl2pPr>
-      <a:lvl3pPr lvl="2" marR="0" rtl="0" algn="l">
+      <a:lvl3pPr marR="0" lvl="2" algn="l" rtl="0">
         <a:lnSpc>
           <a:spcPct val="100000"/>
         </a:lnSpc>
@@ -6185,7 +6251,7 @@
           <a:srgbClr val="000000"/>
         </a:buClr>
         <a:buFont typeface="Arial"/>
-        <a:defRPr b="0" i="0" sz="1400" u="none" cap="none" strike="noStrike">
+        <a:defRPr sz="1400" b="0" i="0" u="none" strike="noStrike" cap="none">
           <a:solidFill>
             <a:srgbClr val="000000"/>
           </a:solidFill>
@@ -6195,7 +6261,7 @@
           <a:sym typeface="Arial"/>
         </a:defRPr>
       </a:lvl3pPr>
-      <a:lvl4pPr lvl="3" marR="0" rtl="0" algn="l">
+      <a:lvl4pPr marR="0" lvl="3" algn="l" rtl="0">
         <a:lnSpc>
           <a:spcPct val="100000"/>
         </a:lnSpc>
@@ -6209,7 +6275,7 @@
           <a:srgbClr val="000000"/>
         </a:buClr>
         <a:buFont typeface="Arial"/>
-        <a:defRPr b="0" i="0" sz="1400" u="none" cap="none" strike="noStrike">
+        <a:defRPr sz="1400" b="0" i="0" u="none" strike="noStrike" cap="none">
           <a:solidFill>
             <a:srgbClr val="000000"/>
           </a:solidFill>
@@ -6219,7 +6285,7 @@
           <a:sym typeface="Arial"/>
         </a:defRPr>
       </a:lvl4pPr>
-      <a:lvl5pPr lvl="4" marR="0" rtl="0" algn="l">
+      <a:lvl5pPr marR="0" lvl="4" algn="l" rtl="0">
         <a:lnSpc>
           <a:spcPct val="100000"/>
         </a:lnSpc>
@@ -6233,7 +6299,7 @@
           <a:srgbClr val="000000"/>
         </a:buClr>
         <a:buFont typeface="Arial"/>
-        <a:defRPr b="0" i="0" sz="1400" u="none" cap="none" strike="noStrike">
+        <a:defRPr sz="1400" b="0" i="0" u="none" strike="noStrike" cap="none">
           <a:solidFill>
             <a:srgbClr val="000000"/>
           </a:solidFill>
@@ -6243,7 +6309,7 @@
           <a:sym typeface="Arial"/>
         </a:defRPr>
       </a:lvl5pPr>
-      <a:lvl6pPr lvl="5" marR="0" rtl="0" algn="l">
+      <a:lvl6pPr marR="0" lvl="5" algn="l" rtl="0">
         <a:lnSpc>
           <a:spcPct val="100000"/>
         </a:lnSpc>
@@ -6257,7 +6323,7 @@
           <a:srgbClr val="000000"/>
         </a:buClr>
         <a:buFont typeface="Arial"/>
-        <a:defRPr b="0" i="0" sz="1400" u="none" cap="none" strike="noStrike">
+        <a:defRPr sz="1400" b="0" i="0" u="none" strike="noStrike" cap="none">
           <a:solidFill>
             <a:srgbClr val="000000"/>
           </a:solidFill>
@@ -6267,7 +6333,7 @@
           <a:sym typeface="Arial"/>
         </a:defRPr>
       </a:lvl6pPr>
-      <a:lvl7pPr lvl="6" marR="0" rtl="0" algn="l">
+      <a:lvl7pPr marR="0" lvl="6" algn="l" rtl="0">
         <a:lnSpc>
           <a:spcPct val="100000"/>
         </a:lnSpc>
@@ -6281,7 +6347,7 @@
           <a:srgbClr val="000000"/>
         </a:buClr>
         <a:buFont typeface="Arial"/>
-        <a:defRPr b="0" i="0" sz="1400" u="none" cap="none" strike="noStrike">
+        <a:defRPr sz="1400" b="0" i="0" u="none" strike="noStrike" cap="none">
           <a:solidFill>
             <a:srgbClr val="000000"/>
           </a:solidFill>
@@ -6291,7 +6357,7 @@
           <a:sym typeface="Arial"/>
         </a:defRPr>
       </a:lvl7pPr>
-      <a:lvl8pPr lvl="7" marR="0" rtl="0" algn="l">
+      <a:lvl8pPr marR="0" lvl="7" algn="l" rtl="0">
         <a:lnSpc>
           <a:spcPct val="100000"/>
         </a:lnSpc>
@@ -6305,7 +6371,7 @@
           <a:srgbClr val="000000"/>
         </a:buClr>
         <a:buFont typeface="Arial"/>
-        <a:defRPr b="0" i="0" sz="1400" u="none" cap="none" strike="noStrike">
+        <a:defRPr sz="1400" b="0" i="0" u="none" strike="noStrike" cap="none">
           <a:solidFill>
             <a:srgbClr val="000000"/>
           </a:solidFill>
@@ -6315,7 +6381,7 @@
           <a:sym typeface="Arial"/>
         </a:defRPr>
       </a:lvl8pPr>
-      <a:lvl9pPr lvl="8" marR="0" rtl="0" algn="l">
+      <a:lvl9pPr marR="0" lvl="8" algn="l" rtl="0">
         <a:lnSpc>
           <a:spcPct val="100000"/>
         </a:lnSpc>
@@ -6329,7 +6395,7 @@
           <a:srgbClr val="000000"/>
         </a:buClr>
         <a:buFont typeface="Arial"/>
-        <a:defRPr b="0" i="0" sz="1400" u="none" cap="none" strike="noStrike">
+        <a:defRPr sz="1400" b="0" i="0" u="none" strike="noStrike" cap="none">
           <a:solidFill>
             <a:srgbClr val="000000"/>
           </a:solidFill>
@@ -6341,7 +6407,7 @@
       </a:lvl9pPr>
     </p:titleStyle>
     <p:bodyStyle>
-      <a:defPPr lvl="0" marR="0" rtl="0" algn="l">
+      <a:defPPr marR="0" lvl="0" algn="l" rtl="0">
         <a:lnSpc>
           <a:spcPct val="100000"/>
         </a:lnSpc>
@@ -6352,7 +6418,7 @@
           <a:spcPts val="0"/>
         </a:spcAft>
       </a:defPPr>
-      <a:lvl1pPr lvl="0" marR="0" rtl="0" algn="l">
+      <a:lvl1pPr marR="0" lvl="0" algn="l" rtl="0">
         <a:lnSpc>
           <a:spcPct val="100000"/>
         </a:lnSpc>
@@ -6366,7 +6432,7 @@
           <a:srgbClr val="000000"/>
         </a:buClr>
         <a:buFont typeface="Arial"/>
-        <a:defRPr b="0" i="0" sz="1400" u="none" cap="none" strike="noStrike">
+        <a:defRPr sz="1400" b="0" i="0" u="none" strike="noStrike" cap="none">
           <a:solidFill>
             <a:srgbClr val="000000"/>
           </a:solidFill>
@@ -6376,7 +6442,7 @@
           <a:sym typeface="Arial"/>
         </a:defRPr>
       </a:lvl1pPr>
-      <a:lvl2pPr lvl="1" marR="0" rtl="0" algn="l">
+      <a:lvl2pPr marR="0" lvl="1" algn="l" rtl="0">
         <a:lnSpc>
           <a:spcPct val="100000"/>
         </a:lnSpc>
@@ -6390,7 +6456,7 @@
           <a:srgbClr val="000000"/>
         </a:buClr>
         <a:buFont typeface="Arial"/>
-        <a:defRPr b="0" i="0" sz="1400" u="none" cap="none" strike="noStrike">
+        <a:defRPr sz="1400" b="0" i="0" u="none" strike="noStrike" cap="none">
           <a:solidFill>
             <a:srgbClr val="000000"/>
           </a:solidFill>
@@ -6400,7 +6466,7 @@
           <a:sym typeface="Arial"/>
         </a:defRPr>
       </a:lvl2pPr>
-      <a:lvl3pPr lvl="2" marR="0" rtl="0" algn="l">
+      <a:lvl3pPr marR="0" lvl="2" algn="l" rtl="0">
         <a:lnSpc>
           <a:spcPct val="100000"/>
         </a:lnSpc>
@@ -6414,7 +6480,7 @@
           <a:srgbClr val="000000"/>
         </a:buClr>
         <a:buFont typeface="Arial"/>
-        <a:defRPr b="0" i="0" sz="1400" u="none" cap="none" strike="noStrike">
+        <a:defRPr sz="1400" b="0" i="0" u="none" strike="noStrike" cap="none">
           <a:solidFill>
             <a:srgbClr val="000000"/>
           </a:solidFill>
@@ -6424,7 +6490,7 @@
           <a:sym typeface="Arial"/>
         </a:defRPr>
       </a:lvl3pPr>
-      <a:lvl4pPr lvl="3" marR="0" rtl="0" algn="l">
+      <a:lvl4pPr marR="0" lvl="3" algn="l" rtl="0">
         <a:lnSpc>
           <a:spcPct val="100000"/>
         </a:lnSpc>
@@ -6438,7 +6504,7 @@
           <a:srgbClr val="000000"/>
         </a:buClr>
         <a:buFont typeface="Arial"/>
-        <a:defRPr b="0" i="0" sz="1400" u="none" cap="none" strike="noStrike">
+        <a:defRPr sz="1400" b="0" i="0" u="none" strike="noStrike" cap="none">
           <a:solidFill>
             <a:srgbClr val="000000"/>
           </a:solidFill>
@@ -6448,7 +6514,7 @@
           <a:sym typeface="Arial"/>
         </a:defRPr>
       </a:lvl4pPr>
-      <a:lvl5pPr lvl="4" marR="0" rtl="0" algn="l">
+      <a:lvl5pPr marR="0" lvl="4" algn="l" rtl="0">
         <a:lnSpc>
           <a:spcPct val="100000"/>
         </a:lnSpc>
@@ -6462,7 +6528,7 @@
           <a:srgbClr val="000000"/>
         </a:buClr>
         <a:buFont typeface="Arial"/>
-        <a:defRPr b="0" i="0" sz="1400" u="none" cap="none" strike="noStrike">
+        <a:defRPr sz="1400" b="0" i="0" u="none" strike="noStrike" cap="none">
           <a:solidFill>
             <a:srgbClr val="000000"/>
           </a:solidFill>
@@ -6472,7 +6538,7 @@
           <a:sym typeface="Arial"/>
         </a:defRPr>
       </a:lvl5pPr>
-      <a:lvl6pPr lvl="5" marR="0" rtl="0" algn="l">
+      <a:lvl6pPr marR="0" lvl="5" algn="l" rtl="0">
         <a:lnSpc>
           <a:spcPct val="100000"/>
         </a:lnSpc>
@@ -6486,7 +6552,7 @@
           <a:srgbClr val="000000"/>
         </a:buClr>
         <a:buFont typeface="Arial"/>
-        <a:defRPr b="0" i="0" sz="1400" u="none" cap="none" strike="noStrike">
+        <a:defRPr sz="1400" b="0" i="0" u="none" strike="noStrike" cap="none">
           <a:solidFill>
             <a:srgbClr val="000000"/>
           </a:solidFill>
@@ -6496,7 +6562,7 @@
           <a:sym typeface="Arial"/>
         </a:defRPr>
       </a:lvl6pPr>
-      <a:lvl7pPr lvl="6" marR="0" rtl="0" algn="l">
+      <a:lvl7pPr marR="0" lvl="6" algn="l" rtl="0">
         <a:lnSpc>
           <a:spcPct val="100000"/>
         </a:lnSpc>
@@ -6510,7 +6576,7 @@
           <a:srgbClr val="000000"/>
         </a:buClr>
         <a:buFont typeface="Arial"/>
-        <a:defRPr b="0" i="0" sz="1400" u="none" cap="none" strike="noStrike">
+        <a:defRPr sz="1400" b="0" i="0" u="none" strike="noStrike" cap="none">
           <a:solidFill>
             <a:srgbClr val="000000"/>
           </a:solidFill>
@@ -6520,7 +6586,7 @@
           <a:sym typeface="Arial"/>
         </a:defRPr>
       </a:lvl7pPr>
-      <a:lvl8pPr lvl="7" marR="0" rtl="0" algn="l">
+      <a:lvl8pPr marR="0" lvl="7" algn="l" rtl="0">
         <a:lnSpc>
           <a:spcPct val="100000"/>
         </a:lnSpc>
@@ -6534,7 +6600,7 @@
           <a:srgbClr val="000000"/>
         </a:buClr>
         <a:buFont typeface="Arial"/>
-        <a:defRPr b="0" i="0" sz="1400" u="none" cap="none" strike="noStrike">
+        <a:defRPr sz="1400" b="0" i="0" u="none" strike="noStrike" cap="none">
           <a:solidFill>
             <a:srgbClr val="000000"/>
           </a:solidFill>
@@ -6544,7 +6610,7 @@
           <a:sym typeface="Arial"/>
         </a:defRPr>
       </a:lvl8pPr>
-      <a:lvl9pPr lvl="8" marR="0" rtl="0" algn="l">
+      <a:lvl9pPr marR="0" lvl="8" algn="l" rtl="0">
         <a:lnSpc>
           <a:spcPct val="100000"/>
         </a:lnSpc>
@@ -6558,7 +6624,7 @@
           <a:srgbClr val="000000"/>
         </a:buClr>
         <a:buFont typeface="Arial"/>
-        <a:defRPr b="0" i="0" sz="1400" u="none" cap="none" strike="noStrike">
+        <a:defRPr sz="1400" b="0" i="0" u="none" strike="noStrike" cap="none">
           <a:solidFill>
             <a:srgbClr val="000000"/>
           </a:solidFill>
@@ -6570,7 +6636,7 @@
       </a:lvl9pPr>
     </p:bodyStyle>
     <p:otherStyle>
-      <a:defPPr lvl="0" marR="0" rtl="0" algn="l">
+      <a:defPPr marR="0" lvl="0" algn="l" rtl="0">
         <a:lnSpc>
           <a:spcPct val="100000"/>
         </a:lnSpc>
@@ -6581,7 +6647,7 @@
           <a:spcPts val="0"/>
         </a:spcAft>
       </a:defPPr>
-      <a:lvl1pPr lvl="0" marR="0" rtl="0" algn="l">
+      <a:lvl1pPr marR="0" lvl="0" algn="l" rtl="0">
         <a:lnSpc>
           <a:spcPct val="100000"/>
         </a:lnSpc>
@@ -6595,7 +6661,7 @@
           <a:srgbClr val="000000"/>
         </a:buClr>
         <a:buFont typeface="Arial"/>
-        <a:defRPr b="0" i="0" sz="1400" u="none" cap="none" strike="noStrike">
+        <a:defRPr sz="1400" b="0" i="0" u="none" strike="noStrike" cap="none">
           <a:solidFill>
             <a:srgbClr val="000000"/>
           </a:solidFill>
@@ -6605,7 +6671,7 @@
           <a:sym typeface="Arial"/>
         </a:defRPr>
       </a:lvl1pPr>
-      <a:lvl2pPr lvl="1" marR="0" rtl="0" algn="l">
+      <a:lvl2pPr marR="0" lvl="1" algn="l" rtl="0">
         <a:lnSpc>
           <a:spcPct val="100000"/>
         </a:lnSpc>
@@ -6619,7 +6685,7 @@
           <a:srgbClr val="000000"/>
         </a:buClr>
         <a:buFont typeface="Arial"/>
-        <a:defRPr b="0" i="0" sz="1400" u="none" cap="none" strike="noStrike">
+        <a:defRPr sz="1400" b="0" i="0" u="none" strike="noStrike" cap="none">
           <a:solidFill>
             <a:srgbClr val="000000"/>
           </a:solidFill>
@@ -6629,7 +6695,7 @@
           <a:sym typeface="Arial"/>
         </a:defRPr>
       </a:lvl2pPr>
-      <a:lvl3pPr lvl="2" marR="0" rtl="0" algn="l">
+      <a:lvl3pPr marR="0" lvl="2" algn="l" rtl="0">
         <a:lnSpc>
           <a:spcPct val="100000"/>
         </a:lnSpc>
@@ -6643,7 +6709,7 @@
           <a:srgbClr val="000000"/>
         </a:buClr>
         <a:buFont typeface="Arial"/>
-        <a:defRPr b="0" i="0" sz="1400" u="none" cap="none" strike="noStrike">
+        <a:defRPr sz="1400" b="0" i="0" u="none" strike="noStrike" cap="none">
           <a:solidFill>
             <a:srgbClr val="000000"/>
           </a:solidFill>
@@ -6653,7 +6719,7 @@
           <a:sym typeface="Arial"/>
         </a:defRPr>
       </a:lvl3pPr>
-      <a:lvl4pPr lvl="3" marR="0" rtl="0" algn="l">
+      <a:lvl4pPr marR="0" lvl="3" algn="l" rtl="0">
         <a:lnSpc>
           <a:spcPct val="100000"/>
         </a:lnSpc>
@@ -6667,7 +6733,7 @@
           <a:srgbClr val="000000"/>
         </a:buClr>
         <a:buFont typeface="Arial"/>
-        <a:defRPr b="0" i="0" sz="1400" u="none" cap="none" strike="noStrike">
+        <a:defRPr sz="1400" b="0" i="0" u="none" strike="noStrike" cap="none">
           <a:solidFill>
             <a:srgbClr val="000000"/>
           </a:solidFill>
@@ -6677,7 +6743,7 @@
           <a:sym typeface="Arial"/>
         </a:defRPr>
       </a:lvl4pPr>
-      <a:lvl5pPr lvl="4" marR="0" rtl="0" algn="l">
+      <a:lvl5pPr marR="0" lvl="4" algn="l" rtl="0">
         <a:lnSpc>
           <a:spcPct val="100000"/>
         </a:lnSpc>
@@ -6691,7 +6757,7 @@
           <a:srgbClr val="000000"/>
         </a:buClr>
         <a:buFont typeface="Arial"/>
-        <a:defRPr b="0" i="0" sz="1400" u="none" cap="none" strike="noStrike">
+        <a:defRPr sz="1400" b="0" i="0" u="none" strike="noStrike" cap="none">
           <a:solidFill>
             <a:srgbClr val="000000"/>
           </a:solidFill>
@@ -6701,7 +6767,7 @@
           <a:sym typeface="Arial"/>
         </a:defRPr>
       </a:lvl5pPr>
-      <a:lvl6pPr lvl="5" marR="0" rtl="0" algn="l">
+      <a:lvl6pPr marR="0" lvl="5" algn="l" rtl="0">
         <a:lnSpc>
           <a:spcPct val="100000"/>
         </a:lnSpc>
@@ -6715,7 +6781,7 @@
           <a:srgbClr val="000000"/>
         </a:buClr>
         <a:buFont typeface="Arial"/>
-        <a:defRPr b="0" i="0" sz="1400" u="none" cap="none" strike="noStrike">
+        <a:defRPr sz="1400" b="0" i="0" u="none" strike="noStrike" cap="none">
           <a:solidFill>
             <a:srgbClr val="000000"/>
           </a:solidFill>
@@ -6725,7 +6791,7 @@
           <a:sym typeface="Arial"/>
         </a:defRPr>
       </a:lvl6pPr>
-      <a:lvl7pPr lvl="6" marR="0" rtl="0" algn="l">
+      <a:lvl7pPr marR="0" lvl="6" algn="l" rtl="0">
         <a:lnSpc>
           <a:spcPct val="100000"/>
         </a:lnSpc>
@@ -6739,7 +6805,7 @@
           <a:srgbClr val="000000"/>
         </a:buClr>
         <a:buFont typeface="Arial"/>
-        <a:defRPr b="0" i="0" sz="1400" u="none" cap="none" strike="noStrike">
+        <a:defRPr sz="1400" b="0" i="0" u="none" strike="noStrike" cap="none">
           <a:solidFill>
             <a:srgbClr val="000000"/>
           </a:solidFill>
@@ -6749,7 +6815,7 @@
           <a:sym typeface="Arial"/>
         </a:defRPr>
       </a:lvl7pPr>
-      <a:lvl8pPr lvl="7" marR="0" rtl="0" algn="l">
+      <a:lvl8pPr marR="0" lvl="7" algn="l" rtl="0">
         <a:lnSpc>
           <a:spcPct val="100000"/>
         </a:lnSpc>
@@ -6763,7 +6829,7 @@
           <a:srgbClr val="000000"/>
         </a:buClr>
         <a:buFont typeface="Arial"/>
-        <a:defRPr b="0" i="0" sz="1400" u="none" cap="none" strike="noStrike">
+        <a:defRPr sz="1400" b="0" i="0" u="none" strike="noStrike" cap="none">
           <a:solidFill>
             <a:srgbClr val="000000"/>
           </a:solidFill>
@@ -6773,7 +6839,7 @@
           <a:sym typeface="Arial"/>
         </a:defRPr>
       </a:lvl8pPr>
-      <a:lvl9pPr lvl="8" marR="0" rtl="0" algn="l">
+      <a:lvl9pPr marR="0" lvl="8" algn="l" rtl="0">
         <a:lnSpc>
           <a:spcPct val="100000"/>
         </a:lnSpc>
@@ -6787,7 +6853,7 @@
           <a:srgbClr val="000000"/>
         </a:buClr>
         <a:buFont typeface="Arial"/>
-        <a:defRPr b="0" i="0" sz="1400" u="none" cap="none" strike="noStrike">
+        <a:defRPr sz="1400" b="0" i="0" u="none" strike="noStrike" cap="none">
           <a:solidFill>
             <a:srgbClr val="000000"/>
           </a:solidFill>
@@ -6803,11 +6869,11 @@
 </file>
 
 <file path=ppt/slides/slide1.xml><?xml version="1.0" encoding="utf-8"?>
-<p:sld xmlns:a="http://schemas.openxmlformats.org/drawingml/2006/main" xmlns:r="http://schemas.openxmlformats.org/officeDocument/2006/relationships" xmlns:mc="http://schemas.openxmlformats.org/markup-compatibility/2006" xmlns:mv="urn:schemas-microsoft-com:mac:vml" xmlns:p="http://schemas.openxmlformats.org/presentationml/2006/main" xmlns:c="http://schemas.openxmlformats.org/drawingml/2006/chart" xmlns:dgm="http://schemas.openxmlformats.org/drawingml/2006/diagram" xmlns:o="urn:schemas-microsoft-com:office:office" xmlns:v="urn:schemas-microsoft-com:vml" xmlns:pvml="urn:schemas-microsoft-com:office:powerpoint" xmlns:com="http://schemas.openxmlformats.org/drawingml/2006/compatibility" xmlns:p14="http://schemas.microsoft.com/office/powerpoint/2010/main" xmlns:p15="http://schemas.microsoft.com/office/powerpoint/2012/main" xmlns:ahyp="http://schemas.microsoft.com/office/drawing/2018/hyperlinkcolor">
+<p:sld xmlns:a="http://schemas.openxmlformats.org/drawingml/2006/main" xmlns:r="http://schemas.openxmlformats.org/officeDocument/2006/relationships" xmlns:p="http://schemas.openxmlformats.org/presentationml/2006/main">
   <p:cSld>
     <p:spTree>
       <p:nvGrpSpPr>
-        <p:cNvPr id="55" name="Shape 55"/>
+        <p:cNvPr id="1" name="Shape 55"/>
         <p:cNvGrpSpPr/>
         <p:nvPr/>
       </p:nvGrpSpPr>
@@ -6822,7 +6888,9 @@
       <p:sp>
         <p:nvSpPr>
           <p:cNvPr id="56" name="Google Shape;56;p13"/>
-          <p:cNvSpPr txBox="1"/>
+          <p:cNvSpPr txBox="1">
+            <a:spLocks noGrp="1"/>
+          </p:cNvSpPr>
           <p:nvPr>
             <p:ph type="ctrTitle"/>
           </p:nvPr>
@@ -6837,12 +6905,12 @@
           </a:prstGeom>
         </p:spPr>
         <p:txBody>
-          <a:bodyPr anchorCtr="0" anchor="b" bIns="91425" lIns="91425" spcFirstLastPara="1" rIns="91425" wrap="square" tIns="91425">
+          <a:bodyPr spcFirstLastPara="1" wrap="square" lIns="91425" tIns="91425" rIns="91425" bIns="91425" anchor="b" anchorCtr="0">
             <a:noAutofit/>
           </a:bodyPr>
           <a:lstStyle/>
           <a:p>
-            <a:pPr indent="0" lvl="0" marL="0" rtl="0" algn="ctr">
+            <a:pPr marL="0" lvl="0" indent="0" algn="ctr" rtl="0">
               <a:spcBef>
                 <a:spcPts val="0"/>
               </a:spcBef>
@@ -6878,9 +6946,11 @@
       <p:sp>
         <p:nvSpPr>
           <p:cNvPr id="57" name="Google Shape;57;p13"/>
-          <p:cNvSpPr txBox="1"/>
+          <p:cNvSpPr txBox="1">
+            <a:spLocks noGrp="1"/>
+          </p:cNvSpPr>
           <p:nvPr>
-            <p:ph idx="1" type="subTitle"/>
+            <p:ph type="subTitle" idx="1"/>
           </p:nvPr>
         </p:nvSpPr>
         <p:spPr>
@@ -6893,12 +6963,12 @@
           </a:prstGeom>
         </p:spPr>
         <p:txBody>
-          <a:bodyPr anchorCtr="0" anchor="t" bIns="91425" lIns="91425" spcFirstLastPara="1" rIns="91425" wrap="square" tIns="91425">
+          <a:bodyPr spcFirstLastPara="1" wrap="square" lIns="91425" tIns="91425" rIns="91425" bIns="91425" anchor="t" anchorCtr="0">
             <a:noAutofit/>
           </a:bodyPr>
           <a:lstStyle/>
           <a:p>
-            <a:pPr indent="0" lvl="0" marL="0" rtl="0" algn="ctr">
+            <a:pPr marL="0" lvl="0" indent="0" algn="ctr" rtl="0">
               <a:spcBef>
                 <a:spcPts val="0"/>
               </a:spcBef>
@@ -6909,16 +6979,12 @@
             </a:pPr>
             <a:r>
               <a:rPr lang="zh-TW"/>
-              <a:t>00857007 </a:t>
-            </a:r>
-            <a:r>
-              <a:rPr lang="zh-TW"/>
-              <a:t>朱庭君</a:t>
+              <a:t>00857007 朱庭君</a:t>
             </a:r>
             <a:endParaRPr/>
           </a:p>
           <a:p>
-            <a:pPr indent="0" lvl="0" marL="0" rtl="0" algn="ctr">
+            <a:pPr marL="0" lvl="0" indent="0" algn="ctr" rtl="0">
               <a:spcBef>
                 <a:spcPts val="0"/>
               </a:spcBef>
@@ -6943,12 +7009,303 @@
 </p:sld>
 </file>
 
-<file path=ppt/slides/slide2.xml><?xml version="1.0" encoding="utf-8"?>
-<p:sld xmlns:a="http://schemas.openxmlformats.org/drawingml/2006/main" xmlns:r="http://schemas.openxmlformats.org/officeDocument/2006/relationships" xmlns:mc="http://schemas.openxmlformats.org/markup-compatibility/2006" xmlns:mv="urn:schemas-microsoft-com:mac:vml" xmlns:p="http://schemas.openxmlformats.org/presentationml/2006/main" xmlns:c="http://schemas.openxmlformats.org/drawingml/2006/chart" xmlns:dgm="http://schemas.openxmlformats.org/drawingml/2006/diagram" xmlns:o="urn:schemas-microsoft-com:office:office" xmlns:v="urn:schemas-microsoft-com:vml" xmlns:pvml="urn:schemas-microsoft-com:office:powerpoint" xmlns:com="http://schemas.openxmlformats.org/drawingml/2006/compatibility" xmlns:p14="http://schemas.microsoft.com/office/powerpoint/2010/main" xmlns:p15="http://schemas.microsoft.com/office/powerpoint/2012/main" xmlns:ahyp="http://schemas.microsoft.com/office/drawing/2018/hyperlinkcolor">
+<file path=ppt/slides/slide10.xml><?xml version="1.0" encoding="utf-8"?>
+<p:sld xmlns:a="http://schemas.openxmlformats.org/drawingml/2006/main" xmlns:r="http://schemas.openxmlformats.org/officeDocument/2006/relationships" xmlns:p="http://schemas.openxmlformats.org/presentationml/2006/main">
   <p:cSld>
     <p:spTree>
       <p:nvGrpSpPr>
-        <p:cNvPr id="61" name="Shape 61"/>
+        <p:cNvPr id="1" name="Shape 104"/>
+        <p:cNvGrpSpPr/>
+        <p:nvPr/>
+      </p:nvGrpSpPr>
+      <p:grpSpPr>
+        <a:xfrm>
+          <a:off x="0" y="0"/>
+          <a:ext cx="0" cy="0"/>
+          <a:chOff x="0" y="0"/>
+          <a:chExt cx="0" cy="0"/>
+        </a:xfrm>
+      </p:grpSpPr>
+      <p:sp>
+        <p:nvSpPr>
+          <p:cNvPr id="105" name="Google Shape;105;p21"/>
+          <p:cNvSpPr txBox="1">
+            <a:spLocks noGrp="1"/>
+          </p:cNvSpPr>
+          <p:nvPr>
+            <p:ph type="title"/>
+          </p:nvPr>
+        </p:nvSpPr>
+        <p:spPr>
+          <a:xfrm>
+            <a:off x="311700" y="445025"/>
+            <a:ext cx="8520600" cy="572700"/>
+          </a:xfrm>
+          <a:prstGeom prst="rect">
+            <a:avLst/>
+          </a:prstGeom>
+        </p:spPr>
+        <p:txBody>
+          <a:bodyPr spcFirstLastPara="1" wrap="square" lIns="91425" tIns="91425" rIns="91425" bIns="91425" anchor="t" anchorCtr="0">
+            <a:noAutofit/>
+          </a:bodyPr>
+          <a:lstStyle/>
+          <a:p>
+            <a:pPr marL="0" lvl="0" indent="0" algn="l" rtl="0">
+              <a:spcBef>
+                <a:spcPts val="0"/>
+              </a:spcBef>
+              <a:spcAft>
+                <a:spcPts val="0"/>
+              </a:spcAft>
+              <a:buNone/>
+            </a:pPr>
+            <a:r>
+              <a:rPr lang="zh-TW"/>
+              <a:t>參考網址</a:t>
+            </a:r>
+            <a:endParaRPr/>
+          </a:p>
+        </p:txBody>
+      </p:sp>
+      <p:sp>
+        <p:nvSpPr>
+          <p:cNvPr id="106" name="Google Shape;106;p21"/>
+          <p:cNvSpPr txBox="1">
+            <a:spLocks noGrp="1"/>
+          </p:cNvSpPr>
+          <p:nvPr>
+            <p:ph type="body" idx="1"/>
+          </p:nvPr>
+        </p:nvSpPr>
+        <p:spPr>
+          <a:xfrm>
+            <a:off x="311700" y="1152475"/>
+            <a:ext cx="8520600" cy="3416400"/>
+          </a:xfrm>
+          <a:prstGeom prst="rect">
+            <a:avLst/>
+          </a:prstGeom>
+        </p:spPr>
+        <p:txBody>
+          <a:bodyPr spcFirstLastPara="1" wrap="square" lIns="91425" tIns="91425" rIns="91425" bIns="91425" anchor="t" anchorCtr="0">
+            <a:noAutofit/>
+          </a:bodyPr>
+          <a:lstStyle/>
+          <a:p>
+            <a:pPr marL="457200" lvl="0" indent="-342900" algn="l" rtl="0">
+              <a:lnSpc>
+                <a:spcPct val="114300"/>
+              </a:lnSpc>
+              <a:spcBef>
+                <a:spcPts val="0"/>
+              </a:spcBef>
+              <a:spcAft>
+                <a:spcPts val="0"/>
+              </a:spcAft>
+              <a:buClr>
+                <a:srgbClr val="000000"/>
+              </a:buClr>
+              <a:buSzPts val="1800"/>
+              <a:buChar char="●"/>
+            </a:pPr>
+            <a:r>
+              <a:rPr lang="zh-TW" b="1">
+                <a:solidFill>
+                  <a:srgbClr val="373B41"/>
+                </a:solidFill>
+                <a:latin typeface="Arial"/>
+                <a:ea typeface="Arial"/>
+                <a:cs typeface="Arial"/>
+                <a:sym typeface="Arial"/>
+              </a:rPr>
+              <a:t>Take screenshot of webpage with Html2Canvas</a:t>
+            </a:r>
+            <a:endParaRPr/>
+          </a:p>
+          <a:p>
+            <a:pPr marL="457200" lvl="0" indent="0" algn="l" rtl="0">
+              <a:spcBef>
+                <a:spcPts val="0"/>
+              </a:spcBef>
+              <a:spcAft>
+                <a:spcPts val="0"/>
+              </a:spcAft>
+              <a:buNone/>
+            </a:pPr>
+            <a:r>
+              <a:rPr lang="zh-TW" u="sng">
+                <a:solidFill>
+                  <a:srgbClr val="0000FF"/>
+                </a:solidFill>
+                <a:hlinkClick r:id="rId3">
+                  <a:extLst>
+                    <a:ext uri="{A12FA001-AC4F-418D-AE19-62706E023703}">
+                      <ahyp:hlinkClr xmlns:ahyp="http://schemas.microsoft.com/office/drawing/2018/hyperlinkcolor" xmlns:p15="http://schemas.microsoft.com/office/powerpoint/2012/main" xmlns:p14="http://schemas.microsoft.com/office/powerpoint/2010/main" xmlns:com="http://schemas.openxmlformats.org/drawingml/2006/compatibility" xmlns:pvml="urn:schemas-microsoft-com:office:powerpoint" xmlns:v="urn:schemas-microsoft-com:vml" xmlns:o="urn:schemas-microsoft-com:office:office" xmlns:dgm="http://schemas.openxmlformats.org/drawingml/2006/diagram" xmlns:c="http://schemas.openxmlformats.org/drawingml/2006/chart" xmlns:mv="urn:schemas-microsoft-com:mac:vml" xmlns:mc="http://schemas.openxmlformats.org/markup-compatibility/2006" xmlns="" val="tx"/>
+                    </a:ext>
+                  </a:extLst>
+                </a:hlinkClick>
+              </a:rPr>
+              <a:t>https://makitweb.com/take-screenshot-of-webpage-with-html2canvas/</a:t>
+            </a:r>
+            <a:endParaRPr>
+              <a:solidFill>
+                <a:srgbClr val="0000FF"/>
+              </a:solidFill>
+            </a:endParaRPr>
+          </a:p>
+          <a:p>
+            <a:pPr marL="457200" lvl="0" indent="-342900" algn="l" rtl="0">
+              <a:spcBef>
+                <a:spcPts val="1600"/>
+              </a:spcBef>
+              <a:spcAft>
+                <a:spcPts val="0"/>
+              </a:spcAft>
+              <a:buClr>
+                <a:srgbClr val="000000"/>
+              </a:buClr>
+              <a:buSzPts val="1800"/>
+              <a:buChar char="●"/>
+            </a:pPr>
+            <a:r>
+              <a:rPr lang="zh-TW" b="1">
+                <a:solidFill>
+                  <a:srgbClr val="000000"/>
+                </a:solidFill>
+                <a:latin typeface="Arial"/>
+                <a:ea typeface="Arial"/>
+                <a:cs typeface="Arial"/>
+                <a:sym typeface="Arial"/>
+              </a:rPr>
+              <a:t>Email超連結 </a:t>
+            </a:r>
+            <a:endParaRPr b="1">
+              <a:solidFill>
+                <a:srgbClr val="000000"/>
+              </a:solidFill>
+              <a:latin typeface="Arial"/>
+              <a:ea typeface="Arial"/>
+              <a:cs typeface="Arial"/>
+              <a:sym typeface="Arial"/>
+            </a:endParaRPr>
+          </a:p>
+          <a:p>
+            <a:pPr marL="457200" lvl="0" indent="0" algn="l" rtl="0">
+              <a:spcBef>
+                <a:spcPts val="0"/>
+              </a:spcBef>
+              <a:spcAft>
+                <a:spcPts val="0"/>
+              </a:spcAft>
+              <a:buNone/>
+            </a:pPr>
+            <a:r>
+              <a:rPr lang="zh-TW">
+                <a:solidFill>
+                  <a:srgbClr val="0000FF"/>
+                </a:solidFill>
+              </a:rPr>
+              <a:t>https://blog.xuite.net/jason_kuso/kuso/38943441</a:t>
+            </a:r>
+            <a:endParaRPr b="1">
+              <a:solidFill>
+                <a:srgbClr val="000000"/>
+              </a:solidFill>
+              <a:latin typeface="Arial"/>
+              <a:ea typeface="Arial"/>
+              <a:cs typeface="Arial"/>
+              <a:sym typeface="Arial"/>
+            </a:endParaRPr>
+          </a:p>
+          <a:p>
+            <a:pPr marL="457200" lvl="0" indent="-342900" algn="l" rtl="0">
+              <a:spcBef>
+                <a:spcPts val="1600"/>
+              </a:spcBef>
+              <a:spcAft>
+                <a:spcPts val="0"/>
+              </a:spcAft>
+              <a:buClr>
+                <a:srgbClr val="000000"/>
+              </a:buClr>
+              <a:buSzPts val="1800"/>
+              <a:buChar char="●"/>
+            </a:pPr>
+            <a:r>
+              <a:rPr lang="zh-TW" b="1">
+                <a:solidFill>
+                  <a:srgbClr val="000000"/>
+                </a:solidFill>
+                <a:latin typeface="Arial"/>
+                <a:ea typeface="Arial"/>
+                <a:cs typeface="Arial"/>
+                <a:sym typeface="Arial"/>
+              </a:rPr>
+              <a:t>線上許多教學網頁</a:t>
+            </a:r>
+            <a:endParaRPr b="1">
+              <a:solidFill>
+                <a:srgbClr val="000000"/>
+              </a:solidFill>
+              <a:latin typeface="Arial"/>
+              <a:ea typeface="Arial"/>
+              <a:cs typeface="Arial"/>
+              <a:sym typeface="Arial"/>
+            </a:endParaRPr>
+          </a:p>
+          <a:p>
+            <a:pPr marL="457200" lvl="0" indent="0" algn="l" rtl="0">
+              <a:spcBef>
+                <a:spcPts val="0"/>
+              </a:spcBef>
+              <a:spcAft>
+                <a:spcPts val="0"/>
+              </a:spcAft>
+              <a:buNone/>
+            </a:pPr>
+            <a:endParaRPr/>
+          </a:p>
+          <a:p>
+            <a:pPr marL="0" lvl="0" indent="0" algn="l" rtl="0">
+              <a:spcBef>
+                <a:spcPts val="1600"/>
+              </a:spcBef>
+              <a:spcAft>
+                <a:spcPts val="0"/>
+              </a:spcAft>
+              <a:buNone/>
+            </a:pPr>
+            <a:endParaRPr/>
+          </a:p>
+          <a:p>
+            <a:pPr marL="0" lvl="0" indent="0" algn="l" rtl="0">
+              <a:spcBef>
+                <a:spcPts val="1600"/>
+              </a:spcBef>
+              <a:spcAft>
+                <a:spcPts val="1600"/>
+              </a:spcAft>
+              <a:buNone/>
+            </a:pPr>
+            <a:endParaRPr/>
+          </a:p>
+        </p:txBody>
+      </p:sp>
+    </p:spTree>
+  </p:cSld>
+  <p:clrMapOvr>
+    <a:masterClrMapping/>
+  </p:clrMapOvr>
+</p:sld>
+</file>
+
+<file path=ppt/slides/slide2.xml><?xml version="1.0" encoding="utf-8"?>
+<p:sld xmlns:a="http://schemas.openxmlformats.org/drawingml/2006/main" xmlns:r="http://schemas.openxmlformats.org/officeDocument/2006/relationships" xmlns:p="http://schemas.openxmlformats.org/presentationml/2006/main">
+  <p:cSld>
+    <p:spTree>
+      <p:nvGrpSpPr>
+        <p:cNvPr id="1" name="Shape 61"/>
         <p:cNvGrpSpPr/>
         <p:nvPr/>
       </p:nvGrpSpPr>
@@ -6963,7 +7320,9 @@
       <p:sp>
         <p:nvSpPr>
           <p:cNvPr id="62" name="Google Shape;62;p14"/>
-          <p:cNvSpPr txBox="1"/>
+          <p:cNvSpPr txBox="1">
+            <a:spLocks noGrp="1"/>
+          </p:cNvSpPr>
           <p:nvPr>
             <p:ph type="title"/>
           </p:nvPr>
@@ -6978,12 +7337,12 @@
           </a:prstGeom>
         </p:spPr>
         <p:txBody>
-          <a:bodyPr anchorCtr="0" anchor="t" bIns="91425" lIns="91425" spcFirstLastPara="1" rIns="91425" wrap="square" tIns="91425">
+          <a:bodyPr spcFirstLastPara="1" wrap="square" lIns="91425" tIns="91425" rIns="91425" bIns="91425" anchor="t" anchorCtr="0">
             <a:noAutofit/>
           </a:bodyPr>
           <a:lstStyle/>
           <a:p>
-            <a:pPr indent="0" lvl="0" marL="0" rtl="0" algn="l">
+            <a:pPr marL="0" lvl="0" indent="0" algn="l" rtl="0">
               <a:spcBef>
                 <a:spcPts val="0"/>
               </a:spcBef>
@@ -6993,7 +7352,7 @@
               <a:buNone/>
             </a:pPr>
             <a:r>
-              <a:rPr b="1" lang="zh-TW"/>
+              <a:rPr lang="zh-TW" b="1"/>
               <a:t>特色與優點</a:t>
             </a:r>
             <a:endParaRPr b="1"/>
@@ -7003,9 +7362,11 @@
       <p:sp>
         <p:nvSpPr>
           <p:cNvPr id="63" name="Google Shape;63;p14"/>
-          <p:cNvSpPr txBox="1"/>
+          <p:cNvSpPr txBox="1">
+            <a:spLocks noGrp="1"/>
+          </p:cNvSpPr>
           <p:nvPr>
-            <p:ph idx="1" type="body"/>
+            <p:ph type="body" idx="1"/>
           </p:nvPr>
         </p:nvSpPr>
         <p:spPr>
@@ -7018,12 +7379,12 @@
           </a:prstGeom>
         </p:spPr>
         <p:txBody>
-          <a:bodyPr anchorCtr="0" anchor="t" bIns="91425" lIns="91425" spcFirstLastPara="1" rIns="91425" wrap="square" tIns="91425">
+          <a:bodyPr spcFirstLastPara="1" wrap="square" lIns="91425" tIns="91425" rIns="91425" bIns="91425" anchor="t" anchorCtr="0">
             <a:noAutofit/>
           </a:bodyPr>
           <a:lstStyle/>
           <a:p>
-            <a:pPr indent="-361950" lvl="0" marL="457200" rtl="0" algn="l">
+            <a:pPr marL="457200" lvl="0" indent="-361950" algn="l" rtl="0">
               <a:spcBef>
                 <a:spcPts val="0"/>
               </a:spcBef>
@@ -7034,13 +7395,13 @@
               <a:buChar char="●"/>
             </a:pPr>
             <a:r>
-              <a:rPr b="1" lang="zh-TW" sz="2100"/>
+              <a:rPr lang="zh-TW" sz="2100" b="1" dirty="0"/>
               <a:t>除了預設的圖片以外，還可以從網上找自己喜歡的圖片放入卡片中</a:t>
             </a:r>
-            <a:endParaRPr b="1" sz="2100"/>
+            <a:endParaRPr sz="2100" b="1" dirty="0"/>
           </a:p>
           <a:p>
-            <a:pPr indent="-361950" lvl="0" marL="457200" rtl="0" algn="l">
+            <a:pPr marL="457200" lvl="0" indent="-361950" algn="l" rtl="0">
               <a:spcBef>
                 <a:spcPts val="0"/>
               </a:spcBef>
@@ -7051,17 +7412,13 @@
               <a:buChar char="●"/>
             </a:pPr>
             <a:r>
-              <a:rPr b="1" lang="zh-TW" sz="2100"/>
-              <a:t>有許多功能(邊框、字體、顏色)，可以讓使用者發揮他們的創意</a:t>
+              <a:rPr lang="zh-TW" sz="2100" b="1" dirty="0"/>
+              <a:t>有許多功能(邊框、字體、顏色)，可以讓使用者發揮他們的創意來美化卡片</a:t>
             </a:r>
-            <a:r>
-              <a:rPr b="1" lang="zh-TW" sz="2100"/>
-              <a:t>來美化卡片</a:t>
-            </a:r>
-            <a:endParaRPr b="1" sz="2100"/>
+            <a:endParaRPr sz="2100" b="1" dirty="0"/>
           </a:p>
           <a:p>
-            <a:pPr indent="-361950" lvl="0" marL="457200" rtl="0" algn="l">
+            <a:pPr marL="457200" lvl="0" indent="-361950" algn="l" rtl="0">
               <a:spcBef>
                 <a:spcPts val="0"/>
               </a:spcBef>
@@ -7072,13 +7429,29 @@
               <a:buChar char="●"/>
             </a:pPr>
             <a:r>
-              <a:rPr b="1" lang="zh-TW" sz="2100"/>
-              <a:t>能夠匯出圖片並寄出</a:t>
+              <a:rPr lang="zh-TW" sz="2100" b="1" dirty="0"/>
+              <a:t>能夠匯出</a:t>
             </a:r>
-            <a:endParaRPr b="1" sz="2100"/>
+            <a:r>
+              <a:rPr lang="zh-TW" sz="2100" b="1" dirty="0" smtClean="0"/>
+              <a:t>圖片</a:t>
+            </a:r>
+            <a:r>
+              <a:rPr lang="zh-TW" altLang="en-US" sz="2100" b="1" dirty="0" smtClean="0"/>
+              <a:t>和</a:t>
+            </a:r>
+            <a:r>
+              <a:rPr lang="zh-TW" sz="2100" b="1" dirty="0" smtClean="0"/>
+              <a:t>寄</a:t>
+            </a:r>
+            <a:r>
+              <a:rPr lang="zh-TW" sz="2100" b="1" dirty="0"/>
+              <a:t>出</a:t>
+            </a:r>
+            <a:endParaRPr sz="2100" b="1" dirty="0"/>
           </a:p>
           <a:p>
-            <a:pPr indent="0" lvl="0" marL="0" rtl="0" algn="l">
+            <a:pPr marL="0" lvl="0" indent="0" algn="l" rtl="0">
               <a:spcBef>
                 <a:spcPts val="1600"/>
               </a:spcBef>
@@ -7087,13 +7460,10 @@
               </a:spcAft>
               <a:buNone/>
             </a:pPr>
-            <a:r>
-              <a:t/>
-            </a:r>
-            <a:endParaRPr/>
+            <a:endParaRPr dirty="0"/>
           </a:p>
           <a:p>
-            <a:pPr indent="0" lvl="0" marL="0" rtl="0" algn="l">
+            <a:pPr marL="0" lvl="0" indent="0" algn="l" rtl="0">
               <a:spcBef>
                 <a:spcPts val="1600"/>
               </a:spcBef>
@@ -7102,13 +7472,10 @@
               </a:spcAft>
               <a:buNone/>
             </a:pPr>
-            <a:r>
-              <a:t/>
-            </a:r>
-            <a:endParaRPr/>
+            <a:endParaRPr dirty="0"/>
           </a:p>
           <a:p>
-            <a:pPr indent="0" lvl="0" marL="0" rtl="0" algn="l">
+            <a:pPr marL="0" lvl="0" indent="0" algn="l" rtl="0">
               <a:spcBef>
                 <a:spcPts val="1600"/>
               </a:spcBef>
@@ -7117,10 +7484,7 @@
               </a:spcAft>
               <a:buNone/>
             </a:pPr>
-            <a:r>
-              <a:t/>
-            </a:r>
-            <a:endParaRPr/>
+            <a:endParaRPr dirty="0"/>
           </a:p>
         </p:txBody>
       </p:sp>
@@ -7133,11 +7497,192 @@
 </file>
 
 <file path=ppt/slides/slide3.xml><?xml version="1.0" encoding="utf-8"?>
-<p:sld xmlns:a="http://schemas.openxmlformats.org/drawingml/2006/main" xmlns:r="http://schemas.openxmlformats.org/officeDocument/2006/relationships" xmlns:mc="http://schemas.openxmlformats.org/markup-compatibility/2006" xmlns:mv="urn:schemas-microsoft-com:mac:vml" xmlns:p="http://schemas.openxmlformats.org/presentationml/2006/main" xmlns:c="http://schemas.openxmlformats.org/drawingml/2006/chart" xmlns:dgm="http://schemas.openxmlformats.org/drawingml/2006/diagram" xmlns:o="urn:schemas-microsoft-com:office:office" xmlns:v="urn:schemas-microsoft-com:vml" xmlns:pvml="urn:schemas-microsoft-com:office:powerpoint" xmlns:com="http://schemas.openxmlformats.org/drawingml/2006/compatibility" xmlns:p14="http://schemas.microsoft.com/office/powerpoint/2010/main" xmlns:p15="http://schemas.microsoft.com/office/powerpoint/2012/main" xmlns:ahyp="http://schemas.microsoft.com/office/drawing/2018/hyperlinkcolor">
+<p:sld xmlns:a="http://schemas.openxmlformats.org/drawingml/2006/main" xmlns:r="http://schemas.openxmlformats.org/officeDocument/2006/relationships" xmlns:p="http://schemas.openxmlformats.org/presentationml/2006/main">
   <p:cSld>
     <p:spTree>
       <p:nvGrpSpPr>
-        <p:cNvPr id="67" name="Shape 67"/>
+        <p:cNvPr id="1" name=""/>
+        <p:cNvGrpSpPr/>
+        <p:nvPr/>
+      </p:nvGrpSpPr>
+      <p:grpSpPr>
+        <a:xfrm>
+          <a:off x="0" y="0"/>
+          <a:ext cx="0" cy="0"/>
+          <a:chOff x="0" y="0"/>
+          <a:chExt cx="0" cy="0"/>
+        </a:xfrm>
+      </p:grpSpPr>
+      <p:sp>
+        <p:nvSpPr>
+          <p:cNvPr id="2" name="標題 1"/>
+          <p:cNvSpPr>
+            <a:spLocks noGrp="1"/>
+          </p:cNvSpPr>
+          <p:nvPr>
+            <p:ph type="title"/>
+          </p:nvPr>
+        </p:nvSpPr>
+        <p:spPr>
+          <a:xfrm>
+            <a:off x="475043" y="193481"/>
+            <a:ext cx="8114400" cy="576470"/>
+          </a:xfrm>
+        </p:spPr>
+        <p:txBody>
+          <a:bodyPr/>
+          <a:lstStyle/>
+          <a:p>
+            <a:r>
+              <a:rPr lang="zh-TW" altLang="zh-TW" sz="3000" dirty="0">
+                <a:solidFill>
+                  <a:srgbClr val="FF0000"/>
+                </a:solidFill>
+                <a:latin typeface="+mj-lt"/>
+              </a:rPr>
+              <a:t>網站</a:t>
+            </a:r>
+            <a:r>
+              <a:rPr lang="zh-TW" altLang="zh-TW" sz="3000" dirty="0" smtClean="0">
+                <a:solidFill>
+                  <a:srgbClr val="FF0000"/>
+                </a:solidFill>
+                <a:latin typeface="+mj-lt"/>
+              </a:rPr>
+              <a:t>架構</a:t>
+            </a:r>
+            <a:r>
+              <a:rPr lang="en-US" altLang="zh-TW" sz="3000" dirty="0" smtClean="0">
+                <a:solidFill>
+                  <a:srgbClr val="FF0000"/>
+                </a:solidFill>
+                <a:latin typeface="+mj-lt"/>
+              </a:rPr>
+              <a:t>-</a:t>
+            </a:r>
+            <a:r>
+              <a:rPr lang="zh-TW" altLang="en-US" sz="3000" dirty="0" smtClean="0">
+                <a:solidFill>
+                  <a:schemeClr val="tx1"/>
+                </a:solidFill>
+                <a:latin typeface="+mj-lt"/>
+              </a:rPr>
+              <a:t>進入首頁</a:t>
+            </a:r>
+            <a:endParaRPr lang="zh-TW" altLang="en-US" sz="3000" dirty="0">
+              <a:solidFill>
+                <a:schemeClr val="tx1"/>
+              </a:solidFill>
+              <a:latin typeface="+mj-lt"/>
+            </a:endParaRPr>
+          </a:p>
+        </p:txBody>
+      </p:sp>
+      <p:pic>
+        <p:nvPicPr>
+          <p:cNvPr id="1026" name="Picture 2"/>
+          <p:cNvPicPr>
+            <a:picLocks noChangeAspect="1" noChangeArrowheads="1"/>
+          </p:cNvPicPr>
+          <p:nvPr/>
+        </p:nvPicPr>
+        <p:blipFill rotWithShape="1">
+          <a:blip r:embed="rId2">
+            <a:extLst>
+              <a:ext uri="{28A0092B-C50C-407E-A947-70E740481C1C}">
+                <a14:useLocalDpi xmlns:a14="http://schemas.microsoft.com/office/drawing/2010/main" val="0"/>
+              </a:ext>
+            </a:extLst>
+          </a:blip>
+          <a:srcRect l="3791" t="9274" r="5425" b="6020"/>
+          <a:stretch/>
+        </p:blipFill>
+        <p:spPr bwMode="auto">
+          <a:xfrm>
+            <a:off x="326003" y="1041622"/>
+            <a:ext cx="6400801" cy="3689404"/>
+          </a:xfrm>
+          <a:prstGeom prst="rect">
+            <a:avLst/>
+          </a:prstGeom>
+          <a:noFill/>
+          <a:ln>
+            <a:noFill/>
+          </a:ln>
+          <a:extLst>
+            <a:ext uri="{909E8E84-426E-40DD-AFC4-6F175D3DCCD1}">
+              <a14:hiddenFill xmlns:a14="http://schemas.microsoft.com/office/drawing/2010/main">
+                <a:solidFill>
+                  <a:schemeClr val="accent1"/>
+                </a:solidFill>
+              </a14:hiddenFill>
+            </a:ext>
+            <a:ext uri="{91240B29-F687-4F45-9708-019B960494DF}">
+              <a14:hiddenLine xmlns:a14="http://schemas.microsoft.com/office/drawing/2010/main" w="9525">
+                <a:solidFill>
+                  <a:schemeClr val="tx1"/>
+                </a:solidFill>
+                <a:miter lim="800000"/>
+                <a:headEnd/>
+                <a:tailEnd/>
+              </a14:hiddenLine>
+            </a:ext>
+          </a:extLst>
+        </p:spPr>
+      </p:pic>
+      <p:sp>
+        <p:nvSpPr>
+          <p:cNvPr id="3" name="文字方塊 2"/>
+          <p:cNvSpPr txBox="1"/>
+          <p:nvPr/>
+        </p:nvSpPr>
+        <p:spPr>
+          <a:xfrm>
+            <a:off x="6893780" y="1862710"/>
+            <a:ext cx="1995777" cy="1015663"/>
+          </a:xfrm>
+          <a:prstGeom prst="rect">
+            <a:avLst/>
+          </a:prstGeom>
+          <a:noFill/>
+        </p:spPr>
+        <p:txBody>
+          <a:bodyPr wrap="square" rtlCol="0">
+            <a:spAutoFit/>
+          </a:bodyPr>
+          <a:lstStyle/>
+          <a:p>
+            <a:r>
+              <a:rPr lang="zh-TW" altLang="en-US" sz="2000" dirty="0" smtClean="0"/>
+              <a:t>設計一個簡單的頁面能夠進入首頁和下載</a:t>
+            </a:r>
+            <a:r>
+              <a:rPr lang="en-US" altLang="zh-TW" sz="2000" dirty="0" err="1" smtClean="0"/>
+              <a:t>ppt</a:t>
+            </a:r>
+            <a:endParaRPr lang="zh-TW" altLang="en-US" sz="2000" dirty="0"/>
+          </a:p>
+        </p:txBody>
+      </p:sp>
+    </p:spTree>
+    <p:extLst>
+      <p:ext uri="{BB962C8B-B14F-4D97-AF65-F5344CB8AC3E}">
+        <p14:creationId xmlns:p14="http://schemas.microsoft.com/office/powerpoint/2010/main" val="260193116"/>
+      </p:ext>
+    </p:extLst>
+  </p:cSld>
+  <p:clrMapOvr>
+    <a:masterClrMapping/>
+  </p:clrMapOvr>
+</p:sld>
+</file>
+
+<file path=ppt/slides/slide4.xml><?xml version="1.0" encoding="utf-8"?>
+<p:sld xmlns:a="http://schemas.openxmlformats.org/drawingml/2006/main" xmlns:r="http://schemas.openxmlformats.org/officeDocument/2006/relationships" xmlns:p="http://schemas.openxmlformats.org/presentationml/2006/main">
+  <p:cSld>
+    <p:spTree>
+      <p:nvGrpSpPr>
+        <p:cNvPr id="1" name="Shape 67"/>
         <p:cNvGrpSpPr/>
         <p:nvPr/>
       </p:nvGrpSpPr>
@@ -7152,7 +7697,9 @@
       <p:sp>
         <p:nvSpPr>
           <p:cNvPr id="68" name="Google Shape;68;p15"/>
-          <p:cNvSpPr txBox="1"/>
+          <p:cNvSpPr txBox="1">
+            <a:spLocks noGrp="1"/>
+          </p:cNvSpPr>
           <p:nvPr>
             <p:ph type="title"/>
           </p:nvPr>
@@ -7167,12 +7714,12 @@
           </a:prstGeom>
         </p:spPr>
         <p:txBody>
-          <a:bodyPr anchorCtr="0" anchor="t" bIns="91425" lIns="91425" spcFirstLastPara="1" rIns="91425" wrap="square" tIns="91425">
+          <a:bodyPr spcFirstLastPara="1" wrap="square" lIns="91425" tIns="91425" rIns="91425" bIns="91425" anchor="t" anchorCtr="0">
             <a:noAutofit/>
           </a:bodyPr>
           <a:lstStyle/>
           <a:p>
-            <a:pPr indent="0" lvl="0" marL="0" rtl="0" algn="l">
+            <a:pPr marL="0" lvl="0" indent="0" algn="l" rtl="0">
               <a:spcBef>
                 <a:spcPts val="0"/>
               </a:spcBef>
@@ -7182,19 +7729,45 @@
               <a:buNone/>
             </a:pPr>
             <a:r>
-              <a:rPr lang="zh-TW"/>
-              <a:t>網站架構</a:t>
+              <a:rPr lang="zh-TW" dirty="0"/>
+              <a:t>網站</a:t>
             </a:r>
-            <a:endParaRPr/>
+            <a:r>
+              <a:rPr lang="zh-TW" dirty="0" smtClean="0"/>
+              <a:t>架構</a:t>
+            </a:r>
+            <a:r>
+              <a:rPr lang="en-US" altLang="zh-TW" dirty="0" smtClean="0">
+                <a:latin typeface="+mn-lt"/>
+              </a:rPr>
+              <a:t>-</a:t>
+            </a:r>
+            <a:r>
+              <a:rPr lang="zh-TW" altLang="en-US" dirty="0" smtClean="0">
+                <a:solidFill>
+                  <a:schemeClr val="tx1"/>
+                </a:solidFill>
+                <a:latin typeface="+mn-lt"/>
+              </a:rPr>
+              <a:t>首頁</a:t>
+            </a:r>
+            <a:endParaRPr dirty="0">
+              <a:solidFill>
+                <a:schemeClr val="tx1"/>
+              </a:solidFill>
+              <a:latin typeface="+mn-lt"/>
+            </a:endParaRPr>
           </a:p>
         </p:txBody>
       </p:sp>
       <p:sp>
         <p:nvSpPr>
           <p:cNvPr id="69" name="Google Shape;69;p15"/>
-          <p:cNvSpPr txBox="1"/>
+          <p:cNvSpPr txBox="1">
+            <a:spLocks noGrp="1"/>
+          </p:cNvSpPr>
           <p:nvPr>
-            <p:ph idx="1" type="body"/>
+            <p:ph type="body" idx="1"/>
           </p:nvPr>
         </p:nvSpPr>
         <p:spPr>
@@ -7207,12 +7780,12 @@
           </a:prstGeom>
         </p:spPr>
         <p:txBody>
-          <a:bodyPr anchorCtr="0" anchor="t" bIns="91425" lIns="91425" spcFirstLastPara="1" rIns="91425" wrap="square" tIns="91425">
+          <a:bodyPr spcFirstLastPara="1" wrap="square" lIns="91425" tIns="91425" rIns="91425" bIns="91425" anchor="t" anchorCtr="0">
             <a:noAutofit/>
           </a:bodyPr>
           <a:lstStyle/>
           <a:p>
-            <a:pPr indent="0" lvl="0" marL="0" rtl="0" algn="l">
+            <a:pPr marL="0" lvl="0" indent="0" algn="l" rtl="0">
               <a:spcBef>
                 <a:spcPts val="0"/>
               </a:spcBef>
@@ -7222,13 +7795,27 @@
               <a:buNone/>
             </a:pPr>
             <a:r>
-              <a:rPr lang="zh-TW"/>
+              <a:rPr lang="zh-TW" dirty="0">
+                <a:solidFill>
+                  <a:schemeClr val="tx2">
+                    <a:lumMod val="10000"/>
+                  </a:schemeClr>
+                </a:solidFill>
+                <a:latin typeface="+mn-lt"/>
+              </a:rPr>
               <a:t>左邊用牛皮信封表示開發者寄給使用者的信</a:t>
             </a:r>
-            <a:endParaRPr/>
+            <a:endParaRPr dirty="0">
+              <a:solidFill>
+                <a:schemeClr val="tx2">
+                  <a:lumMod val="10000"/>
+                </a:schemeClr>
+              </a:solidFill>
+              <a:latin typeface="+mn-lt"/>
+            </a:endParaRPr>
           </a:p>
           <a:p>
-            <a:pPr indent="0" lvl="0" marL="0" rtl="0" algn="l">
+            <a:pPr marL="0" lvl="0" indent="0" algn="l" rtl="0">
               <a:spcBef>
                 <a:spcPts val="1600"/>
               </a:spcBef>
@@ -7238,13 +7825,27 @@
               <a:buNone/>
             </a:pPr>
             <a:r>
-              <a:rPr lang="zh-TW"/>
+              <a:rPr lang="zh-TW" dirty="0">
+                <a:solidFill>
+                  <a:schemeClr val="tx2">
+                    <a:lumMod val="10000"/>
+                  </a:schemeClr>
+                </a:solidFill>
+                <a:latin typeface="+mn-lt"/>
+              </a:rPr>
               <a:t>內容是我們寫網頁的起源</a:t>
             </a:r>
-            <a:endParaRPr/>
+            <a:endParaRPr dirty="0">
+              <a:solidFill>
+                <a:schemeClr val="tx2">
+                  <a:lumMod val="10000"/>
+                </a:schemeClr>
+              </a:solidFill>
+              <a:latin typeface="+mn-lt"/>
+            </a:endParaRPr>
           </a:p>
           <a:p>
-            <a:pPr indent="0" lvl="0" marL="0" rtl="0" algn="l">
+            <a:pPr marL="0" lvl="0" indent="0" algn="l" rtl="0">
               <a:spcBef>
                 <a:spcPts val="1600"/>
               </a:spcBef>
@@ -7254,10 +7855,24 @@
               <a:buNone/>
             </a:pPr>
             <a:r>
-              <a:rPr lang="zh-TW"/>
+              <a:rPr lang="zh-TW" dirty="0">
+                <a:solidFill>
+                  <a:schemeClr val="tx2">
+                    <a:lumMod val="10000"/>
+                  </a:schemeClr>
+                </a:solidFill>
+                <a:latin typeface="+mn-lt"/>
+              </a:rPr>
               <a:t>右邊則是進入寫信畫面和按讚畫面</a:t>
             </a:r>
-            <a:endParaRPr/>
+            <a:endParaRPr dirty="0">
+              <a:solidFill>
+                <a:schemeClr val="tx2">
+                  <a:lumMod val="10000"/>
+                </a:schemeClr>
+              </a:solidFill>
+              <a:latin typeface="+mn-lt"/>
+            </a:endParaRPr>
           </a:p>
         </p:txBody>
       </p:sp>
@@ -7297,12 +7912,12 @@
 </p:sld>
 </file>
 
-<file path=ppt/slides/slide4.xml><?xml version="1.0" encoding="utf-8"?>
-<p:sld xmlns:a="http://schemas.openxmlformats.org/drawingml/2006/main" xmlns:r="http://schemas.openxmlformats.org/officeDocument/2006/relationships" xmlns:mc="http://schemas.openxmlformats.org/markup-compatibility/2006" xmlns:mv="urn:schemas-microsoft-com:mac:vml" xmlns:p="http://schemas.openxmlformats.org/presentationml/2006/main" xmlns:c="http://schemas.openxmlformats.org/drawingml/2006/chart" xmlns:dgm="http://schemas.openxmlformats.org/drawingml/2006/diagram" xmlns:o="urn:schemas-microsoft-com:office:office" xmlns:v="urn:schemas-microsoft-com:vml" xmlns:pvml="urn:schemas-microsoft-com:office:powerpoint" xmlns:com="http://schemas.openxmlformats.org/drawingml/2006/compatibility" xmlns:p14="http://schemas.microsoft.com/office/powerpoint/2010/main" xmlns:p15="http://schemas.microsoft.com/office/powerpoint/2012/main" xmlns:ahyp="http://schemas.microsoft.com/office/drawing/2018/hyperlinkcolor">
+<file path=ppt/slides/slide5.xml><?xml version="1.0" encoding="utf-8"?>
+<p:sld xmlns:a="http://schemas.openxmlformats.org/drawingml/2006/main" xmlns:r="http://schemas.openxmlformats.org/officeDocument/2006/relationships" xmlns:p="http://schemas.openxmlformats.org/presentationml/2006/main">
   <p:cSld>
     <p:spTree>
       <p:nvGrpSpPr>
-        <p:cNvPr id="74" name="Shape 74"/>
+        <p:cNvPr id="1" name=""/>
         <p:cNvGrpSpPr/>
         <p:nvPr/>
       </p:nvGrpSpPr>
@@ -7316,61 +7931,74 @@
       </p:grpSpPr>
       <p:sp>
         <p:nvSpPr>
-          <p:cNvPr id="75" name="Google Shape;75;p16"/>
-          <p:cNvSpPr txBox="1"/>
+          <p:cNvPr id="2" name="標題 1"/>
+          <p:cNvSpPr>
+            <a:spLocks noGrp="1"/>
+          </p:cNvSpPr>
           <p:nvPr>
             <p:ph type="title"/>
           </p:nvPr>
         </p:nvSpPr>
         <p:spPr>
           <a:xfrm>
-            <a:off x="311713" y="195450"/>
+            <a:off x="294197" y="111070"/>
             <a:ext cx="8520600" cy="572700"/>
           </a:xfrm>
-          <a:prstGeom prst="rect">
-            <a:avLst/>
-          </a:prstGeom>
         </p:spPr>
         <p:txBody>
-          <a:bodyPr anchorCtr="0" anchor="t" bIns="91425" lIns="91425" spcFirstLastPara="1" rIns="91425" wrap="square" tIns="91425">
-            <a:noAutofit/>
-          </a:bodyPr>
+          <a:bodyPr/>
           <a:lstStyle/>
           <a:p>
-            <a:pPr indent="0" lvl="0" marL="0" rtl="0" algn="l">
-              <a:spcBef>
-                <a:spcPts val="0"/>
-              </a:spcBef>
-              <a:spcAft>
-                <a:spcPts val="0"/>
-              </a:spcAft>
-              <a:buNone/>
-            </a:pPr>
             <a:r>
-              <a:rPr lang="zh-TW"/>
+              <a:rPr lang="zh-TW" altLang="en-US" dirty="0" smtClean="0"/>
               <a:t>網站架構</a:t>
             </a:r>
-            <a:endParaRPr/>
+            <a:r>
+              <a:rPr lang="en-US" altLang="zh-TW" dirty="0" smtClean="0">
+                <a:latin typeface="+mn-lt"/>
+              </a:rPr>
+              <a:t>-</a:t>
+            </a:r>
+            <a:r>
+              <a:rPr lang="zh-TW" altLang="en-US" dirty="0" smtClean="0">
+                <a:solidFill>
+                  <a:schemeClr val="tx1"/>
+                </a:solidFill>
+                <a:latin typeface="+mn-lt"/>
+              </a:rPr>
+              <a:t>內頁</a:t>
+            </a:r>
+            <a:endParaRPr lang="zh-TW" altLang="en-US" dirty="0">
+              <a:solidFill>
+                <a:schemeClr val="tx1"/>
+              </a:solidFill>
+            </a:endParaRPr>
           </a:p>
         </p:txBody>
       </p:sp>
       <p:pic>
         <p:nvPicPr>
-          <p:cNvPr id="76" name="Google Shape;76;p16"/>
-          <p:cNvPicPr preferRelativeResize="0"/>
+          <p:cNvPr id="2050" name="Picture 2"/>
+          <p:cNvPicPr>
+            <a:picLocks noChangeAspect="1" noChangeArrowheads="1"/>
+          </p:cNvPicPr>
           <p:nvPr/>
         </p:nvPicPr>
         <p:blipFill rotWithShape="1">
-          <a:blip r:embed="rId3">
-            <a:alphaModFix/>
+          <a:blip r:embed="rId2">
+            <a:extLst>
+              <a:ext uri="{28A0092B-C50C-407E-A947-70E740481C1C}">
+                <a14:useLocalDpi xmlns:a14="http://schemas.microsoft.com/office/drawing/2010/main" val="0"/>
+              </a:ext>
+            </a:extLst>
           </a:blip>
-          <a:srcRect b="16684" l="26667" r="15572" t="24774"/>
+          <a:srcRect t="10517" r="11958" b="9245"/>
           <a:stretch/>
         </p:blipFill>
-        <p:spPr>
+        <p:spPr bwMode="auto">
           <a:xfrm>
-            <a:off x="803121" y="768150"/>
-            <a:ext cx="7537805" cy="4297250"/>
+            <a:off x="56255" y="954157"/>
+            <a:ext cx="6217324" cy="3689405"/>
           </a:xfrm>
           <a:prstGeom prst="rect">
             <a:avLst/>
@@ -7379,9 +8007,117 @@
           <a:ln>
             <a:noFill/>
           </a:ln>
+          <a:extLst>
+            <a:ext uri="{909E8E84-426E-40DD-AFC4-6F175D3DCCD1}">
+              <a14:hiddenFill xmlns:a14="http://schemas.microsoft.com/office/drawing/2010/main">
+                <a:solidFill>
+                  <a:schemeClr val="accent1"/>
+                </a:solidFill>
+              </a14:hiddenFill>
+            </a:ext>
+            <a:ext uri="{91240B29-F687-4F45-9708-019B960494DF}">
+              <a14:hiddenLine xmlns:a14="http://schemas.microsoft.com/office/drawing/2010/main" w="9525">
+                <a:solidFill>
+                  <a:schemeClr val="tx1"/>
+                </a:solidFill>
+                <a:miter lim="800000"/>
+                <a:headEnd/>
+                <a:tailEnd/>
+              </a14:hiddenLine>
+            </a:ext>
+          </a:extLst>
         </p:spPr>
       </p:pic>
+      <p:sp>
+        <p:nvSpPr>
+          <p:cNvPr id="4" name="文字方塊 3"/>
+          <p:cNvSpPr txBox="1"/>
+          <p:nvPr/>
+        </p:nvSpPr>
+        <p:spPr>
+          <a:xfrm>
+            <a:off x="6416702" y="954157"/>
+            <a:ext cx="2608027" cy="3416320"/>
+          </a:xfrm>
+          <a:prstGeom prst="rect">
+            <a:avLst/>
+          </a:prstGeom>
+          <a:noFill/>
+        </p:spPr>
+        <p:txBody>
+          <a:bodyPr wrap="square" rtlCol="0">
+            <a:spAutoFit/>
+          </a:bodyPr>
+          <a:lstStyle/>
+          <a:p>
+            <a:r>
+              <a:rPr lang="zh-TW" altLang="en-US" sz="1800" dirty="0" smtClean="0"/>
+              <a:t>左邊是卡片的樣子可以在圖片下面打字</a:t>
+            </a:r>
+            <a:endParaRPr lang="en-US" altLang="zh-TW" sz="1800" dirty="0" smtClean="0"/>
+          </a:p>
+          <a:p>
+            <a:r>
+              <a:rPr lang="zh-TW" altLang="en-US" sz="1800" dirty="0" smtClean="0"/>
+              <a:t>右邊是美化卡片的功能，能夠選擇圖片、改</a:t>
+            </a:r>
+            <a:r>
+              <a:rPr lang="zh-TW" altLang="en-US" sz="1800" dirty="0"/>
+              <a:t>變</a:t>
+            </a:r>
+            <a:r>
+              <a:rPr lang="zh-TW" altLang="en-US" sz="1800" dirty="0" smtClean="0"/>
+              <a:t>文字顏色字體和邊框等</a:t>
+            </a:r>
+            <a:r>
+              <a:rPr lang="en-US" altLang="zh-TW" sz="1800" dirty="0" smtClean="0"/>
+              <a:t>…</a:t>
+            </a:r>
+          </a:p>
+          <a:p>
+            <a:r>
+              <a:rPr lang="zh-TW" altLang="en-US" sz="1800" dirty="0"/>
+              <a:t>最下面有兩個</a:t>
+            </a:r>
+            <a:r>
+              <a:rPr lang="zh-TW" altLang="en-US" sz="1800" dirty="0" smtClean="0"/>
+              <a:t>按鈕</a:t>
+            </a:r>
+            <a:r>
+              <a:rPr lang="en-US" altLang="zh-TW" sz="1800" dirty="0" smtClean="0"/>
+              <a:t>:</a:t>
+            </a:r>
+          </a:p>
+          <a:p>
+            <a:r>
+              <a:rPr lang="en-US" altLang="zh-TW" sz="1800" dirty="0" smtClean="0"/>
+              <a:t>Take screenshot</a:t>
+            </a:r>
+            <a:r>
+              <a:rPr lang="zh-TW" altLang="en-US" sz="1800" dirty="0" smtClean="0"/>
+              <a:t>可以將卡片截圖，以供使用者下載圖片</a:t>
+            </a:r>
+            <a:endParaRPr lang="en-US" altLang="zh-TW" sz="1800" dirty="0" smtClean="0"/>
+          </a:p>
+          <a:p>
+            <a:r>
+              <a:rPr lang="en-US" altLang="zh-TW" sz="1800" dirty="0" smtClean="0"/>
+              <a:t>Sent</a:t>
+            </a:r>
+            <a:r>
+              <a:rPr lang="zh-TW" altLang="en-US" sz="1800" dirty="0" smtClean="0"/>
+              <a:t>可以在使用者下載完圖片後方便他們寄出卡片</a:t>
+            </a:r>
+            <a:endParaRPr lang="zh-TW" altLang="en-US" sz="1800" dirty="0"/>
+          </a:p>
+        </p:txBody>
+      </p:sp>
     </p:spTree>
+    <p:extLst>
+      <p:ext uri="{BB962C8B-B14F-4D97-AF65-F5344CB8AC3E}">
+        <p14:creationId xmlns:p14="http://schemas.microsoft.com/office/powerpoint/2010/main" val="2024580295"/>
+      </p:ext>
+    </p:extLst>
   </p:cSld>
   <p:clrMapOvr>
     <a:masterClrMapping/>
@@ -7389,12 +8125,12 @@
 </p:sld>
 </file>
 
-<file path=ppt/slides/slide5.xml><?xml version="1.0" encoding="utf-8"?>
-<p:sld xmlns:a="http://schemas.openxmlformats.org/drawingml/2006/main" xmlns:r="http://schemas.openxmlformats.org/officeDocument/2006/relationships" xmlns:mc="http://schemas.openxmlformats.org/markup-compatibility/2006" xmlns:mv="urn:schemas-microsoft-com:mac:vml" xmlns:p="http://schemas.openxmlformats.org/presentationml/2006/main" xmlns:c="http://schemas.openxmlformats.org/drawingml/2006/chart" xmlns:dgm="http://schemas.openxmlformats.org/drawingml/2006/diagram" xmlns:o="urn:schemas-microsoft-com:office:office" xmlns:v="urn:schemas-microsoft-com:vml" xmlns:pvml="urn:schemas-microsoft-com:office:powerpoint" xmlns:com="http://schemas.openxmlformats.org/drawingml/2006/compatibility" xmlns:p14="http://schemas.microsoft.com/office/powerpoint/2010/main" xmlns:p15="http://schemas.microsoft.com/office/powerpoint/2012/main" xmlns:ahyp="http://schemas.microsoft.com/office/drawing/2018/hyperlinkcolor">
+<file path=ppt/slides/slide6.xml><?xml version="1.0" encoding="utf-8"?>
+<p:sld xmlns:a="http://schemas.openxmlformats.org/drawingml/2006/main" xmlns:r="http://schemas.openxmlformats.org/officeDocument/2006/relationships" xmlns:p="http://schemas.openxmlformats.org/presentationml/2006/main">
   <p:cSld>
     <p:spTree>
       <p:nvGrpSpPr>
-        <p:cNvPr id="80" name="Shape 80"/>
+        <p:cNvPr id="1" name="Shape 80"/>
         <p:cNvGrpSpPr/>
         <p:nvPr/>
       </p:nvGrpSpPr>
@@ -7409,7 +8145,9 @@
       <p:sp>
         <p:nvSpPr>
           <p:cNvPr id="81" name="Google Shape;81;p17"/>
-          <p:cNvSpPr txBox="1"/>
+          <p:cNvSpPr txBox="1">
+            <a:spLocks noGrp="1"/>
+          </p:cNvSpPr>
           <p:nvPr>
             <p:ph type="title"/>
           </p:nvPr>
@@ -7424,12 +8162,12 @@
           </a:prstGeom>
         </p:spPr>
         <p:txBody>
-          <a:bodyPr anchorCtr="0" anchor="t" bIns="91425" lIns="91425" spcFirstLastPara="1" rIns="91425" wrap="square" tIns="91425">
+          <a:bodyPr spcFirstLastPara="1" wrap="square" lIns="91425" tIns="91425" rIns="91425" bIns="91425" anchor="t" anchorCtr="0">
             <a:noAutofit/>
           </a:bodyPr>
           <a:lstStyle/>
           <a:p>
-            <a:pPr indent="0" lvl="0" marL="0" rtl="0" algn="l">
+            <a:pPr marL="0" lvl="0" indent="0" algn="l" rtl="0">
               <a:spcBef>
                 <a:spcPts val="0"/>
               </a:spcBef>
@@ -7449,9 +8187,11 @@
       <p:sp>
         <p:nvSpPr>
           <p:cNvPr id="82" name="Google Shape;82;p17"/>
-          <p:cNvSpPr txBox="1"/>
+          <p:cNvSpPr txBox="1">
+            <a:spLocks noGrp="1"/>
+          </p:cNvSpPr>
           <p:nvPr>
-            <p:ph idx="1" type="body"/>
+            <p:ph type="body" idx="1"/>
           </p:nvPr>
         </p:nvSpPr>
         <p:spPr>
@@ -7464,12 +8204,12 @@
           </a:prstGeom>
         </p:spPr>
         <p:txBody>
-          <a:bodyPr anchorCtr="0" anchor="t" bIns="91425" lIns="91425" spcFirstLastPara="1" rIns="91425" wrap="square" tIns="91425">
+          <a:bodyPr spcFirstLastPara="1" wrap="square" lIns="91425" tIns="91425" rIns="91425" bIns="91425" anchor="t" anchorCtr="0">
             <a:noAutofit/>
           </a:bodyPr>
           <a:lstStyle/>
           <a:p>
-            <a:pPr indent="-339725" lvl="0" marL="457200" rtl="0" algn="l">
+            <a:pPr marL="457200" lvl="0" indent="-339725" algn="l" rtl="0">
               <a:lnSpc>
                 <a:spcPct val="150000"/>
               </a:lnSpc>
@@ -7486,21 +8226,21 @@
               <a:buChar char="●"/>
             </a:pPr>
             <a:r>
-              <a:rPr b="1" lang="zh-TW" sz="1750">
+              <a:rPr lang="zh-TW" sz="1750" b="1">
                 <a:solidFill>
                   <a:schemeClr val="dk1"/>
                 </a:solidFill>
               </a:rPr>
               <a:t>HTML5</a:t>
             </a:r>
-            <a:endParaRPr b="1" sz="1750">
+            <a:endParaRPr sz="1750" b="1">
               <a:solidFill>
                 <a:schemeClr val="dk1"/>
               </a:solidFill>
             </a:endParaRPr>
           </a:p>
           <a:p>
-            <a:pPr indent="-339725" lvl="0" marL="457200" rtl="0" algn="l">
+            <a:pPr marL="457200" lvl="0" indent="-339725" algn="l" rtl="0">
               <a:lnSpc>
                 <a:spcPct val="150000"/>
               </a:lnSpc>
@@ -7517,21 +8257,21 @@
               <a:buChar char="●"/>
             </a:pPr>
             <a:r>
-              <a:rPr b="1" lang="zh-TW" sz="1750">
+              <a:rPr lang="zh-TW" sz="1750" b="1">
                 <a:solidFill>
                   <a:schemeClr val="dk1"/>
                 </a:solidFill>
               </a:rPr>
               <a:t> CSS </a:t>
             </a:r>
-            <a:endParaRPr b="1" sz="1750">
+            <a:endParaRPr sz="1750" b="1">
               <a:solidFill>
                 <a:schemeClr val="dk1"/>
               </a:solidFill>
             </a:endParaRPr>
           </a:p>
           <a:p>
-            <a:pPr indent="-339725" lvl="0" marL="457200" rtl="0" algn="l">
+            <a:pPr marL="457200" lvl="0" indent="-339725" algn="l" rtl="0">
               <a:lnSpc>
                 <a:spcPct val="150000"/>
               </a:lnSpc>
@@ -7548,21 +8288,21 @@
               <a:buChar char="●"/>
             </a:pPr>
             <a:r>
-              <a:rPr b="1" lang="zh-TW" sz="1750">
+              <a:rPr lang="zh-TW" sz="1750" b="1">
                 <a:solidFill>
                   <a:schemeClr val="dk1"/>
                 </a:solidFill>
               </a:rPr>
               <a:t>JavaScript</a:t>
             </a:r>
-            <a:endParaRPr b="1" sz="1750">
+            <a:endParaRPr sz="1750" b="1">
               <a:solidFill>
                 <a:schemeClr val="dk1"/>
               </a:solidFill>
             </a:endParaRPr>
           </a:p>
           <a:p>
-            <a:pPr indent="-339725" lvl="0" marL="457200" rtl="0" algn="l">
+            <a:pPr marL="457200" lvl="0" indent="-339725" algn="l" rtl="0">
               <a:lnSpc>
                 <a:spcPct val="150000"/>
               </a:lnSpc>
@@ -7579,21 +8319,21 @@
               <a:buChar char="●"/>
             </a:pPr>
             <a:r>
-              <a:rPr b="1" lang="zh-TW" sz="1750">
+              <a:rPr lang="zh-TW" sz="1750" b="1">
                 <a:solidFill>
                   <a:schemeClr val="dk1"/>
                 </a:solidFill>
               </a:rPr>
               <a:t>HTML2 canvas </a:t>
             </a:r>
-            <a:endParaRPr b="1" sz="1750">
+            <a:endParaRPr sz="1750" b="1">
               <a:solidFill>
                 <a:schemeClr val="dk1"/>
               </a:solidFill>
             </a:endParaRPr>
           </a:p>
           <a:p>
-            <a:pPr indent="0" lvl="0" marL="0" rtl="0" algn="l">
+            <a:pPr marL="0" lvl="0" indent="0" algn="l" rtl="0">
               <a:spcBef>
                 <a:spcPts val="1600"/>
               </a:spcBef>
@@ -7602,9 +8342,6 @@
               </a:spcAft>
               <a:buNone/>
             </a:pPr>
-            <a:r>
-              <a:t/>
-            </a:r>
             <a:endParaRPr sz="1750">
               <a:solidFill>
                 <a:schemeClr val="dk1"/>
@@ -7624,12 +8361,12 @@
 </p:sld>
 </file>
 
-<file path=ppt/slides/slide6.xml><?xml version="1.0" encoding="utf-8"?>
-<p:sld xmlns:a="http://schemas.openxmlformats.org/drawingml/2006/main" xmlns:r="http://schemas.openxmlformats.org/officeDocument/2006/relationships" xmlns:mc="http://schemas.openxmlformats.org/markup-compatibility/2006" xmlns:mv="urn:schemas-microsoft-com:mac:vml" xmlns:p="http://schemas.openxmlformats.org/presentationml/2006/main" xmlns:c="http://schemas.openxmlformats.org/drawingml/2006/chart" xmlns:dgm="http://schemas.openxmlformats.org/drawingml/2006/diagram" xmlns:o="urn:schemas-microsoft-com:office:office" xmlns:v="urn:schemas-microsoft-com:vml" xmlns:pvml="urn:schemas-microsoft-com:office:powerpoint" xmlns:com="http://schemas.openxmlformats.org/drawingml/2006/compatibility" xmlns:p14="http://schemas.microsoft.com/office/powerpoint/2010/main" xmlns:p15="http://schemas.microsoft.com/office/powerpoint/2012/main" xmlns:ahyp="http://schemas.microsoft.com/office/drawing/2018/hyperlinkcolor">
+<file path=ppt/slides/slide7.xml><?xml version="1.0" encoding="utf-8"?>
+<p:sld xmlns:a="http://schemas.openxmlformats.org/drawingml/2006/main" xmlns:r="http://schemas.openxmlformats.org/officeDocument/2006/relationships" xmlns:p="http://schemas.openxmlformats.org/presentationml/2006/main">
   <p:cSld>
     <p:spTree>
       <p:nvGrpSpPr>
-        <p:cNvPr id="86" name="Shape 86"/>
+        <p:cNvPr id="1" name="Shape 86"/>
         <p:cNvGrpSpPr/>
         <p:nvPr/>
       </p:nvGrpSpPr>
@@ -7644,7 +8381,9 @@
       <p:sp>
         <p:nvSpPr>
           <p:cNvPr id="87" name="Google Shape;87;p18"/>
-          <p:cNvSpPr txBox="1"/>
+          <p:cNvSpPr txBox="1">
+            <a:spLocks noGrp="1"/>
+          </p:cNvSpPr>
           <p:nvPr>
             <p:ph type="title"/>
           </p:nvPr>
@@ -7659,12 +8398,12 @@
           </a:prstGeom>
         </p:spPr>
         <p:txBody>
-          <a:bodyPr anchorCtr="0" anchor="t" bIns="91425" lIns="91425" spcFirstLastPara="1" rIns="91425" wrap="square" tIns="91425">
+          <a:bodyPr spcFirstLastPara="1" wrap="square" lIns="91425" tIns="91425" rIns="91425" bIns="91425" anchor="t" anchorCtr="0">
             <a:noAutofit/>
           </a:bodyPr>
           <a:lstStyle/>
           <a:p>
-            <a:pPr indent="0" lvl="0" marL="0" rtl="0" algn="l">
+            <a:pPr marL="0" lvl="0" indent="0" algn="l" rtl="0">
               <a:spcBef>
                 <a:spcPts val="0"/>
               </a:spcBef>
@@ -7684,9 +8423,11 @@
       <p:sp>
         <p:nvSpPr>
           <p:cNvPr id="88" name="Google Shape;88;p18"/>
-          <p:cNvSpPr txBox="1"/>
+          <p:cNvSpPr txBox="1">
+            <a:spLocks noGrp="1"/>
+          </p:cNvSpPr>
           <p:nvPr>
-            <p:ph idx="1" type="body"/>
+            <p:ph type="body" idx="1"/>
           </p:nvPr>
         </p:nvSpPr>
         <p:spPr>
@@ -7699,12 +8440,12 @@
           </a:prstGeom>
         </p:spPr>
         <p:txBody>
-          <a:bodyPr anchorCtr="0" anchor="t" bIns="91425" lIns="91425" spcFirstLastPara="1" rIns="91425" wrap="square" tIns="91425">
+          <a:bodyPr spcFirstLastPara="1" wrap="square" lIns="91425" tIns="91425" rIns="91425" bIns="91425" anchor="t" anchorCtr="0">
             <a:noAutofit/>
           </a:bodyPr>
           <a:lstStyle/>
           <a:p>
-            <a:pPr indent="0" lvl="0" marL="0" rtl="0" algn="l">
+            <a:pPr marL="0" lvl="0" indent="0" algn="l" rtl="0">
               <a:spcBef>
                 <a:spcPts val="0"/>
               </a:spcBef>
@@ -7714,21 +8455,21 @@
               <a:buNone/>
             </a:pPr>
             <a:r>
-              <a:rPr b="1" lang="zh-TW" sz="2100">
+              <a:rPr lang="zh-TW" sz="2100" b="1">
                 <a:solidFill>
                   <a:srgbClr val="A64D79"/>
                 </a:solidFill>
               </a:rPr>
               <a:t>CSS</a:t>
             </a:r>
-            <a:endParaRPr b="1" sz="2100">
+            <a:endParaRPr sz="2100" b="1">
               <a:solidFill>
                 <a:srgbClr val="A64D79"/>
               </a:solidFill>
             </a:endParaRPr>
           </a:p>
           <a:p>
-            <a:pPr indent="0" lvl="0" marL="0" rtl="0" algn="l">
+            <a:pPr marL="0" lvl="0" indent="0" algn="l" rtl="0">
               <a:spcBef>
                 <a:spcPts val="500"/>
               </a:spcBef>
@@ -7747,31 +8488,7 @@
                 <a:cs typeface="Arial"/>
                 <a:sym typeface="Arial"/>
               </a:rPr>
-              <a:t>利用CSS的設定設計卡片的樣子，也用它來做排版、</a:t>
-            </a:r>
-            <a:r>
-              <a:rPr lang="zh-TW" sz="2000">
-                <a:solidFill>
-                  <a:srgbClr val="4E3B30"/>
-                </a:solidFill>
-                <a:latin typeface="Arial"/>
-                <a:ea typeface="Arial"/>
-                <a:cs typeface="Arial"/>
-                <a:sym typeface="Arial"/>
-              </a:rPr>
-              <a:t>網頁美化</a:t>
-            </a:r>
-            <a:r>
-              <a:rPr lang="zh-TW" sz="2000">
-                <a:solidFill>
-                  <a:srgbClr val="4E3B30"/>
-                </a:solidFill>
-                <a:latin typeface="Arial"/>
-                <a:ea typeface="Arial"/>
-                <a:cs typeface="Arial"/>
-                <a:sym typeface="Arial"/>
-              </a:rPr>
-              <a:t>。</a:t>
+              <a:t>利用CSS的設定設計卡片的樣子，也用它來做排版、網頁美化。</a:t>
             </a:r>
             <a:endParaRPr sz="2000">
               <a:solidFill>
@@ -7784,7 +8501,7 @@
             </a:endParaRPr>
           </a:p>
           <a:p>
-            <a:pPr indent="0" lvl="0" marL="0" rtl="0" algn="l">
+            <a:pPr marL="0" lvl="0" indent="0" algn="l" rtl="0">
               <a:spcBef>
                 <a:spcPts val="0"/>
               </a:spcBef>
@@ -7793,17 +8510,14 @@
               </a:spcAft>
               <a:buNone/>
             </a:pPr>
-            <a:r>
-              <a:t/>
-            </a:r>
-            <a:endParaRPr b="1" sz="2100">
+            <a:endParaRPr sz="2100" b="1">
               <a:solidFill>
                 <a:srgbClr val="A64D79"/>
               </a:solidFill>
             </a:endParaRPr>
           </a:p>
           <a:p>
-            <a:pPr indent="0" lvl="0" marL="0" rtl="0" algn="l">
+            <a:pPr marL="0" lvl="0" indent="0" algn="l" rtl="0">
               <a:spcBef>
                 <a:spcPts val="0"/>
               </a:spcBef>
@@ -7813,21 +8527,21 @@
               <a:buNone/>
             </a:pPr>
             <a:r>
-              <a:rPr b="1" lang="zh-TW" sz="2100">
+              <a:rPr lang="zh-TW" sz="2100" b="1">
                 <a:solidFill>
                   <a:srgbClr val="A64D79"/>
                 </a:solidFill>
               </a:rPr>
               <a:t>Javascript</a:t>
             </a:r>
-            <a:endParaRPr b="1" sz="2100">
+            <a:endParaRPr sz="2100" b="1">
               <a:solidFill>
                 <a:srgbClr val="A64D79"/>
               </a:solidFill>
             </a:endParaRPr>
           </a:p>
           <a:p>
-            <a:pPr indent="0" lvl="0" marL="0" rtl="0" algn="l">
+            <a:pPr marL="0" lvl="0" indent="0" algn="l" rtl="0">
               <a:spcBef>
                 <a:spcPts val="500"/>
               </a:spcBef>
@@ -7848,14 +8562,14 @@
               </a:rPr>
               <a:t>用來做卡片的功能，讓卡片更加符合使用者需求。</a:t>
             </a:r>
-            <a:endParaRPr b="1" sz="2100">
+            <a:endParaRPr sz="2100" b="1">
               <a:solidFill>
                 <a:srgbClr val="A64D79"/>
               </a:solidFill>
             </a:endParaRPr>
           </a:p>
           <a:p>
-            <a:pPr indent="0" lvl="0" marL="0" rtl="0" algn="l">
+            <a:pPr marL="0" lvl="0" indent="0" algn="l" rtl="0">
               <a:spcBef>
                 <a:spcPts val="0"/>
               </a:spcBef>
@@ -7864,10 +8578,7 @@
               </a:spcAft>
               <a:buNone/>
             </a:pPr>
-            <a:r>
-              <a:t/>
-            </a:r>
-            <a:endParaRPr b="1" sz="2100">
+            <a:endParaRPr sz="2100" b="1">
               <a:solidFill>
                 <a:srgbClr val="A64D79"/>
               </a:solidFill>
@@ -7883,12 +8594,12 @@
 </p:sld>
 </file>
 
-<file path=ppt/slides/slide7.xml><?xml version="1.0" encoding="utf-8"?>
-<p:sld xmlns:a="http://schemas.openxmlformats.org/drawingml/2006/main" xmlns:r="http://schemas.openxmlformats.org/officeDocument/2006/relationships" xmlns:mc="http://schemas.openxmlformats.org/markup-compatibility/2006" xmlns:mv="urn:schemas-microsoft-com:mac:vml" xmlns:p="http://schemas.openxmlformats.org/presentationml/2006/main" xmlns:c="http://schemas.openxmlformats.org/drawingml/2006/chart" xmlns:dgm="http://schemas.openxmlformats.org/drawingml/2006/diagram" xmlns:o="urn:schemas-microsoft-com:office:office" xmlns:v="urn:schemas-microsoft-com:vml" xmlns:pvml="urn:schemas-microsoft-com:office:powerpoint" xmlns:com="http://schemas.openxmlformats.org/drawingml/2006/compatibility" xmlns:p14="http://schemas.microsoft.com/office/powerpoint/2010/main" xmlns:p15="http://schemas.microsoft.com/office/powerpoint/2012/main" xmlns:ahyp="http://schemas.microsoft.com/office/drawing/2018/hyperlinkcolor">
+<file path=ppt/slides/slide8.xml><?xml version="1.0" encoding="utf-8"?>
+<p:sld xmlns:a="http://schemas.openxmlformats.org/drawingml/2006/main" xmlns:r="http://schemas.openxmlformats.org/officeDocument/2006/relationships" xmlns:p="http://schemas.openxmlformats.org/presentationml/2006/main">
   <p:cSld>
     <p:spTree>
       <p:nvGrpSpPr>
-        <p:cNvPr id="92" name="Shape 92"/>
+        <p:cNvPr id="1" name="Shape 92"/>
         <p:cNvGrpSpPr/>
         <p:nvPr/>
       </p:nvGrpSpPr>
@@ -7903,7 +8614,9 @@
       <p:sp>
         <p:nvSpPr>
           <p:cNvPr id="93" name="Google Shape;93;p19"/>
-          <p:cNvSpPr txBox="1"/>
+          <p:cNvSpPr txBox="1">
+            <a:spLocks noGrp="1"/>
+          </p:cNvSpPr>
           <p:nvPr>
             <p:ph type="title"/>
           </p:nvPr>
@@ -7918,12 +8631,12 @@
           </a:prstGeom>
         </p:spPr>
         <p:txBody>
-          <a:bodyPr anchorCtr="0" anchor="t" bIns="91425" lIns="91425" spcFirstLastPara="1" rIns="91425" wrap="square" tIns="91425">
+          <a:bodyPr spcFirstLastPara="1" wrap="square" lIns="91425" tIns="91425" rIns="91425" bIns="91425" anchor="t" anchorCtr="0">
             <a:noAutofit/>
           </a:bodyPr>
           <a:lstStyle/>
           <a:p>
-            <a:pPr indent="0" lvl="0" marL="0" rtl="0" algn="l">
+            <a:pPr marL="0" lvl="0" indent="0" algn="l" rtl="0">
               <a:spcBef>
                 <a:spcPts val="0"/>
               </a:spcBef>
@@ -7943,9 +8656,11 @@
       <p:sp>
         <p:nvSpPr>
           <p:cNvPr id="94" name="Google Shape;94;p19"/>
-          <p:cNvSpPr txBox="1"/>
+          <p:cNvSpPr txBox="1">
+            <a:spLocks noGrp="1"/>
+          </p:cNvSpPr>
           <p:nvPr>
-            <p:ph idx="1" type="body"/>
+            <p:ph type="body" idx="1"/>
           </p:nvPr>
         </p:nvSpPr>
         <p:spPr>
@@ -7958,12 +8673,12 @@
           </a:prstGeom>
         </p:spPr>
         <p:txBody>
-          <a:bodyPr anchorCtr="0" anchor="t" bIns="91425" lIns="91425" spcFirstLastPara="1" rIns="91425" wrap="square" tIns="91425">
+          <a:bodyPr spcFirstLastPara="1" wrap="square" lIns="91425" tIns="91425" rIns="91425" bIns="91425" anchor="t" anchorCtr="0">
             <a:noAutofit/>
           </a:bodyPr>
           <a:lstStyle/>
           <a:p>
-            <a:pPr indent="0" lvl="0" marL="0" rtl="0" algn="l">
+            <a:pPr marL="0" lvl="0" indent="0" algn="l" rtl="0">
               <a:lnSpc>
                 <a:spcPct val="135714"/>
               </a:lnSpc>
@@ -7976,7 +8691,7 @@
               <a:buNone/>
             </a:pPr>
             <a:r>
-              <a:rPr b="1" lang="zh-TW" sz="1950">
+              <a:rPr lang="zh-TW" sz="1950" b="1" dirty="0">
                 <a:solidFill>
                   <a:srgbClr val="A64D79"/>
                 </a:solidFill>
@@ -7985,9 +8700,21 @@
                 <a:cs typeface="Courier New"/>
                 <a:sym typeface="Courier New"/>
               </a:rPr>
-              <a:t>用HTMLcanvas將卡片轉成圖片檔</a:t>
+              <a:t>用HTMLcanvas將卡片轉成圖片</a:t>
             </a:r>
-            <a:endParaRPr b="1" sz="1950">
+            <a:r>
+              <a:rPr lang="zh-TW" sz="1950" b="1" dirty="0" smtClean="0">
+                <a:solidFill>
+                  <a:srgbClr val="A64D79"/>
+                </a:solidFill>
+                <a:latin typeface="Courier New"/>
+                <a:ea typeface="Courier New"/>
+                <a:cs typeface="Courier New"/>
+                <a:sym typeface="Courier New"/>
+              </a:rPr>
+              <a:t>檔</a:t>
+            </a:r>
+            <a:endParaRPr sz="1950" b="1" dirty="0">
               <a:solidFill>
                 <a:srgbClr val="A64D79"/>
               </a:solidFill>
@@ -7998,7 +8725,7 @@
             </a:endParaRPr>
           </a:p>
           <a:p>
-            <a:pPr indent="0" lvl="0" marL="0" rtl="0" algn="l">
+            <a:pPr marL="0" lvl="0" indent="0" algn="l" rtl="0">
               <a:lnSpc>
                 <a:spcPct val="135714"/>
               </a:lnSpc>
@@ -8011,7 +8738,7 @@
               <a:buNone/>
             </a:pPr>
             <a:r>
-              <a:rPr b="1" lang="zh-TW" sz="1850">
+              <a:rPr lang="zh-TW" sz="1850" b="1" dirty="0">
                 <a:solidFill>
                   <a:srgbClr val="000000"/>
                 </a:solidFill>
@@ -8022,7 +8749,7 @@
               </a:rPr>
               <a:t>function screenshot(){</a:t>
             </a:r>
-            <a:endParaRPr b="1" sz="1850">
+            <a:endParaRPr sz="1850" b="1" dirty="0">
               <a:solidFill>
                 <a:srgbClr val="000000"/>
               </a:solidFill>
@@ -8033,7 +8760,7 @@
             </a:endParaRPr>
           </a:p>
           <a:p>
-            <a:pPr indent="0" lvl="0" marL="0" rtl="0" algn="l">
+            <a:pPr marL="0" lvl="0" indent="0" algn="l" rtl="0">
               <a:lnSpc>
                 <a:spcPct val="135714"/>
               </a:lnSpc>
@@ -8046,7 +8773,7 @@
               <a:buNone/>
             </a:pPr>
             <a:r>
-              <a:rPr b="1" lang="zh-TW" sz="1850">
+              <a:rPr lang="zh-TW" sz="1850" b="1" dirty="0">
                 <a:solidFill>
                   <a:srgbClr val="000000"/>
                 </a:solidFill>
@@ -8057,7 +8784,7 @@
               </a:rPr>
               <a:t>    html2canvas(document.getElementById("container"))</a:t>
             </a:r>
-            <a:endParaRPr b="1" sz="1850">
+            <a:endParaRPr sz="1850" b="1" dirty="0">
               <a:solidFill>
                 <a:srgbClr val="000000"/>
               </a:solidFill>
@@ -8068,7 +8795,7 @@
             </a:endParaRPr>
           </a:p>
           <a:p>
-            <a:pPr indent="457200" lvl="0" marL="0" rtl="0" algn="l">
+            <a:pPr marL="0" lvl="0" indent="457200" algn="l" rtl="0">
               <a:lnSpc>
                 <a:spcPct val="135714"/>
               </a:lnSpc>
@@ -8081,7 +8808,7 @@
               <a:buNone/>
             </a:pPr>
             <a:r>
-              <a:rPr b="1" lang="zh-TW" sz="1850">
+              <a:rPr lang="zh-TW" sz="1850" b="1" dirty="0">
                 <a:solidFill>
                   <a:srgbClr val="000000"/>
                 </a:solidFill>
@@ -8092,7 +8819,7 @@
               </a:rPr>
               <a:t>.then(function(canvas) {</a:t>
             </a:r>
-            <a:endParaRPr b="1" sz="1850">
+            <a:endParaRPr sz="1850" b="1" dirty="0">
               <a:solidFill>
                 <a:srgbClr val="000000"/>
               </a:solidFill>
@@ -8103,7 +8830,7 @@
             </a:endParaRPr>
           </a:p>
           <a:p>
-            <a:pPr indent="0" lvl="0" marL="0" rtl="0" algn="l">
+            <a:pPr marL="0" lvl="0" indent="0" algn="l" rtl="0">
               <a:lnSpc>
                 <a:spcPct val="135714"/>
               </a:lnSpc>
@@ -8116,7 +8843,7 @@
               <a:buNone/>
             </a:pPr>
             <a:r>
-              <a:rPr b="1" lang="zh-TW" sz="1850">
+              <a:rPr lang="zh-TW" sz="1850" b="1" dirty="0">
                 <a:solidFill>
                   <a:srgbClr val="000000"/>
                 </a:solidFill>
@@ -8127,7 +8854,7 @@
               </a:rPr>
               <a:t>        document.body.appendChild(canvas);</a:t>
             </a:r>
-            <a:endParaRPr b="1" sz="1850">
+            <a:endParaRPr sz="1850" b="1" dirty="0">
               <a:solidFill>
                 <a:srgbClr val="000000"/>
               </a:solidFill>
@@ -8138,7 +8865,7 @@
             </a:endParaRPr>
           </a:p>
           <a:p>
-            <a:pPr indent="0" lvl="0" marL="0" rtl="0" algn="l">
+            <a:pPr marL="0" lvl="0" indent="0" algn="l" rtl="0">
               <a:lnSpc>
                 <a:spcPct val="135714"/>
               </a:lnSpc>
@@ -8151,7 +8878,7 @@
               <a:buNone/>
             </a:pPr>
             <a:r>
-              <a:rPr b="1" lang="zh-TW" sz="1850">
+              <a:rPr lang="zh-TW" sz="1850" b="1" dirty="0">
                 <a:solidFill>
                   <a:srgbClr val="000000"/>
                 </a:solidFill>
@@ -8162,7 +8889,7 @@
               </a:rPr>
               <a:t>    });</a:t>
             </a:r>
-            <a:endParaRPr b="1" sz="1850">
+            <a:endParaRPr sz="1850" b="1" dirty="0">
               <a:solidFill>
                 <a:srgbClr val="000000"/>
               </a:solidFill>
@@ -8173,7 +8900,7 @@
             </a:endParaRPr>
           </a:p>
           <a:p>
-            <a:pPr indent="0" lvl="0" marL="0" rtl="0" algn="l">
+            <a:pPr marL="0" lvl="0" indent="0" algn="l" rtl="0">
               <a:lnSpc>
                 <a:spcPct val="135714"/>
               </a:lnSpc>
@@ -8186,7 +8913,7 @@
               <a:buNone/>
             </a:pPr>
             <a:r>
-              <a:rPr b="1" lang="zh-TW" sz="1850">
+              <a:rPr lang="zh-TW" sz="1850" b="1" dirty="0">
                 <a:solidFill>
                   <a:srgbClr val="000000"/>
                 </a:solidFill>
@@ -8197,7 +8924,7 @@
               </a:rPr>
               <a:t>}</a:t>
             </a:r>
-            <a:endParaRPr b="1" sz="1850">
+            <a:endParaRPr sz="1850" b="1" dirty="0">
               <a:solidFill>
                 <a:srgbClr val="000000"/>
               </a:solidFill>
@@ -8208,7 +8935,7 @@
             </a:endParaRPr>
           </a:p>
           <a:p>
-            <a:pPr indent="0" lvl="0" marL="0" rtl="0" algn="l">
+            <a:pPr marL="0" lvl="0" indent="0" algn="l" rtl="0">
               <a:lnSpc>
                 <a:spcPct val="135714"/>
               </a:lnSpc>
@@ -8221,9 +8948,30 @@
               <a:buNone/>
             </a:pPr>
             <a:r>
-              <a:t/>
+              <a:rPr lang="zh-TW" altLang="en-US" sz="1850" b="1" dirty="0" smtClean="0">
+                <a:solidFill>
+                  <a:srgbClr val="000000"/>
+                </a:solidFill>
+                <a:latin typeface="Courier New"/>
+                <a:ea typeface="Courier New"/>
+                <a:cs typeface="Courier New"/>
+                <a:sym typeface="Courier New"/>
+              </a:rPr>
+              <a:t>不知道為甚麼會失敗</a:t>
             </a:r>
-            <a:endParaRPr b="1" sz="1850">
+            <a:r>
+              <a:rPr lang="en-US" altLang="zh-TW" sz="1850" b="1" dirty="0" smtClean="0">
+                <a:solidFill>
+                  <a:srgbClr val="000000"/>
+                </a:solidFill>
+                <a:latin typeface="Courier New"/>
+                <a:ea typeface="Courier New"/>
+                <a:cs typeface="Courier New"/>
+                <a:sym typeface="Courier New"/>
+              </a:rPr>
+              <a:t>QQ</a:t>
+            </a:r>
+            <a:endParaRPr sz="1850" b="1" dirty="0">
               <a:solidFill>
                 <a:srgbClr val="000000"/>
               </a:solidFill>
@@ -8234,7 +8982,7 @@
             </a:endParaRPr>
           </a:p>
           <a:p>
-            <a:pPr indent="0" lvl="0" marL="0" rtl="0" algn="l">
+            <a:pPr marL="0" lvl="0" indent="0" algn="l" rtl="0">
               <a:spcBef>
                 <a:spcPts val="0"/>
               </a:spcBef>
@@ -8243,10 +8991,7 @@
               </a:spcAft>
               <a:buNone/>
             </a:pPr>
-            <a:r>
-              <a:t/>
-            </a:r>
-            <a:endParaRPr/>
+            <a:endParaRPr dirty="0"/>
           </a:p>
         </p:txBody>
       </p:sp>
@@ -8258,12 +9003,12 @@
 </p:sld>
 </file>
 
-<file path=ppt/slides/slide8.xml><?xml version="1.0" encoding="utf-8"?>
-<p:sld xmlns:a="http://schemas.openxmlformats.org/drawingml/2006/main" xmlns:r="http://schemas.openxmlformats.org/officeDocument/2006/relationships" xmlns:mc="http://schemas.openxmlformats.org/markup-compatibility/2006" xmlns:mv="urn:schemas-microsoft-com:mac:vml" xmlns:p="http://schemas.openxmlformats.org/presentationml/2006/main" xmlns:c="http://schemas.openxmlformats.org/drawingml/2006/chart" xmlns:dgm="http://schemas.openxmlformats.org/drawingml/2006/diagram" xmlns:o="urn:schemas-microsoft-com:office:office" xmlns:v="urn:schemas-microsoft-com:vml" xmlns:pvml="urn:schemas-microsoft-com:office:powerpoint" xmlns:com="http://schemas.openxmlformats.org/drawingml/2006/compatibility" xmlns:p14="http://schemas.microsoft.com/office/powerpoint/2010/main" xmlns:p15="http://schemas.microsoft.com/office/powerpoint/2012/main" xmlns:ahyp="http://schemas.microsoft.com/office/drawing/2018/hyperlinkcolor">
+<file path=ppt/slides/slide9.xml><?xml version="1.0" encoding="utf-8"?>
+<p:sld xmlns:a="http://schemas.openxmlformats.org/drawingml/2006/main" xmlns:r="http://schemas.openxmlformats.org/officeDocument/2006/relationships" xmlns:p="http://schemas.openxmlformats.org/presentationml/2006/main">
   <p:cSld>
     <p:spTree>
       <p:nvGrpSpPr>
-        <p:cNvPr id="98" name="Shape 98"/>
+        <p:cNvPr id="1" name="Shape 98"/>
         <p:cNvGrpSpPr/>
         <p:nvPr/>
       </p:nvGrpSpPr>
@@ -8278,7 +9023,9 @@
       <p:sp>
         <p:nvSpPr>
           <p:cNvPr id="99" name="Google Shape;99;p20"/>
-          <p:cNvSpPr txBox="1"/>
+          <p:cNvSpPr txBox="1">
+            <a:spLocks noGrp="1"/>
+          </p:cNvSpPr>
           <p:nvPr>
             <p:ph type="title"/>
           </p:nvPr>
@@ -8293,12 +9040,12 @@
           </a:prstGeom>
         </p:spPr>
         <p:txBody>
-          <a:bodyPr anchorCtr="0" anchor="t" bIns="91425" lIns="91425" spcFirstLastPara="1" rIns="91425" wrap="square" tIns="91425">
+          <a:bodyPr spcFirstLastPara="1" wrap="square" lIns="91425" tIns="91425" rIns="91425" bIns="91425" anchor="t" anchorCtr="0">
             <a:noAutofit/>
           </a:bodyPr>
           <a:lstStyle/>
           <a:p>
-            <a:pPr indent="0" lvl="0" marL="0" rtl="0" algn="l">
+            <a:pPr marL="0" lvl="0" indent="0" algn="l" rtl="0">
               <a:spcBef>
                 <a:spcPts val="0"/>
               </a:spcBef>
@@ -8323,7 +9070,7 @@
         </p:nvGraphicFramePr>
         <p:xfrm>
           <a:off x="952500" y="1807863"/>
-          <a:ext cx="3000000" cy="3000000"/>
+          <a:ext cx="7239000" cy="1527775"/>
         </p:xfrm>
         <a:graphic>
           <a:graphicData uri="http://schemas.openxmlformats.org/drawingml/2006/table">
@@ -8342,7 +9089,7 @@
                     <a:bodyPr/>
                     <a:lstStyle/>
                     <a:p>
-                      <a:pPr indent="0" lvl="0" marL="0" rtl="0" algn="ctr">
+                      <a:pPr marL="0" lvl="0" indent="0" algn="ctr" rtl="0">
                         <a:spcBef>
                           <a:spcPts val="0"/>
                         </a:spcBef>
@@ -8368,42 +9115,42 @@
                       </a:endParaRPr>
                     </a:p>
                   </a:txBody>
-                  <a:tcPr marT="91425" marB="91425" marR="91425" marL="91425">
-                    <a:lnL cap="flat" cmpd="sng" w="19050">
+                  <a:tcPr marL="91425" marR="91425" marT="91425" marB="91425">
+                    <a:lnL w="19050" cap="flat" cmpd="sng">
                       <a:solidFill>
                         <a:srgbClr val="000000"/>
                       </a:solidFill>
                       <a:prstDash val="solid"/>
                       <a:round/>
-                      <a:headEnd len="sm" w="sm" type="none"/>
-                      <a:tailEnd len="sm" w="sm" type="none"/>
+                      <a:headEnd type="none" w="sm" len="sm"/>
+                      <a:tailEnd type="none" w="sm" len="sm"/>
                     </a:lnL>
-                    <a:lnR cap="flat" cmpd="sng" w="19050">
+                    <a:lnR w="19050" cap="flat" cmpd="sng">
                       <a:solidFill>
                         <a:srgbClr val="000000"/>
                       </a:solidFill>
                       <a:prstDash val="solid"/>
                       <a:round/>
-                      <a:headEnd len="sm" w="sm" type="none"/>
-                      <a:tailEnd len="sm" w="sm" type="none"/>
+                      <a:headEnd type="none" w="sm" len="sm"/>
+                      <a:tailEnd type="none" w="sm" len="sm"/>
                     </a:lnR>
-                    <a:lnT cap="flat" cmpd="sng" w="19050">
+                    <a:lnT w="19050" cap="flat" cmpd="sng">
                       <a:solidFill>
                         <a:srgbClr val="000000"/>
                       </a:solidFill>
                       <a:prstDash val="solid"/>
                       <a:round/>
-                      <a:headEnd len="sm" w="sm" type="none"/>
-                      <a:tailEnd len="sm" w="sm" type="none"/>
+                      <a:headEnd type="none" w="sm" len="sm"/>
+                      <a:tailEnd type="none" w="sm" len="sm"/>
                     </a:lnT>
-                    <a:lnB cap="flat" cmpd="sng" w="19050">
+                    <a:lnB w="19050" cap="flat" cmpd="sng">
                       <a:solidFill>
                         <a:srgbClr val="000000"/>
                       </a:solidFill>
                       <a:prstDash val="solid"/>
                       <a:round/>
-                      <a:headEnd len="sm" w="sm" type="none"/>
-                      <a:tailEnd len="sm" w="sm" type="none"/>
+                      <a:headEnd type="none" w="sm" len="sm"/>
+                      <a:tailEnd type="none" w="sm" len="sm"/>
                     </a:lnB>
                   </a:tcPr>
                 </a:tc>
@@ -8412,7 +9159,7 @@
                     <a:bodyPr/>
                     <a:lstStyle/>
                     <a:p>
-                      <a:pPr indent="0" lvl="0" marL="0" rtl="0" algn="ctr">
+                      <a:pPr marL="0" lvl="0" indent="0" algn="ctr" rtl="0">
                         <a:spcBef>
                           <a:spcPts val="0"/>
                         </a:spcBef>
@@ -8438,42 +9185,42 @@
                       </a:endParaRPr>
                     </a:p>
                   </a:txBody>
-                  <a:tcPr marT="91425" marB="91425" marR="91425" marL="91425">
-                    <a:lnL cap="flat" cmpd="sng" w="19050">
+                  <a:tcPr marL="91425" marR="91425" marT="91425" marB="91425">
+                    <a:lnL w="19050" cap="flat" cmpd="sng">
                       <a:solidFill>
                         <a:srgbClr val="000000"/>
                       </a:solidFill>
                       <a:prstDash val="solid"/>
                       <a:round/>
-                      <a:headEnd len="sm" w="sm" type="none"/>
-                      <a:tailEnd len="sm" w="sm" type="none"/>
+                      <a:headEnd type="none" w="sm" len="sm"/>
+                      <a:tailEnd type="none" w="sm" len="sm"/>
                     </a:lnL>
-                    <a:lnR cap="flat" cmpd="sng" w="19050">
+                    <a:lnR w="19050" cap="flat" cmpd="sng">
                       <a:solidFill>
                         <a:srgbClr val="000000"/>
                       </a:solidFill>
                       <a:prstDash val="solid"/>
                       <a:round/>
-                      <a:headEnd len="sm" w="sm" type="none"/>
-                      <a:tailEnd len="sm" w="sm" type="none"/>
+                      <a:headEnd type="none" w="sm" len="sm"/>
+                      <a:tailEnd type="none" w="sm" len="sm"/>
                     </a:lnR>
-                    <a:lnT cap="flat" cmpd="sng" w="19050">
+                    <a:lnT w="19050" cap="flat" cmpd="sng">
                       <a:solidFill>
                         <a:srgbClr val="000000"/>
                       </a:solidFill>
                       <a:prstDash val="solid"/>
                       <a:round/>
-                      <a:headEnd len="sm" w="sm" type="none"/>
-                      <a:tailEnd len="sm" w="sm" type="none"/>
+                      <a:headEnd type="none" w="sm" len="sm"/>
+                      <a:tailEnd type="none" w="sm" len="sm"/>
                     </a:lnT>
-                    <a:lnB cap="flat" cmpd="sng" w="19050">
+                    <a:lnB w="19050" cap="flat" cmpd="sng">
                       <a:solidFill>
                         <a:srgbClr val="000000"/>
                       </a:solidFill>
                       <a:prstDash val="solid"/>
                       <a:round/>
-                      <a:headEnd len="sm" w="sm" type="none"/>
-                      <a:tailEnd len="sm" w="sm" type="none"/>
+                      <a:headEnd type="none" w="sm" len="sm"/>
+                      <a:tailEnd type="none" w="sm" len="sm"/>
                     </a:lnB>
                   </a:tcPr>
                 </a:tc>
@@ -8484,7 +9231,7 @@
                     <a:bodyPr/>
                     <a:lstStyle/>
                     <a:p>
-                      <a:pPr indent="0" lvl="0" marL="0" rtl="0" algn="ctr">
+                      <a:pPr marL="0" lvl="0" indent="0" algn="ctr" rtl="0">
                         <a:spcBef>
                           <a:spcPts val="0"/>
                         </a:spcBef>
@@ -8500,16 +9247,7 @@
                           <a:cs typeface="PMingLiu"/>
                           <a:sym typeface="PMingLiu"/>
                         </a:rPr>
-                        <a:t>構想(共同討論)、首頁、</a:t>
-                      </a:r>
-                      <a:r>
-                        <a:rPr lang="zh-TW" sz="2000">
-                          <a:latin typeface="PMingLiu"/>
-                          <a:ea typeface="PMingLiu"/>
-                          <a:cs typeface="PMingLiu"/>
-                          <a:sym typeface="PMingLiu"/>
-                        </a:rPr>
-                        <a:t>截圖與寄出</a:t>
+                        <a:t>構想(共同討論)、首頁、截圖與寄出</a:t>
                       </a:r>
                       <a:endParaRPr sz="2000">
                         <a:latin typeface="PMingLiu"/>
@@ -8519,42 +9257,42 @@
                       </a:endParaRPr>
                     </a:p>
                   </a:txBody>
-                  <a:tcPr marT="91425" marB="91425" marR="91425" marL="91425">
-                    <a:lnL cap="flat" cmpd="sng" w="19050">
+                  <a:tcPr marL="91425" marR="91425" marT="91425" marB="91425">
+                    <a:lnL w="19050" cap="flat" cmpd="sng">
                       <a:solidFill>
                         <a:srgbClr val="000000"/>
                       </a:solidFill>
                       <a:prstDash val="solid"/>
                       <a:round/>
-                      <a:headEnd len="sm" w="sm" type="none"/>
-                      <a:tailEnd len="sm" w="sm" type="none"/>
+                      <a:headEnd type="none" w="sm" len="sm"/>
+                      <a:tailEnd type="none" w="sm" len="sm"/>
                     </a:lnL>
-                    <a:lnR cap="flat" cmpd="sng" w="19050">
+                    <a:lnR w="19050" cap="flat" cmpd="sng">
                       <a:solidFill>
                         <a:srgbClr val="000000"/>
                       </a:solidFill>
                       <a:prstDash val="solid"/>
                       <a:round/>
-                      <a:headEnd len="sm" w="sm" type="none"/>
-                      <a:tailEnd len="sm" w="sm" type="none"/>
+                      <a:headEnd type="none" w="sm" len="sm"/>
+                      <a:tailEnd type="none" w="sm" len="sm"/>
                     </a:lnR>
-                    <a:lnT cap="flat" cmpd="sng" w="19050">
+                    <a:lnT w="19050" cap="flat" cmpd="sng">
                       <a:solidFill>
                         <a:srgbClr val="000000"/>
                       </a:solidFill>
                       <a:prstDash val="solid"/>
                       <a:round/>
-                      <a:headEnd len="sm" w="sm" type="none"/>
-                      <a:tailEnd len="sm" w="sm" type="none"/>
+                      <a:headEnd type="none" w="sm" len="sm"/>
+                      <a:tailEnd type="none" w="sm" len="sm"/>
                     </a:lnT>
-                    <a:lnB cap="flat" cmpd="sng" w="19050">
+                    <a:lnB w="19050" cap="flat" cmpd="sng">
                       <a:solidFill>
                         <a:srgbClr val="000000"/>
                       </a:solidFill>
                       <a:prstDash val="solid"/>
                       <a:round/>
-                      <a:headEnd len="sm" w="sm" type="none"/>
-                      <a:tailEnd len="sm" w="sm" type="none"/>
+                      <a:headEnd type="none" w="sm" len="sm"/>
+                      <a:tailEnd type="none" w="sm" len="sm"/>
                     </a:lnB>
                   </a:tcPr>
                 </a:tc>
@@ -8563,7 +9301,7 @@
                     <a:bodyPr/>
                     <a:lstStyle/>
                     <a:p>
-                      <a:pPr indent="0" lvl="0" marL="0" rtl="0" algn="ctr">
+                      <a:pPr marL="0" lvl="0" indent="0" algn="ctr" rtl="0">
                         <a:spcBef>
                           <a:spcPts val="0"/>
                         </a:spcBef>
@@ -8589,7 +9327,7 @@
                       </a:endParaRPr>
                     </a:p>
                     <a:p>
-                      <a:pPr indent="0" lvl="0" marL="0" rtl="0" algn="ctr">
+                      <a:pPr marL="0" lvl="0" indent="0" algn="ctr" rtl="0">
                         <a:spcBef>
                           <a:spcPts val="0"/>
                         </a:spcBef>
@@ -8615,42 +9353,42 @@
                       </a:endParaRPr>
                     </a:p>
                   </a:txBody>
-                  <a:tcPr marT="91425" marB="91425" marR="91425" marL="91425">
-                    <a:lnL cap="flat" cmpd="sng" w="19050">
+                  <a:tcPr marL="91425" marR="91425" marT="91425" marB="91425">
+                    <a:lnL w="19050" cap="flat" cmpd="sng">
                       <a:solidFill>
                         <a:srgbClr val="000000"/>
                       </a:solidFill>
                       <a:prstDash val="solid"/>
                       <a:round/>
-                      <a:headEnd len="sm" w="sm" type="none"/>
-                      <a:tailEnd len="sm" w="sm" type="none"/>
+                      <a:headEnd type="none" w="sm" len="sm"/>
+                      <a:tailEnd type="none" w="sm" len="sm"/>
                     </a:lnL>
-                    <a:lnR cap="flat" cmpd="sng" w="19050">
+                    <a:lnR w="19050" cap="flat" cmpd="sng">
                       <a:solidFill>
                         <a:srgbClr val="000000"/>
                       </a:solidFill>
                       <a:prstDash val="solid"/>
                       <a:round/>
-                      <a:headEnd len="sm" w="sm" type="none"/>
-                      <a:tailEnd len="sm" w="sm" type="none"/>
+                      <a:headEnd type="none" w="sm" len="sm"/>
+                      <a:tailEnd type="none" w="sm" len="sm"/>
                     </a:lnR>
-                    <a:lnT cap="flat" cmpd="sng" w="19050">
+                    <a:lnT w="19050" cap="flat" cmpd="sng">
                       <a:solidFill>
                         <a:srgbClr val="000000"/>
                       </a:solidFill>
                       <a:prstDash val="solid"/>
                       <a:round/>
-                      <a:headEnd len="sm" w="sm" type="none"/>
-                      <a:tailEnd len="sm" w="sm" type="none"/>
+                      <a:headEnd type="none" w="sm" len="sm"/>
+                      <a:tailEnd type="none" w="sm" len="sm"/>
                     </a:lnT>
-                    <a:lnB cap="flat" cmpd="sng" w="19050">
+                    <a:lnB w="19050" cap="flat" cmpd="sng">
                       <a:solidFill>
                         <a:srgbClr val="000000"/>
                       </a:solidFill>
                       <a:prstDash val="solid"/>
                       <a:round/>
-                      <a:headEnd len="sm" w="sm" type="none"/>
-                      <a:tailEnd len="sm" w="sm" type="none"/>
+                      <a:headEnd type="none" w="sm" len="sm"/>
+                      <a:tailEnd type="none" w="sm" len="sm"/>
                     </a:lnB>
                   </a:tcPr>
                 </a:tc>
@@ -8667,304 +9405,8 @@
 </p:sld>
 </file>
 
-<file path=ppt/slides/slide9.xml><?xml version="1.0" encoding="utf-8"?>
-<p:sld xmlns:a="http://schemas.openxmlformats.org/drawingml/2006/main" xmlns:r="http://schemas.openxmlformats.org/officeDocument/2006/relationships" xmlns:mc="http://schemas.openxmlformats.org/markup-compatibility/2006" xmlns:mv="urn:schemas-microsoft-com:mac:vml" xmlns:p="http://schemas.openxmlformats.org/presentationml/2006/main" xmlns:c="http://schemas.openxmlformats.org/drawingml/2006/chart" xmlns:dgm="http://schemas.openxmlformats.org/drawingml/2006/diagram" xmlns:o="urn:schemas-microsoft-com:office:office" xmlns:v="urn:schemas-microsoft-com:vml" xmlns:pvml="urn:schemas-microsoft-com:office:powerpoint" xmlns:com="http://schemas.openxmlformats.org/drawingml/2006/compatibility" xmlns:p14="http://schemas.microsoft.com/office/powerpoint/2010/main" xmlns:p15="http://schemas.microsoft.com/office/powerpoint/2012/main" xmlns:ahyp="http://schemas.microsoft.com/office/drawing/2018/hyperlinkcolor">
-  <p:cSld>
-    <p:spTree>
-      <p:nvGrpSpPr>
-        <p:cNvPr id="104" name="Shape 104"/>
-        <p:cNvGrpSpPr/>
-        <p:nvPr/>
-      </p:nvGrpSpPr>
-      <p:grpSpPr>
-        <a:xfrm>
-          <a:off x="0" y="0"/>
-          <a:ext cx="0" cy="0"/>
-          <a:chOff x="0" y="0"/>
-          <a:chExt cx="0" cy="0"/>
-        </a:xfrm>
-      </p:grpSpPr>
-      <p:sp>
-        <p:nvSpPr>
-          <p:cNvPr id="105" name="Google Shape;105;p21"/>
-          <p:cNvSpPr txBox="1"/>
-          <p:nvPr>
-            <p:ph type="title"/>
-          </p:nvPr>
-        </p:nvSpPr>
-        <p:spPr>
-          <a:xfrm>
-            <a:off x="311700" y="445025"/>
-            <a:ext cx="8520600" cy="572700"/>
-          </a:xfrm>
-          <a:prstGeom prst="rect">
-            <a:avLst/>
-          </a:prstGeom>
-        </p:spPr>
-        <p:txBody>
-          <a:bodyPr anchorCtr="0" anchor="t" bIns="91425" lIns="91425" spcFirstLastPara="1" rIns="91425" wrap="square" tIns="91425">
-            <a:noAutofit/>
-          </a:bodyPr>
-          <a:lstStyle/>
-          <a:p>
-            <a:pPr indent="0" lvl="0" marL="0" rtl="0" algn="l">
-              <a:spcBef>
-                <a:spcPts val="0"/>
-              </a:spcBef>
-              <a:spcAft>
-                <a:spcPts val="0"/>
-              </a:spcAft>
-              <a:buNone/>
-            </a:pPr>
-            <a:r>
-              <a:rPr lang="zh-TW"/>
-              <a:t>參考網址</a:t>
-            </a:r>
-            <a:endParaRPr/>
-          </a:p>
-        </p:txBody>
-      </p:sp>
-      <p:sp>
-        <p:nvSpPr>
-          <p:cNvPr id="106" name="Google Shape;106;p21"/>
-          <p:cNvSpPr txBox="1"/>
-          <p:nvPr>
-            <p:ph idx="1" type="body"/>
-          </p:nvPr>
-        </p:nvSpPr>
-        <p:spPr>
-          <a:xfrm>
-            <a:off x="311700" y="1152475"/>
-            <a:ext cx="8520600" cy="3416400"/>
-          </a:xfrm>
-          <a:prstGeom prst="rect">
-            <a:avLst/>
-          </a:prstGeom>
-        </p:spPr>
-        <p:txBody>
-          <a:bodyPr anchorCtr="0" anchor="t" bIns="91425" lIns="91425" spcFirstLastPara="1" rIns="91425" wrap="square" tIns="91425">
-            <a:noAutofit/>
-          </a:bodyPr>
-          <a:lstStyle/>
-          <a:p>
-            <a:pPr indent="-342900" lvl="0" marL="457200" rtl="0" algn="l">
-              <a:lnSpc>
-                <a:spcPct val="114300"/>
-              </a:lnSpc>
-              <a:spcBef>
-                <a:spcPts val="0"/>
-              </a:spcBef>
-              <a:spcAft>
-                <a:spcPts val="0"/>
-              </a:spcAft>
-              <a:buClr>
-                <a:srgbClr val="000000"/>
-              </a:buClr>
-              <a:buSzPts val="1800"/>
-              <a:buChar char="●"/>
-            </a:pPr>
-            <a:r>
-              <a:rPr b="1" lang="zh-TW">
-                <a:solidFill>
-                  <a:srgbClr val="373B41"/>
-                </a:solidFill>
-                <a:latin typeface="Arial"/>
-                <a:ea typeface="Arial"/>
-                <a:cs typeface="Arial"/>
-                <a:sym typeface="Arial"/>
-              </a:rPr>
-              <a:t>Take screenshot of webpage with Html2Canvas</a:t>
-            </a:r>
-            <a:endParaRPr/>
-          </a:p>
-          <a:p>
-            <a:pPr indent="0" lvl="0" marL="457200" rtl="0" algn="l">
-              <a:spcBef>
-                <a:spcPts val="0"/>
-              </a:spcBef>
-              <a:spcAft>
-                <a:spcPts val="0"/>
-              </a:spcAft>
-              <a:buNone/>
-            </a:pPr>
-            <a:r>
-              <a:rPr lang="zh-TW" u="sng">
-                <a:solidFill>
-                  <a:srgbClr val="0000FF"/>
-                </a:solidFill>
-                <a:hlinkClick r:id="rId3">
-                  <a:extLst>
-                    <a:ext uri="{A12FA001-AC4F-418D-AE19-62706E023703}">
-                      <ahyp:hlinkClr val="tx"/>
-                    </a:ext>
-                  </a:extLst>
-                </a:hlinkClick>
-              </a:rPr>
-              <a:t>https://makitweb.com/take-screenshot-of-webpage-with-html2canvas/</a:t>
-            </a:r>
-            <a:endParaRPr>
-              <a:solidFill>
-                <a:srgbClr val="0000FF"/>
-              </a:solidFill>
-            </a:endParaRPr>
-          </a:p>
-          <a:p>
-            <a:pPr indent="-342900" lvl="0" marL="457200" rtl="0" algn="l">
-              <a:spcBef>
-                <a:spcPts val="1600"/>
-              </a:spcBef>
-              <a:spcAft>
-                <a:spcPts val="0"/>
-              </a:spcAft>
-              <a:buClr>
-                <a:srgbClr val="000000"/>
-              </a:buClr>
-              <a:buSzPts val="1800"/>
-              <a:buChar char="●"/>
-            </a:pPr>
-            <a:r>
-              <a:rPr b="1" lang="zh-TW">
-                <a:solidFill>
-                  <a:srgbClr val="000000"/>
-                </a:solidFill>
-                <a:latin typeface="Arial"/>
-                <a:ea typeface="Arial"/>
-                <a:cs typeface="Arial"/>
-                <a:sym typeface="Arial"/>
-              </a:rPr>
-              <a:t>Email超連結 </a:t>
-            </a:r>
-            <a:endParaRPr b="1">
-              <a:solidFill>
-                <a:srgbClr val="000000"/>
-              </a:solidFill>
-              <a:latin typeface="Arial"/>
-              <a:ea typeface="Arial"/>
-              <a:cs typeface="Arial"/>
-              <a:sym typeface="Arial"/>
-            </a:endParaRPr>
-          </a:p>
-          <a:p>
-            <a:pPr indent="0" lvl="0" marL="457200" rtl="0" algn="l">
-              <a:spcBef>
-                <a:spcPts val="0"/>
-              </a:spcBef>
-              <a:spcAft>
-                <a:spcPts val="0"/>
-              </a:spcAft>
-              <a:buNone/>
-            </a:pPr>
-            <a:r>
-              <a:rPr lang="zh-TW">
-                <a:solidFill>
-                  <a:srgbClr val="0000FF"/>
-                </a:solidFill>
-              </a:rPr>
-              <a:t>https://blog.xuite.net/jason_kuso/kuso/38943441</a:t>
-            </a:r>
-            <a:endParaRPr b="1">
-              <a:solidFill>
-                <a:srgbClr val="000000"/>
-              </a:solidFill>
-              <a:latin typeface="Arial"/>
-              <a:ea typeface="Arial"/>
-              <a:cs typeface="Arial"/>
-              <a:sym typeface="Arial"/>
-            </a:endParaRPr>
-          </a:p>
-          <a:p>
-            <a:pPr indent="-342900" lvl="0" marL="457200" rtl="0" algn="l">
-              <a:spcBef>
-                <a:spcPts val="1600"/>
-              </a:spcBef>
-              <a:spcAft>
-                <a:spcPts val="0"/>
-              </a:spcAft>
-              <a:buClr>
-                <a:srgbClr val="000000"/>
-              </a:buClr>
-              <a:buSzPts val="1800"/>
-              <a:buChar char="●"/>
-            </a:pPr>
-            <a:r>
-              <a:rPr b="1" lang="zh-TW">
-                <a:solidFill>
-                  <a:srgbClr val="000000"/>
-                </a:solidFill>
-                <a:latin typeface="Arial"/>
-                <a:ea typeface="Arial"/>
-                <a:cs typeface="Arial"/>
-                <a:sym typeface="Arial"/>
-              </a:rPr>
-              <a:t>線上許多教學網頁</a:t>
-            </a:r>
-            <a:endParaRPr b="1">
-              <a:solidFill>
-                <a:srgbClr val="000000"/>
-              </a:solidFill>
-              <a:latin typeface="Arial"/>
-              <a:ea typeface="Arial"/>
-              <a:cs typeface="Arial"/>
-              <a:sym typeface="Arial"/>
-            </a:endParaRPr>
-          </a:p>
-          <a:p>
-            <a:pPr indent="0" lvl="0" marL="457200" rtl="0" algn="l">
-              <a:spcBef>
-                <a:spcPts val="0"/>
-              </a:spcBef>
-              <a:spcAft>
-                <a:spcPts val="0"/>
-              </a:spcAft>
-              <a:buNone/>
-            </a:pPr>
-            <a:r>
-              <a:t/>
-            </a:r>
-            <a:endParaRPr/>
-          </a:p>
-          <a:p>
-            <a:pPr indent="0" lvl="0" marL="0" rtl="0" algn="l">
-              <a:spcBef>
-                <a:spcPts val="1600"/>
-              </a:spcBef>
-              <a:spcAft>
-                <a:spcPts val="0"/>
-              </a:spcAft>
-              <a:buNone/>
-            </a:pPr>
-            <a:r>
-              <a:t/>
-            </a:r>
-            <a:endParaRPr/>
-          </a:p>
-          <a:p>
-            <a:pPr indent="0" lvl="0" marL="0" rtl="0" algn="l">
-              <a:spcBef>
-                <a:spcPts val="1600"/>
-              </a:spcBef>
-              <a:spcAft>
-                <a:spcPts val="1600"/>
-              </a:spcAft>
-              <a:buNone/>
-            </a:pPr>
-            <a:r>
-              <a:t/>
-            </a:r>
-            <a:endParaRPr/>
-          </a:p>
-        </p:txBody>
-      </p:sp>
-    </p:spTree>
-  </p:cSld>
-  <p:clrMapOvr>
-    <a:masterClrMapping/>
-  </p:clrMapOvr>
-</p:sld>
-</file>
-
 <file path=ppt/theme/theme1.xml><?xml version="1.0" encoding="utf-8"?>
-<a:theme xmlns:a="http://schemas.openxmlformats.org/drawingml/2006/main" xmlns:r="http://schemas.openxmlformats.org/officeDocument/2006/relationships" name="Gameday">
+<a:theme xmlns:a="http://schemas.openxmlformats.org/drawingml/2006/main" name="Gameday">
   <a:themeElements>
     <a:clrScheme name="Gameday">
       <a:dk1>
@@ -9239,11 +9681,13 @@
       </a:bgFillStyleLst>
     </a:fmtScheme>
   </a:themeElements>
+  <a:objectDefaults/>
+  <a:extraClrSchemeLst/>
 </a:theme>
 </file>
 
 <file path=ppt/theme/theme2.xml><?xml version="1.0" encoding="utf-8"?>
-<a:theme xmlns:a="http://schemas.openxmlformats.org/drawingml/2006/main" xmlns:r="http://schemas.openxmlformats.org/officeDocument/2006/relationships">
+<a:theme xmlns:a="http://schemas.openxmlformats.org/drawingml/2006/main">
   <a:themeElements>
     <a:clrScheme name="Default">
       <a:dk1>
@@ -9518,5 +9962,7 @@
       </a:bgFillStyleLst>
     </a:fmtScheme>
   </a:themeElements>
+  <a:objectDefaults/>
+  <a:extraClrSchemeLst/>
 </a:theme>
 </file>